--- a/분석자료/화면설계서(초안)_재고 관리.pptx
+++ b/분석자료/화면설계서(초안)_재고 관리.pptx
@@ -2983,7 +2983,7 @@
             <p:ph idx="1"/>
             <p:extLst>
               <p:ext uri="{D42A27DB-BD31-4B8C-83A1-F6EECF244321}">
-                <p14:modId xmlns:p14="http://schemas.microsoft.com/office/powerpoint/2010/main" val="272984251"/>
+                <p14:modId xmlns:p14="http://schemas.microsoft.com/office/powerpoint/2010/main" val="2477050801"/>
               </p:ext>
             </p:extLst>
           </p:nvPr>
@@ -3002,35 +3002,35 @@
                 <a:gridCol w="3257550">
                   <a:extLst>
                     <a:ext uri="{9D8B030D-6E8A-4147-A177-3AD203B41FA5}">
-                      <a16:colId xmlns="" xmlns:a16="http://schemas.microsoft.com/office/drawing/2014/main" val="2880723631"/>
+                      <a16:colId xmlns:a16="http://schemas.microsoft.com/office/drawing/2014/main" xmlns="" val="2880723631"/>
                     </a:ext>
                   </a:extLst>
                 </a:gridCol>
                 <a:gridCol w="2305050">
                   <a:extLst>
                     <a:ext uri="{9D8B030D-6E8A-4147-A177-3AD203B41FA5}">
-                      <a16:colId xmlns="" xmlns:a16="http://schemas.microsoft.com/office/drawing/2014/main" val="1222440865"/>
+                      <a16:colId xmlns:a16="http://schemas.microsoft.com/office/drawing/2014/main" xmlns="" val="1222440865"/>
                     </a:ext>
                   </a:extLst>
                 </a:gridCol>
                 <a:gridCol w="1685925">
                   <a:extLst>
                     <a:ext uri="{9D8B030D-6E8A-4147-A177-3AD203B41FA5}">
-                      <a16:colId xmlns="" xmlns:a16="http://schemas.microsoft.com/office/drawing/2014/main" val="1515085376"/>
+                      <a16:colId xmlns:a16="http://schemas.microsoft.com/office/drawing/2014/main" xmlns="" val="1515085376"/>
                     </a:ext>
                   </a:extLst>
                 </a:gridCol>
                 <a:gridCol w="1628775">
                   <a:extLst>
                     <a:ext uri="{9D8B030D-6E8A-4147-A177-3AD203B41FA5}">
-                      <a16:colId xmlns="" xmlns:a16="http://schemas.microsoft.com/office/drawing/2014/main" val="630274754"/>
+                      <a16:colId xmlns:a16="http://schemas.microsoft.com/office/drawing/2014/main" xmlns="" val="630274754"/>
                     </a:ext>
                   </a:extLst>
                 </a:gridCol>
                 <a:gridCol w="1638300">
                   <a:extLst>
                     <a:ext uri="{9D8B030D-6E8A-4147-A177-3AD203B41FA5}">
-                      <a16:colId xmlns="" xmlns:a16="http://schemas.microsoft.com/office/drawing/2014/main" val="1923971626"/>
+                      <a16:colId xmlns:a16="http://schemas.microsoft.com/office/drawing/2014/main" xmlns="" val="1923971626"/>
                     </a:ext>
                   </a:extLst>
                 </a:gridCol>
@@ -3057,7 +3057,7 @@
                       </a:endParaRPr>
                     </a:p>
                   </a:txBody>
-                  <a:tcPr anchor="ctr"/>
+                  <a:tcPr/>
                 </a:tc>
                 <a:tc>
                   <a:txBody>
@@ -3072,7 +3072,7 @@
                       <a:endParaRPr lang="ko-KR" altLang="en-US" dirty="0"/>
                     </a:p>
                   </a:txBody>
-                  <a:tcPr anchor="ctr"/>
+                  <a:tcPr/>
                 </a:tc>
                 <a:tc>
                   <a:txBody>
@@ -3087,7 +3087,7 @@
                       <a:endParaRPr lang="ko-KR" altLang="en-US" dirty="0"/>
                     </a:p>
                   </a:txBody>
-                  <a:tcPr anchor="ctr"/>
+                  <a:tcPr/>
                 </a:tc>
                 <a:tc>
                   <a:txBody>
@@ -3102,7 +3102,7 @@
                       <a:endParaRPr lang="ko-KR" altLang="en-US" dirty="0"/>
                     </a:p>
                   </a:txBody>
-                  <a:tcPr anchor="ctr"/>
+                  <a:tcPr/>
                 </a:tc>
                 <a:tc>
                   <a:txBody>
@@ -3117,11 +3117,11 @@
                       <a:endParaRPr lang="ko-KR" altLang="en-US" dirty="0"/>
                     </a:p>
                   </a:txBody>
-                  <a:tcPr anchor="ctr"/>
+                  <a:tcPr/>
                 </a:tc>
                 <a:extLst>
                   <a:ext uri="{0D108BD9-81ED-4DB2-BD59-A6C34878D82A}">
-                    <a16:rowId xmlns="" xmlns:a16="http://schemas.microsoft.com/office/drawing/2014/main" val="2058711828"/>
+                    <a16:rowId xmlns:a16="http://schemas.microsoft.com/office/drawing/2014/main" xmlns="" val="2058711828"/>
                   </a:ext>
                 </a:extLst>
               </a:tr>
@@ -3228,29 +3228,26 @@
                           <a:latin typeface="새굴림" panose="02030600000101010101" pitchFamily="18" charset="-127"/>
                           <a:ea typeface="새굴림" panose="02030600000101010101" pitchFamily="18" charset="-127"/>
                         </a:rPr>
-                        <a:t>-</a:t>
-                      </a:r>
-                    </a:p>
-                  </a:txBody>
-                  <a:tcPr anchor="ctr">
-                    <a:solidFill>
-                      <a:schemeClr val="bg1"/>
-                    </a:solidFill>
-                  </a:tcPr>
-                </a:tc>
-                <a:tc>
-                  <a:txBody>
-                    <a:bodyPr/>
-                    <a:lstStyle/>
-                    <a:p>
-                      <a:pPr algn="ctr" latinLnBrk="1"/>
-                      <a:r>
-                        <a:rPr lang="en-US" altLang="ko-KR" b="0" dirty="0" smtClean="0">
-                          <a:latin typeface="새굴림" panose="02030600000101010101" pitchFamily="18" charset="-127"/>
-                          <a:ea typeface="새굴림" panose="02030600000101010101" pitchFamily="18" charset="-127"/>
-                        </a:rPr>
-                        <a:t>O</a:t>
-                      </a:r>
+                        <a:t>6</a:t>
+                      </a:r>
+                      <a:endParaRPr lang="en-US" altLang="ko-KR" sz="1800" b="0" dirty="0" smtClean="0">
+                        <a:latin typeface="새굴림" panose="02030600000101010101" pitchFamily="18" charset="-127"/>
+                        <a:ea typeface="새굴림" panose="02030600000101010101" pitchFamily="18" charset="-127"/>
+                      </a:endParaRPr>
+                    </a:p>
+                  </a:txBody>
+                  <a:tcPr anchor="ctr">
+                    <a:solidFill>
+                      <a:schemeClr val="bg1"/>
+                    </a:solidFill>
+                  </a:tcPr>
+                </a:tc>
+                <a:tc>
+                  <a:txBody>
+                    <a:bodyPr/>
+                    <a:lstStyle/>
+                    <a:p>
+                      <a:pPr algn="ctr" latinLnBrk="1"/>
                       <a:endParaRPr lang="ko-KR" altLang="en-US" b="0" dirty="0">
                         <a:latin typeface="새굴림" panose="02030600000101010101" pitchFamily="18" charset="-127"/>
                         <a:ea typeface="새굴림" panose="02030600000101010101" pitchFamily="18" charset="-127"/>
@@ -3265,7 +3262,7 @@
                 </a:tc>
                 <a:extLst>
                   <a:ext uri="{0D108BD9-81ED-4DB2-BD59-A6C34878D82A}">
-                    <a16:rowId xmlns="" xmlns:a16="http://schemas.microsoft.com/office/drawing/2014/main" val="1940163066"/>
+                    <a16:rowId xmlns:a16="http://schemas.microsoft.com/office/drawing/2014/main" xmlns="" val="1940163066"/>
                   </a:ext>
                 </a:extLst>
               </a:tr>
@@ -3373,13 +3370,6 @@
                     <a:lstStyle/>
                     <a:p>
                       <a:pPr algn="ctr"/>
-                      <a:r>
-                        <a:rPr lang="en-US" altLang="ko-KR" dirty="0" smtClean="0">
-                          <a:latin typeface="새굴림" pitchFamily="18" charset="-127"/>
-                          <a:ea typeface="새굴림" pitchFamily="18" charset="-127"/>
-                        </a:rPr>
-                        <a:t>O</a:t>
-                      </a:r>
                       <a:endParaRPr lang="ko-KR" altLang="en-US" dirty="0">
                         <a:latin typeface="새굴림" pitchFamily="18" charset="-127"/>
                         <a:ea typeface="새굴림" pitchFamily="18" charset="-127"/>
@@ -3394,7 +3384,7 @@
                 </a:tc>
                 <a:extLst>
                   <a:ext uri="{0D108BD9-81ED-4DB2-BD59-A6C34878D82A}">
-                    <a16:rowId xmlns="" xmlns:a16="http://schemas.microsoft.com/office/drawing/2014/main" val="1642501168"/>
+                    <a16:rowId xmlns:a16="http://schemas.microsoft.com/office/drawing/2014/main" xmlns="" val="1642501168"/>
                   </a:ext>
                 </a:extLst>
               </a:tr>
@@ -3425,7 +3415,28 @@
                           <a:latin typeface="새굴림" pitchFamily="18" charset="-127"/>
                           <a:ea typeface="새굴림" pitchFamily="18" charset="-127"/>
                         </a:rPr>
-                        <a:t>상품 종류 수</a:t>
+                        <a:t>부품 </a:t>
+                      </a:r>
+                      <a:r>
+                        <a:rPr lang="ko-KR" altLang="en-US" dirty="0" smtClean="0">
+                          <a:latin typeface="새굴림" pitchFamily="18" charset="-127"/>
+                          <a:ea typeface="새굴림" pitchFamily="18" charset="-127"/>
+                        </a:rPr>
+                        <a:t>종류 </a:t>
+                      </a:r>
+                      <a:r>
+                        <a:rPr lang="ko-KR" altLang="en-US" dirty="0" smtClean="0">
+                          <a:latin typeface="새굴림" pitchFamily="18" charset="-127"/>
+                          <a:ea typeface="새굴림" pitchFamily="18" charset="-127"/>
+                        </a:rPr>
+                        <a:t>수</a:t>
+                      </a:r>
+                      <a:r>
+                        <a:rPr lang="en-US" altLang="ko-KR" dirty="0" smtClean="0">
+                          <a:latin typeface="새굴림" pitchFamily="18" charset="-127"/>
+                          <a:ea typeface="새굴림" pitchFamily="18" charset="-127"/>
+                        </a:rPr>
+                        <a:t>*</a:t>
                       </a:r>
                       <a:endParaRPr lang="ko-KR" altLang="en-US" dirty="0">
                         <a:latin typeface="새굴림" pitchFamily="18" charset="-127"/>
@@ -3487,7 +3498,7 @@
                           <a:latin typeface="새굴림" pitchFamily="18" charset="-127"/>
                           <a:ea typeface="새굴림" pitchFamily="18" charset="-127"/>
                         </a:rPr>
-                        <a:t>-</a:t>
+                        <a:t>10</a:t>
                       </a:r>
                       <a:endParaRPr lang="ko-KR" altLang="en-US" dirty="0">
                         <a:latin typeface="새굴림" pitchFamily="18" charset="-127"/>
@@ -3523,13 +3534,6 @@
                         <a:tabLst/>
                         <a:defRPr/>
                       </a:pPr>
-                      <a:r>
-                        <a:rPr lang="en-US" altLang="ko-KR" dirty="0" smtClean="0">
-                          <a:latin typeface="새굴림" pitchFamily="18" charset="-127"/>
-                          <a:ea typeface="새굴림" pitchFamily="18" charset="-127"/>
-                        </a:rPr>
-                        <a:t>O</a:t>
-                      </a:r>
                       <a:endParaRPr lang="ko-KR" altLang="en-US" dirty="0" smtClean="0">
                         <a:latin typeface="새굴림" pitchFamily="18" charset="-127"/>
                         <a:ea typeface="새굴림" pitchFamily="18" charset="-127"/>
@@ -3544,7 +3548,7 @@
                 </a:tc>
                 <a:extLst>
                   <a:ext uri="{0D108BD9-81ED-4DB2-BD59-A6C34878D82A}">
-                    <a16:rowId xmlns="" xmlns:a16="http://schemas.microsoft.com/office/drawing/2014/main" val="4120884330"/>
+                    <a16:rowId xmlns:a16="http://schemas.microsoft.com/office/drawing/2014/main" xmlns="" val="4120884330"/>
                   </a:ext>
                 </a:extLst>
               </a:tr>
@@ -3577,6 +3581,13 @@
                         </a:rPr>
                         <a:t>발주일</a:t>
                       </a:r>
+                      <a:r>
+                        <a:rPr lang="en-US" altLang="ko-KR" dirty="0" smtClean="0">
+                          <a:latin typeface="새굴림" pitchFamily="18" charset="-127"/>
+                          <a:ea typeface="새굴림" pitchFamily="18" charset="-127"/>
+                        </a:rPr>
+                        <a:t>*</a:t>
+                      </a:r>
                       <a:endParaRPr lang="ko-KR" altLang="en-US" dirty="0">
                         <a:latin typeface="새굴림" pitchFamily="18" charset="-127"/>
                         <a:ea typeface="새굴림" pitchFamily="18" charset="-127"/>
@@ -3625,7 +3636,7 @@
                           <a:latin typeface="새굴림" pitchFamily="18" charset="-127"/>
                           <a:ea typeface="새굴림" pitchFamily="18" charset="-127"/>
                         </a:rPr>
-                        <a:t>-</a:t>
+                        <a:t>8</a:t>
                       </a:r>
                       <a:endParaRPr lang="ko-KR" altLang="en-US" dirty="0">
                         <a:latin typeface="새굴림" pitchFamily="18" charset="-127"/>
@@ -3645,13 +3656,6 @@
                     <a:lstStyle/>
                     <a:p>
                       <a:pPr algn="ctr" latinLnBrk="1"/>
-                      <a:r>
-                        <a:rPr lang="en-US" altLang="ko-KR" dirty="0" smtClean="0">
-                          <a:latin typeface="새굴림" pitchFamily="18" charset="-127"/>
-                          <a:ea typeface="새굴림" pitchFamily="18" charset="-127"/>
-                        </a:rPr>
-                        <a:t>O</a:t>
-                      </a:r>
                       <a:endParaRPr lang="ko-KR" altLang="en-US" dirty="0">
                         <a:latin typeface="새굴림" pitchFamily="18" charset="-127"/>
                         <a:ea typeface="새굴림" pitchFamily="18" charset="-127"/>
@@ -3666,7 +3670,7 @@
                 </a:tc>
                 <a:extLst>
                   <a:ext uri="{0D108BD9-81ED-4DB2-BD59-A6C34878D82A}">
-                    <a16:rowId xmlns="" xmlns:a16="http://schemas.microsoft.com/office/drawing/2014/main" val="4128160277"/>
+                    <a16:rowId xmlns:a16="http://schemas.microsoft.com/office/drawing/2014/main" xmlns="" val="4128160277"/>
                   </a:ext>
                 </a:extLst>
               </a:tr>
@@ -3709,14 +3713,14 @@
                         <a:defRPr/>
                       </a:pPr>
                       <a:r>
-                        <a:rPr lang="ko-KR" altLang="en-US" smtClean="0">
+                        <a:rPr lang="ko-KR" altLang="en-US" dirty="0" smtClean="0">
                           <a:latin typeface="새굴림" pitchFamily="18" charset="-127"/>
                           <a:ea typeface="새굴림" pitchFamily="18" charset="-127"/>
                         </a:rPr>
                         <a:t>발주 담당자</a:t>
                       </a:r>
                       <a:r>
-                        <a:rPr lang="en-US" altLang="ko-KR" smtClean="0">
+                        <a:rPr lang="en-US" altLang="ko-KR" dirty="0" smtClean="0">
                           <a:latin typeface="새굴림" pitchFamily="18" charset="-127"/>
                           <a:ea typeface="새굴림" pitchFamily="18" charset="-127"/>
                         </a:rPr>
@@ -3790,13 +3794,6 @@
                     <a:lstStyle/>
                     <a:p>
                       <a:pPr algn="ctr"/>
-                      <a:r>
-                        <a:rPr lang="en-US" altLang="ko-KR" smtClean="0">
-                          <a:latin typeface="새굴림" pitchFamily="18" charset="-127"/>
-                          <a:ea typeface="새굴림" pitchFamily="18" charset="-127"/>
-                        </a:rPr>
-                        <a:t>O</a:t>
-                      </a:r>
                       <a:endParaRPr lang="ko-KR" altLang="en-US" dirty="0">
                         <a:latin typeface="새굴림" pitchFamily="18" charset="-127"/>
                         <a:ea typeface="새굴림" pitchFamily="18" charset="-127"/>
@@ -3811,7 +3808,7 @@
                 </a:tc>
                 <a:extLst>
                   <a:ext uri="{0D108BD9-81ED-4DB2-BD59-A6C34878D82A}">
-                    <a16:rowId xmlns="" xmlns:a16="http://schemas.microsoft.com/office/drawing/2014/main" val="3584867855"/>
+                    <a16:rowId xmlns:a16="http://schemas.microsoft.com/office/drawing/2014/main" xmlns="" val="3584867855"/>
                   </a:ext>
                 </a:extLst>
               </a:tr>
@@ -3915,13 +3912,6 @@
                     <a:lstStyle/>
                     <a:p>
                       <a:pPr algn="ctr" latinLnBrk="1"/>
-                      <a:r>
-                        <a:rPr lang="en-US" altLang="ko-KR" dirty="0" smtClean="0">
-                          <a:latin typeface="새굴림" pitchFamily="18" charset="-127"/>
-                          <a:ea typeface="새굴림" pitchFamily="18" charset="-127"/>
-                        </a:rPr>
-                        <a:t>O</a:t>
-                      </a:r>
                       <a:endParaRPr lang="ko-KR" altLang="en-US" dirty="0">
                         <a:latin typeface="새굴림" pitchFamily="18" charset="-127"/>
                         <a:ea typeface="새굴림" pitchFamily="18" charset="-127"/>
@@ -4008,7 +3998,7 @@
                           <a:latin typeface="새굴림" pitchFamily="18" charset="-127"/>
                           <a:ea typeface="새굴림" pitchFamily="18" charset="-127"/>
                         </a:rPr>
-                        <a:t>-</a:t>
+                        <a:t>14</a:t>
                       </a:r>
                       <a:endParaRPr lang="ko-KR" altLang="en-US" dirty="0">
                         <a:latin typeface="새굴림" pitchFamily="18" charset="-127"/>
@@ -4028,13 +4018,6 @@
                     <a:lstStyle/>
                     <a:p>
                       <a:pPr algn="ctr" latinLnBrk="1"/>
-                      <a:r>
-                        <a:rPr lang="en-US" altLang="ko-KR" dirty="0" smtClean="0">
-                          <a:latin typeface="새굴림" pitchFamily="18" charset="-127"/>
-                          <a:ea typeface="새굴림" pitchFamily="18" charset="-127"/>
-                        </a:rPr>
-                        <a:t>X</a:t>
-                      </a:r>
                       <a:endParaRPr lang="ko-KR" altLang="en-US" dirty="0">
                         <a:latin typeface="새굴림" pitchFamily="18" charset="-127"/>
                         <a:ea typeface="새굴림" pitchFamily="18" charset="-127"/>
@@ -4106,13 +4089,13 @@
           <p:nvPr>
             <p:extLst>
               <p:ext uri="{D42A27DB-BD31-4B8C-83A1-F6EECF244321}">
-                <p14:modId xmlns:p14="http://schemas.microsoft.com/office/powerpoint/2010/main" val="2317471983"/>
+                <p14:modId xmlns:p14="http://schemas.microsoft.com/office/powerpoint/2010/main" val="2622133627"/>
               </p:ext>
             </p:extLst>
           </p:nvPr>
         </p:nvGraphicFramePr>
         <p:xfrm>
-          <a:off x="838200" y="5072527"/>
+          <a:off x="838200" y="5006340"/>
           <a:ext cx="10515600" cy="1483360"/>
         </p:xfrm>
         <a:graphic>
@@ -4125,14 +4108,14 @@
                 <a:gridCol w="3286125">
                   <a:extLst>
                     <a:ext uri="{9D8B030D-6E8A-4147-A177-3AD203B41FA5}">
-                      <a16:colId xmlns="" xmlns:a16="http://schemas.microsoft.com/office/drawing/2014/main" val="2880723631"/>
+                      <a16:colId xmlns:a16="http://schemas.microsoft.com/office/drawing/2014/main" xmlns="" val="2880723631"/>
                     </a:ext>
                   </a:extLst>
                 </a:gridCol>
                 <a:gridCol w="7229475">
                   <a:extLst>
                     <a:ext uri="{9D8B030D-6E8A-4147-A177-3AD203B41FA5}">
-                      <a16:colId xmlns="" xmlns:a16="http://schemas.microsoft.com/office/drawing/2014/main" val="1222440865"/>
+                      <a16:colId xmlns:a16="http://schemas.microsoft.com/office/drawing/2014/main" xmlns="" val="1222440865"/>
                     </a:ext>
                   </a:extLst>
                 </a:gridCol>
@@ -4178,52 +4161,11 @@
                 </a:tc>
                 <a:extLst>
                   <a:ext uri="{0D108BD9-81ED-4DB2-BD59-A6C34878D82A}">
-                    <a16:rowId xmlns="" xmlns:a16="http://schemas.microsoft.com/office/drawing/2014/main" val="2058711828"/>
+                    <a16:rowId xmlns:a16="http://schemas.microsoft.com/office/drawing/2014/main" xmlns="" val="2058711828"/>
                   </a:ext>
                 </a:extLst>
               </a:tr>
               <a:tr h="370840">
-                <a:tc>
-                  <a:txBody>
-                    <a:bodyPr/>
-                    <a:lstStyle/>
-                    <a:p>
-                      <a:pPr marL="0" marR="0" indent="0" algn="ctr" defTabSz="914400" rtl="0" eaLnBrk="1" fontAlgn="auto" latinLnBrk="1" hangingPunct="1">
-                        <a:lnSpc>
-                          <a:spcPct val="100000"/>
-                        </a:lnSpc>
-                        <a:spcBef>
-                          <a:spcPts val="0"/>
-                        </a:spcBef>
-                        <a:spcAft>
-                          <a:spcPts val="0"/>
-                        </a:spcAft>
-                        <a:buClrTx/>
-                        <a:buSzTx/>
-                        <a:buFontTx/>
-                        <a:buNone/>
-                        <a:tabLst/>
-                        <a:defRPr/>
-                      </a:pPr>
-                      <a:r>
-                        <a:rPr lang="ko-KR" altLang="en-US" sz="1800" dirty="0" smtClean="0">
-                          <a:latin typeface="새굴림" panose="02030600000101010101" pitchFamily="18" charset="-127"/>
-                          <a:ea typeface="새굴림" panose="02030600000101010101" pitchFamily="18" charset="-127"/>
-                        </a:rPr>
-                        <a:t>항목 선택</a:t>
-                      </a:r>
-                      <a:endParaRPr lang="en-US" altLang="ko-KR" sz="1800" dirty="0" smtClean="0">
-                        <a:latin typeface="새굴림" panose="02030600000101010101" pitchFamily="18" charset="-127"/>
-                        <a:ea typeface="새굴림" panose="02030600000101010101" pitchFamily="18" charset="-127"/>
-                      </a:endParaRPr>
-                    </a:p>
-                  </a:txBody>
-                  <a:tcPr anchor="ctr">
-                    <a:solidFill>
-                      <a:schemeClr val="bg1"/>
-                    </a:solidFill>
-                  </a:tcPr>
-                </a:tc>
                 <a:tc>
                   <a:txBody>
                     <a:bodyPr/>
@@ -4248,6 +4190,47 @@
                       </a:pPr>
                       <a:r>
                         <a:rPr lang="ko-KR" altLang="en-US" sz="1800" dirty="0" smtClean="0">
+                          <a:latin typeface="새굴림" panose="02030600000101010101" pitchFamily="18" charset="-127"/>
+                          <a:ea typeface="새굴림" panose="02030600000101010101" pitchFamily="18" charset="-127"/>
+                        </a:rPr>
+                        <a:t>상세정보 이동</a:t>
+                      </a:r>
+                      <a:endParaRPr lang="en-US" altLang="ko-KR" sz="1800" dirty="0" smtClean="0">
+                        <a:latin typeface="새굴림" panose="02030600000101010101" pitchFamily="18" charset="-127"/>
+                        <a:ea typeface="새굴림" panose="02030600000101010101" pitchFamily="18" charset="-127"/>
+                      </a:endParaRPr>
+                    </a:p>
+                  </a:txBody>
+                  <a:tcPr anchor="ctr">
+                    <a:solidFill>
+                      <a:schemeClr val="bg1"/>
+                    </a:solidFill>
+                  </a:tcPr>
+                </a:tc>
+                <a:tc>
+                  <a:txBody>
+                    <a:bodyPr/>
+                    <a:lstStyle/>
+                    <a:p>
+                      <a:pPr marL="0" marR="0" indent="0" algn="l" defTabSz="914400" rtl="0" eaLnBrk="1" fontAlgn="auto" latinLnBrk="1" hangingPunct="1">
+                        <a:lnSpc>
+                          <a:spcPct val="100000"/>
+                        </a:lnSpc>
+                        <a:spcBef>
+                          <a:spcPts val="0"/>
+                        </a:spcBef>
+                        <a:spcAft>
+                          <a:spcPts val="0"/>
+                        </a:spcAft>
+                        <a:buClrTx/>
+                        <a:buSzTx/>
+                        <a:buFontTx/>
+                        <a:buNone/>
+                        <a:tabLst/>
+                        <a:defRPr/>
+                      </a:pPr>
+                      <a:r>
+                        <a:rPr lang="ko-KR" altLang="en-US" sz="1800" dirty="0" smtClean="0">
                           <a:solidFill>
                             <a:srgbClr val="403C4E"/>
                           </a:solidFill>
@@ -4282,7 +4265,7 @@
                 </a:tc>
                 <a:extLst>
                   <a:ext uri="{0D108BD9-81ED-4DB2-BD59-A6C34878D82A}">
-                    <a16:rowId xmlns="" xmlns:a16="http://schemas.microsoft.com/office/drawing/2014/main" val="1940163066"/>
+                    <a16:rowId xmlns:a16="http://schemas.microsoft.com/office/drawing/2014/main" xmlns="" val="1940163066"/>
                   </a:ext>
                 </a:extLst>
               </a:tr>
@@ -4292,71 +4275,120 @@
                     <a:bodyPr/>
                     <a:lstStyle/>
                     <a:p>
-                      <a:pPr algn="ctr" latinLnBrk="1"/>
-                      <a:r>
-                        <a:rPr lang="ko-KR" altLang="en-US" dirty="0" smtClean="0"/>
-                        <a:t>조회 버튼</a:t>
-                      </a:r>
-                      <a:endParaRPr lang="ko-KR" altLang="en-US" dirty="0"/>
-                    </a:p>
-                  </a:txBody>
-                  <a:tcPr anchor="ctr">
-                    <a:solidFill>
-                      <a:schemeClr val="bg1"/>
-                    </a:solidFill>
-                  </a:tcPr>
-                </a:tc>
-                <a:tc>
-                  <a:txBody>
-                    <a:bodyPr/>
-                    <a:lstStyle/>
-                    <a:p>
                       <a:pPr algn="l" latinLnBrk="1"/>
                       <a:r>
-                        <a:rPr lang="ko-KR" altLang="en-US" dirty="0" smtClean="0"/>
+                        <a:rPr lang="ko-KR" altLang="en-US" dirty="0" smtClean="0">
+                          <a:latin typeface="새굴림" pitchFamily="18" charset="-127"/>
+                          <a:ea typeface="새굴림" pitchFamily="18" charset="-127"/>
+                        </a:rPr>
+                        <a:t>조회 </a:t>
+                      </a:r>
+                      <a:r>
+                        <a:rPr lang="ko-KR" altLang="en-US" dirty="0" smtClean="0">
+                          <a:latin typeface="새굴림" pitchFamily="18" charset="-127"/>
+                          <a:ea typeface="새굴림" pitchFamily="18" charset="-127"/>
+                        </a:rPr>
+                        <a:t>버튼 클릭</a:t>
+                      </a:r>
+                      <a:endParaRPr lang="ko-KR" altLang="en-US" dirty="0">
+                        <a:latin typeface="새굴림" pitchFamily="18" charset="-127"/>
+                        <a:ea typeface="새굴림" pitchFamily="18" charset="-127"/>
+                      </a:endParaRPr>
+                    </a:p>
+                  </a:txBody>
+                  <a:tcPr anchor="ctr">
+                    <a:solidFill>
+                      <a:schemeClr val="bg1"/>
+                    </a:solidFill>
+                  </a:tcPr>
+                </a:tc>
+                <a:tc>
+                  <a:txBody>
+                    <a:bodyPr/>
+                    <a:lstStyle/>
+                    <a:p>
+                      <a:pPr algn="l" latinLnBrk="1"/>
+                      <a:r>
+                        <a:rPr lang="ko-KR" altLang="en-US" dirty="0" smtClean="0">
+                          <a:latin typeface="새굴림" pitchFamily="18" charset="-127"/>
+                          <a:ea typeface="새굴림" pitchFamily="18" charset="-127"/>
+                        </a:rPr>
                         <a:t>거래처</a:t>
                       </a:r>
                       <a:r>
-                        <a:rPr lang="en-US" altLang="ko-KR" dirty="0" smtClean="0"/>
+                        <a:rPr lang="en-US" altLang="ko-KR" dirty="0" smtClean="0">
+                          <a:latin typeface="새굴림" pitchFamily="18" charset="-127"/>
+                          <a:ea typeface="새굴림" pitchFamily="18" charset="-127"/>
+                        </a:rPr>
                         <a:t>,</a:t>
                       </a:r>
                       <a:r>
-                        <a:rPr lang="ko-KR" altLang="en-US" dirty="0" smtClean="0"/>
+                        <a:rPr lang="ko-KR" altLang="en-US" dirty="0" smtClean="0">
+                          <a:latin typeface="새굴림" pitchFamily="18" charset="-127"/>
+                          <a:ea typeface="새굴림" pitchFamily="18" charset="-127"/>
+                        </a:rPr>
                         <a:t>상품</a:t>
                       </a:r>
                       <a:r>
-                        <a:rPr lang="en-US" altLang="ko-KR" dirty="0" smtClean="0"/>
+                        <a:rPr lang="en-US" altLang="ko-KR" dirty="0" smtClean="0">
+                          <a:latin typeface="새굴림" pitchFamily="18" charset="-127"/>
+                          <a:ea typeface="새굴림" pitchFamily="18" charset="-127"/>
+                        </a:rPr>
                         <a:t>,</a:t>
                       </a:r>
                       <a:r>
-                        <a:rPr lang="ko-KR" altLang="en-US" dirty="0" smtClean="0"/>
+                        <a:rPr lang="ko-KR" altLang="en-US" dirty="0" smtClean="0">
+                          <a:latin typeface="새굴림" pitchFamily="18" charset="-127"/>
+                          <a:ea typeface="새굴림" pitchFamily="18" charset="-127"/>
+                        </a:rPr>
                         <a:t>발주일</a:t>
                       </a:r>
                       <a:r>
-                        <a:rPr lang="en-US" altLang="ko-KR" dirty="0" smtClean="0"/>
+                        <a:rPr lang="en-US" altLang="ko-KR" dirty="0" smtClean="0">
+                          <a:latin typeface="새굴림" pitchFamily="18" charset="-127"/>
+                          <a:ea typeface="새굴림" pitchFamily="18" charset="-127"/>
+                        </a:rPr>
                         <a:t>,</a:t>
                       </a:r>
                       <a:r>
-                        <a:rPr lang="ko-KR" altLang="en-US" dirty="0" smtClean="0"/>
+                        <a:rPr lang="ko-KR" altLang="en-US" dirty="0" smtClean="0">
+                          <a:latin typeface="새굴림" pitchFamily="18" charset="-127"/>
+                          <a:ea typeface="새굴림" pitchFamily="18" charset="-127"/>
+                        </a:rPr>
                         <a:t>입고일</a:t>
                       </a:r>
                       <a:r>
-                        <a:rPr lang="en-US" altLang="ko-KR" dirty="0" smtClean="0"/>
+                        <a:rPr lang="en-US" altLang="ko-KR" dirty="0" smtClean="0">
+                          <a:latin typeface="새굴림" pitchFamily="18" charset="-127"/>
+                          <a:ea typeface="새굴림" pitchFamily="18" charset="-127"/>
+                        </a:rPr>
                         <a:t>,</a:t>
                       </a:r>
                       <a:r>
-                        <a:rPr lang="ko-KR" altLang="en-US" dirty="0" smtClean="0"/>
+                        <a:rPr lang="ko-KR" altLang="en-US" dirty="0" smtClean="0">
+                          <a:latin typeface="새굴림" pitchFamily="18" charset="-127"/>
+                          <a:ea typeface="새굴림" pitchFamily="18" charset="-127"/>
+                        </a:rPr>
                         <a:t>담당자</a:t>
                       </a:r>
                       <a:r>
-                        <a:rPr lang="en-US" altLang="ko-KR" dirty="0" smtClean="0"/>
+                        <a:rPr lang="en-US" altLang="ko-KR" dirty="0" smtClean="0">
+                          <a:latin typeface="새굴림" pitchFamily="18" charset="-127"/>
+                          <a:ea typeface="새굴림" pitchFamily="18" charset="-127"/>
+                        </a:rPr>
                         <a:t>,</a:t>
                       </a:r>
                       <a:r>
-                        <a:rPr lang="ko-KR" altLang="en-US" dirty="0" smtClean="0"/>
+                        <a:rPr lang="ko-KR" altLang="en-US" dirty="0" smtClean="0">
+                          <a:latin typeface="새굴림" pitchFamily="18" charset="-127"/>
+                          <a:ea typeface="새굴림" pitchFamily="18" charset="-127"/>
+                        </a:rPr>
                         <a:t>처리상태 별 조회</a:t>
                       </a:r>
-                      <a:endParaRPr lang="ko-KR" altLang="en-US" dirty="0"/>
+                      <a:endParaRPr lang="ko-KR" altLang="en-US" dirty="0">
+                        <a:latin typeface="새굴림" pitchFamily="18" charset="-127"/>
+                        <a:ea typeface="새굴림" pitchFamily="18" charset="-127"/>
+                      </a:endParaRPr>
                     </a:p>
                   </a:txBody>
                   <a:tcPr anchor="ctr">
@@ -4367,7 +4399,7 @@
                 </a:tc>
                 <a:extLst>
                   <a:ext uri="{0D108BD9-81ED-4DB2-BD59-A6C34878D82A}">
-                    <a16:rowId xmlns="" xmlns:a16="http://schemas.microsoft.com/office/drawing/2014/main" val="1642501168"/>
+                    <a16:rowId xmlns:a16="http://schemas.microsoft.com/office/drawing/2014/main" xmlns="" val="1642501168"/>
                   </a:ext>
                 </a:extLst>
               </a:tr>
@@ -4377,35 +4409,57 @@
                     <a:bodyPr/>
                     <a:lstStyle/>
                     <a:p>
-                      <a:pPr algn="ctr" latinLnBrk="1"/>
-                      <a:r>
-                        <a:rPr lang="ko-KR" altLang="en-US" dirty="0" smtClean="0"/>
-                        <a:t>출력 버튼</a:t>
-                      </a:r>
-                      <a:endParaRPr lang="ko-KR" altLang="en-US" dirty="0"/>
-                    </a:p>
-                  </a:txBody>
-                  <a:tcPr anchor="ctr">
-                    <a:solidFill>
-                      <a:schemeClr val="bg1"/>
-                    </a:solidFill>
-                  </a:tcPr>
-                </a:tc>
-                <a:tc>
-                  <a:txBody>
-                    <a:bodyPr/>
-                    <a:lstStyle/>
-                    <a:p>
                       <a:pPr algn="l" latinLnBrk="1"/>
                       <a:r>
-                        <a:rPr lang="ko-KR" altLang="en-US" dirty="0" smtClean="0"/>
+                        <a:rPr lang="ko-KR" altLang="en-US" dirty="0" smtClean="0">
+                          <a:latin typeface="새굴림" pitchFamily="18" charset="-127"/>
+                          <a:ea typeface="새굴림" pitchFamily="18" charset="-127"/>
+                        </a:rPr>
+                        <a:t>출력 </a:t>
+                      </a:r>
+                      <a:r>
+                        <a:rPr lang="ko-KR" altLang="en-US" dirty="0" smtClean="0">
+                          <a:latin typeface="새굴림" pitchFamily="18" charset="-127"/>
+                          <a:ea typeface="새굴림" pitchFamily="18" charset="-127"/>
+                        </a:rPr>
+                        <a:t>버튼 클릭</a:t>
+                      </a:r>
+                      <a:endParaRPr lang="ko-KR" altLang="en-US" dirty="0">
+                        <a:latin typeface="새굴림" pitchFamily="18" charset="-127"/>
+                        <a:ea typeface="새굴림" pitchFamily="18" charset="-127"/>
+                      </a:endParaRPr>
+                    </a:p>
+                  </a:txBody>
+                  <a:tcPr anchor="ctr">
+                    <a:solidFill>
+                      <a:schemeClr val="bg1"/>
+                    </a:solidFill>
+                  </a:tcPr>
+                </a:tc>
+                <a:tc>
+                  <a:txBody>
+                    <a:bodyPr/>
+                    <a:lstStyle/>
+                    <a:p>
+                      <a:pPr algn="l" latinLnBrk="1"/>
+                      <a:r>
+                        <a:rPr lang="ko-KR" altLang="en-US" dirty="0" smtClean="0">
+                          <a:latin typeface="새굴림" pitchFamily="18" charset="-127"/>
+                          <a:ea typeface="새굴림" pitchFamily="18" charset="-127"/>
+                        </a:rPr>
                         <a:t>전체 입고 현황 출력</a:t>
                       </a:r>
                       <a:r>
-                        <a:rPr lang="en-US" altLang="ko-KR" dirty="0" smtClean="0"/>
+                        <a:rPr lang="en-US" altLang="ko-KR" dirty="0" smtClean="0">
+                          <a:latin typeface="새굴림" pitchFamily="18" charset="-127"/>
+                          <a:ea typeface="새굴림" pitchFamily="18" charset="-127"/>
+                        </a:rPr>
                         <a:t>(Excel, PDF)</a:t>
                       </a:r>
-                      <a:endParaRPr lang="ko-KR" altLang="en-US" dirty="0"/>
+                      <a:endParaRPr lang="ko-KR" altLang="en-US" dirty="0">
+                        <a:latin typeface="새굴림" pitchFamily="18" charset="-127"/>
+                        <a:ea typeface="새굴림" pitchFamily="18" charset="-127"/>
+                      </a:endParaRPr>
                     </a:p>
                   </a:txBody>
                   <a:tcPr anchor="ctr">
@@ -4416,7 +4470,7 @@
                 </a:tc>
                 <a:extLst>
                   <a:ext uri="{0D108BD9-81ED-4DB2-BD59-A6C34878D82A}">
-                    <a16:rowId xmlns="" xmlns:a16="http://schemas.microsoft.com/office/drawing/2014/main" val="4120884330"/>
+                    <a16:rowId xmlns:a16="http://schemas.microsoft.com/office/drawing/2014/main" xmlns="" val="4120884330"/>
                   </a:ext>
                 </a:extLst>
               </a:tr>
@@ -4571,14 +4625,14 @@
             <p:ph idx="1"/>
             <p:extLst>
               <p:ext uri="{D42A27DB-BD31-4B8C-83A1-F6EECF244321}">
-                <p14:modId xmlns:p14="http://schemas.microsoft.com/office/powerpoint/2010/main" val="3503695916"/>
+                <p14:modId xmlns:p14="http://schemas.microsoft.com/office/powerpoint/2010/main" val="2790860503"/>
               </p:ext>
             </p:extLst>
           </p:nvPr>
         </p:nvGraphicFramePr>
         <p:xfrm>
           <a:off x="838200" y="1825625"/>
-          <a:ext cx="10515600" cy="3484880"/>
+          <a:ext cx="10515600" cy="3413760"/>
         </p:xfrm>
         <a:graphic>
           <a:graphicData uri="http://schemas.openxmlformats.org/drawingml/2006/table">
@@ -4590,40 +4644,40 @@
                 <a:gridCol w="3257550">
                   <a:extLst>
                     <a:ext uri="{9D8B030D-6E8A-4147-A177-3AD203B41FA5}">
-                      <a16:colId xmlns="" xmlns:a16="http://schemas.microsoft.com/office/drawing/2014/main" val="2880723631"/>
+                      <a16:colId xmlns:a16="http://schemas.microsoft.com/office/drawing/2014/main" xmlns="" val="2880723631"/>
                     </a:ext>
                   </a:extLst>
                 </a:gridCol>
                 <a:gridCol w="2305050">
                   <a:extLst>
                     <a:ext uri="{9D8B030D-6E8A-4147-A177-3AD203B41FA5}">
-                      <a16:colId xmlns="" xmlns:a16="http://schemas.microsoft.com/office/drawing/2014/main" val="1222440865"/>
+                      <a16:colId xmlns:a16="http://schemas.microsoft.com/office/drawing/2014/main" xmlns="" val="1222440865"/>
                     </a:ext>
                   </a:extLst>
                 </a:gridCol>
                 <a:gridCol w="1685925">
                   <a:extLst>
                     <a:ext uri="{9D8B030D-6E8A-4147-A177-3AD203B41FA5}">
-                      <a16:colId xmlns="" xmlns:a16="http://schemas.microsoft.com/office/drawing/2014/main" val="1515085376"/>
+                      <a16:colId xmlns:a16="http://schemas.microsoft.com/office/drawing/2014/main" xmlns="" val="1515085376"/>
                     </a:ext>
                   </a:extLst>
                 </a:gridCol>
                 <a:gridCol w="1628775">
                   <a:extLst>
                     <a:ext uri="{9D8B030D-6E8A-4147-A177-3AD203B41FA5}">
-                      <a16:colId xmlns="" xmlns:a16="http://schemas.microsoft.com/office/drawing/2014/main" val="630274754"/>
+                      <a16:colId xmlns:a16="http://schemas.microsoft.com/office/drawing/2014/main" xmlns="" val="630274754"/>
                     </a:ext>
                   </a:extLst>
                 </a:gridCol>
                 <a:gridCol w="1638300">
                   <a:extLst>
                     <a:ext uri="{9D8B030D-6E8A-4147-A177-3AD203B41FA5}">
-                      <a16:colId xmlns="" xmlns:a16="http://schemas.microsoft.com/office/drawing/2014/main" val="1923971626"/>
+                      <a16:colId xmlns:a16="http://schemas.microsoft.com/office/drawing/2014/main" xmlns="" val="1923971626"/>
                     </a:ext>
                   </a:extLst>
                 </a:gridCol>
               </a:tblGrid>
-              <a:tr h="370840">
+              <a:tr h="0">
                 <a:tc>
                   <a:txBody>
                     <a:bodyPr/>
@@ -4645,7 +4699,7 @@
                       </a:endParaRPr>
                     </a:p>
                   </a:txBody>
-                  <a:tcPr anchor="ctr"/>
+                  <a:tcPr/>
                 </a:tc>
                 <a:tc>
                   <a:txBody>
@@ -4660,7 +4714,7 @@
                       <a:endParaRPr lang="ko-KR" altLang="en-US" sz="1800" dirty="0"/>
                     </a:p>
                   </a:txBody>
-                  <a:tcPr anchor="ctr"/>
+                  <a:tcPr/>
                 </a:tc>
                 <a:tc>
                   <a:txBody>
@@ -4675,7 +4729,7 @@
                       <a:endParaRPr lang="ko-KR" altLang="en-US" sz="1800" dirty="0"/>
                     </a:p>
                   </a:txBody>
-                  <a:tcPr anchor="ctr"/>
+                  <a:tcPr/>
                 </a:tc>
                 <a:tc>
                   <a:txBody>
@@ -4690,7 +4744,7 @@
                       <a:endParaRPr lang="ko-KR" altLang="en-US" sz="1800" dirty="0"/>
                     </a:p>
                   </a:txBody>
-                  <a:tcPr anchor="ctr"/>
+                  <a:tcPr/>
                 </a:tc>
                 <a:tc>
                   <a:txBody>
@@ -4705,15 +4759,15 @@
                       <a:endParaRPr lang="ko-KR" altLang="en-US" sz="1800" dirty="0"/>
                     </a:p>
                   </a:txBody>
-                  <a:tcPr anchor="ctr"/>
+                  <a:tcPr/>
                 </a:tc>
                 <a:extLst>
                   <a:ext uri="{0D108BD9-81ED-4DB2-BD59-A6C34878D82A}">
-                    <a16:rowId xmlns="" xmlns:a16="http://schemas.microsoft.com/office/drawing/2014/main" val="2058711828"/>
+                    <a16:rowId xmlns:a16="http://schemas.microsoft.com/office/drawing/2014/main" xmlns="" val="2058711828"/>
                   </a:ext>
                 </a:extLst>
               </a:tr>
-              <a:tr h="370840">
+              <a:tr h="0">
                 <a:tc rowSpan="10">
                   <a:txBody>
                     <a:bodyPr/>
@@ -4800,7 +4854,7 @@
                           <a:latin typeface="새굴림" pitchFamily="18" charset="-127"/>
                           <a:ea typeface="새굴림" pitchFamily="18" charset="-127"/>
                         </a:rPr>
-                        <a:t>YY/MM</a:t>
+                        <a:t>4</a:t>
                       </a:r>
                       <a:endParaRPr lang="ko-KR" altLang="en-US" sz="1400" dirty="0">
                         <a:latin typeface="새굴림" pitchFamily="18" charset="-127"/>
@@ -4820,13 +4874,6 @@
                     <a:lstStyle/>
                     <a:p>
                       <a:pPr algn="ctr"/>
-                      <a:r>
-                        <a:rPr lang="en-US" altLang="ko-KR" sz="1400" dirty="0" smtClean="0">
-                          <a:latin typeface="새굴림" pitchFamily="18" charset="-127"/>
-                          <a:ea typeface="새굴림" pitchFamily="18" charset="-127"/>
-                        </a:rPr>
-                        <a:t>O</a:t>
-                      </a:r>
                       <a:endParaRPr lang="ko-KR" altLang="en-US" sz="1400" dirty="0">
                         <a:latin typeface="새굴림" pitchFamily="18" charset="-127"/>
                         <a:ea typeface="새굴림" pitchFamily="18" charset="-127"/>
@@ -4841,7 +4888,7 @@
                 </a:tc>
                 <a:extLst>
                   <a:ext uri="{0D108BD9-81ED-4DB2-BD59-A6C34878D82A}">
-                    <a16:rowId xmlns="" xmlns:a16="http://schemas.microsoft.com/office/drawing/2014/main" val="1940163066"/>
+                    <a16:rowId xmlns:a16="http://schemas.microsoft.com/office/drawing/2014/main" xmlns="" val="1940163066"/>
                   </a:ext>
                 </a:extLst>
               </a:tr>
@@ -4929,7 +4976,7 @@
                           <a:latin typeface="새굴림" pitchFamily="18" charset="-127"/>
                           <a:ea typeface="새굴림" pitchFamily="18" charset="-127"/>
                         </a:rPr>
-                        <a:t>50</a:t>
+                        <a:t>100</a:t>
                       </a:r>
                       <a:endParaRPr lang="ko-KR" altLang="en-US" sz="1400" dirty="0">
                         <a:latin typeface="새굴림" pitchFamily="18" charset="-127"/>
@@ -4949,13 +4996,6 @@
                     <a:lstStyle/>
                     <a:p>
                       <a:pPr algn="ctr" latinLnBrk="1"/>
-                      <a:r>
-                        <a:rPr lang="en-US" altLang="ko-KR" sz="1400" dirty="0" smtClean="0">
-                          <a:latin typeface="새굴림" pitchFamily="18" charset="-127"/>
-                          <a:ea typeface="새굴림" pitchFamily="18" charset="-127"/>
-                        </a:rPr>
-                        <a:t>O</a:t>
-                      </a:r>
                       <a:endParaRPr lang="ko-KR" altLang="en-US" sz="1400" dirty="0">
                         <a:latin typeface="새굴림" pitchFamily="18" charset="-127"/>
                         <a:ea typeface="새굴림" pitchFamily="18" charset="-127"/>
@@ -4970,11 +5010,11 @@
                 </a:tc>
                 <a:extLst>
                   <a:ext uri="{0D108BD9-81ED-4DB2-BD59-A6C34878D82A}">
-                    <a16:rowId xmlns="" xmlns:a16="http://schemas.microsoft.com/office/drawing/2014/main" val="1642501168"/>
+                    <a16:rowId xmlns:a16="http://schemas.microsoft.com/office/drawing/2014/main" xmlns="" val="1642501168"/>
                   </a:ext>
                 </a:extLst>
               </a:tr>
-              <a:tr h="242993">
+              <a:tr h="0">
                 <a:tc vMerge="1">
                   <a:txBody>
                     <a:bodyPr/>
@@ -5067,13 +5107,6 @@
                     <a:lstStyle/>
                     <a:p>
                       <a:pPr algn="ctr" latinLnBrk="1"/>
-                      <a:r>
-                        <a:rPr lang="en-US" altLang="ko-KR" sz="1400" dirty="0" smtClean="0">
-                          <a:latin typeface="새굴림" pitchFamily="18" charset="-127"/>
-                          <a:ea typeface="새굴림" pitchFamily="18" charset="-127"/>
-                        </a:rPr>
-                        <a:t>O</a:t>
-                      </a:r>
                       <a:endParaRPr lang="ko-KR" altLang="en-US" sz="1400" dirty="0">
                         <a:latin typeface="새굴림" pitchFamily="18" charset="-127"/>
                         <a:ea typeface="새굴림" pitchFamily="18" charset="-127"/>
@@ -5160,7 +5193,7 @@
                           <a:latin typeface="새굴림" pitchFamily="18" charset="-127"/>
                           <a:ea typeface="새굴림" pitchFamily="18" charset="-127"/>
                         </a:rPr>
-                        <a:t>10</a:t>
+                        <a:t>19</a:t>
                       </a:r>
                       <a:endParaRPr lang="ko-KR" altLang="en-US" sz="1400" dirty="0">
                         <a:latin typeface="새굴림" pitchFamily="18" charset="-127"/>
@@ -5180,13 +5213,6 @@
                     <a:lstStyle/>
                     <a:p>
                       <a:pPr algn="ctr" latinLnBrk="1"/>
-                      <a:r>
-                        <a:rPr lang="en-US" altLang="ko-KR" sz="1400" dirty="0" smtClean="0">
-                          <a:latin typeface="새굴림" pitchFamily="18" charset="-127"/>
-                          <a:ea typeface="새굴림" pitchFamily="18" charset="-127"/>
-                        </a:rPr>
-                        <a:t>O</a:t>
-                      </a:r>
                       <a:endParaRPr lang="ko-KR" altLang="en-US" sz="1400" dirty="0">
                         <a:latin typeface="새굴림" pitchFamily="18" charset="-127"/>
                         <a:ea typeface="새굴림" pitchFamily="18" charset="-127"/>
@@ -5200,7 +5226,7 @@
                   </a:tcPr>
                 </a:tc>
               </a:tr>
-              <a:tr h="243840">
+              <a:tr h="0">
                 <a:tc vMerge="1">
                   <a:txBody>
                     <a:bodyPr/>
@@ -5273,7 +5299,7 @@
                           <a:latin typeface="새굴림" pitchFamily="18" charset="-127"/>
                           <a:ea typeface="새굴림" pitchFamily="18" charset="-127"/>
                         </a:rPr>
-                        <a:t>10</a:t>
+                        <a:t>19</a:t>
                       </a:r>
                       <a:endParaRPr lang="ko-KR" altLang="en-US" sz="1400" dirty="0">
                         <a:latin typeface="새굴림" pitchFamily="18" charset="-127"/>
@@ -5293,13 +5319,6 @@
                     <a:lstStyle/>
                     <a:p>
                       <a:pPr algn="ctr" latinLnBrk="1"/>
-                      <a:r>
-                        <a:rPr lang="en-US" altLang="ko-KR" sz="1400" dirty="0" smtClean="0">
-                          <a:latin typeface="새굴림" pitchFamily="18" charset="-127"/>
-                          <a:ea typeface="새굴림" pitchFamily="18" charset="-127"/>
-                        </a:rPr>
-                        <a:t>O</a:t>
-                      </a:r>
                       <a:endParaRPr lang="ko-KR" altLang="en-US" sz="1400" dirty="0">
                         <a:latin typeface="새굴림" pitchFamily="18" charset="-127"/>
                         <a:ea typeface="새굴림" pitchFamily="18" charset="-127"/>
@@ -5313,7 +5332,7 @@
                   </a:tcPr>
                 </a:tc>
               </a:tr>
-              <a:tr h="182880">
+              <a:tr h="0">
                 <a:tc vMerge="1">
                   <a:txBody>
                     <a:bodyPr/>
@@ -5386,7 +5405,7 @@
                           <a:latin typeface="새굴림" pitchFamily="18" charset="-127"/>
                           <a:ea typeface="새굴림" pitchFamily="18" charset="-127"/>
                         </a:rPr>
-                        <a:t>10</a:t>
+                        <a:t>19</a:t>
                       </a:r>
                       <a:endParaRPr lang="ko-KR" altLang="en-US" sz="1400" dirty="0">
                         <a:latin typeface="새굴림" pitchFamily="18" charset="-127"/>
@@ -5406,13 +5425,6 @@
                     <a:lstStyle/>
                     <a:p>
                       <a:pPr algn="ctr" latinLnBrk="1"/>
-                      <a:r>
-                        <a:rPr lang="en-US" altLang="ko-KR" sz="1400" dirty="0" smtClean="0">
-                          <a:latin typeface="새굴림" pitchFamily="18" charset="-127"/>
-                          <a:ea typeface="새굴림" pitchFamily="18" charset="-127"/>
-                        </a:rPr>
-                        <a:t>O</a:t>
-                      </a:r>
                       <a:endParaRPr lang="ko-KR" altLang="en-US" sz="1400" dirty="0">
                         <a:latin typeface="새굴림" pitchFamily="18" charset="-127"/>
                         <a:ea typeface="새굴림" pitchFamily="18" charset="-127"/>
@@ -5426,7 +5438,7 @@
                   </a:tcPr>
                 </a:tc>
               </a:tr>
-              <a:tr h="121920">
+              <a:tr h="0">
                 <a:tc vMerge="1">
                   <a:txBody>
                     <a:bodyPr/>
@@ -5511,7 +5523,7 @@
                           <a:latin typeface="새굴림" pitchFamily="18" charset="-127"/>
                           <a:ea typeface="새굴림" pitchFamily="18" charset="-127"/>
                         </a:rPr>
-                        <a:t>10</a:t>
+                        <a:t>19</a:t>
                       </a:r>
                       <a:endParaRPr lang="ko-KR" altLang="en-US" sz="1400" dirty="0">
                         <a:latin typeface="새굴림" pitchFamily="18" charset="-127"/>
@@ -5531,13 +5543,6 @@
                     <a:lstStyle/>
                     <a:p>
                       <a:pPr algn="ctr" latinLnBrk="1"/>
-                      <a:r>
-                        <a:rPr lang="en-US" altLang="ko-KR" sz="1400" dirty="0" smtClean="0">
-                          <a:latin typeface="새굴림" pitchFamily="18" charset="-127"/>
-                          <a:ea typeface="새굴림" pitchFamily="18" charset="-127"/>
-                        </a:rPr>
-                        <a:t>O</a:t>
-                      </a:r>
                       <a:endParaRPr lang="ko-KR" altLang="en-US" sz="1400" dirty="0">
                         <a:latin typeface="새굴림" pitchFamily="18" charset="-127"/>
                         <a:ea typeface="새굴림" pitchFamily="18" charset="-127"/>
@@ -5636,7 +5641,7 @@
                           <a:latin typeface="새굴림" pitchFamily="18" charset="-127"/>
                           <a:ea typeface="새굴림" pitchFamily="18" charset="-127"/>
                         </a:rPr>
-                        <a:t>10</a:t>
+                        <a:t>19</a:t>
                       </a:r>
                       <a:endParaRPr lang="ko-KR" altLang="en-US" sz="1400" dirty="0">
                         <a:latin typeface="새굴림" pitchFamily="18" charset="-127"/>
@@ -5656,13 +5661,6 @@
                     <a:lstStyle/>
                     <a:p>
                       <a:pPr algn="ctr" latinLnBrk="1"/>
-                      <a:r>
-                        <a:rPr lang="en-US" altLang="ko-KR" sz="1400" dirty="0" smtClean="0">
-                          <a:latin typeface="새굴림" pitchFamily="18" charset="-127"/>
-                          <a:ea typeface="새굴림" pitchFamily="18" charset="-127"/>
-                        </a:rPr>
-                        <a:t>O</a:t>
-                      </a:r>
                       <a:endParaRPr lang="ko-KR" altLang="en-US" sz="1400" dirty="0">
                         <a:latin typeface="새굴림" pitchFamily="18" charset="-127"/>
                         <a:ea typeface="새굴림" pitchFamily="18" charset="-127"/>
@@ -5676,7 +5674,7 @@
                   </a:tcPr>
                 </a:tc>
               </a:tr>
-              <a:tr h="243840">
+              <a:tr h="0">
                 <a:tc vMerge="1">
                   <a:txBody>
                     <a:bodyPr/>
@@ -5761,7 +5759,7 @@
                           <a:latin typeface="새굴림" pitchFamily="18" charset="-127"/>
                           <a:ea typeface="새굴림" pitchFamily="18" charset="-127"/>
                         </a:rPr>
-                        <a:t>10</a:t>
+                        <a:t>19</a:t>
                       </a:r>
                       <a:endParaRPr lang="ko-KR" altLang="en-US" sz="1400" dirty="0">
                         <a:latin typeface="새굴림" pitchFamily="18" charset="-127"/>
@@ -5781,13 +5779,6 @@
                     <a:lstStyle/>
                     <a:p>
                       <a:pPr algn="ctr" latinLnBrk="1"/>
-                      <a:r>
-                        <a:rPr lang="en-US" altLang="ko-KR" sz="1400" dirty="0" smtClean="0">
-                          <a:latin typeface="새굴림" pitchFamily="18" charset="-127"/>
-                          <a:ea typeface="새굴림" pitchFamily="18" charset="-127"/>
-                        </a:rPr>
-                        <a:t>O</a:t>
-                      </a:r>
                       <a:endParaRPr lang="ko-KR" altLang="en-US" sz="1400" dirty="0">
                         <a:latin typeface="새굴림" pitchFamily="18" charset="-127"/>
                         <a:ea typeface="새굴림" pitchFamily="18" charset="-127"/>
@@ -5801,7 +5792,7 @@
                   </a:tcPr>
                 </a:tc>
               </a:tr>
-              <a:tr h="182880">
+              <a:tr h="0">
                 <a:tc vMerge="1">
                   <a:txBody>
                     <a:bodyPr/>
@@ -5917,13 +5908,6 @@
                     <a:lstStyle/>
                     <a:p>
                       <a:pPr algn="ctr" latinLnBrk="1"/>
-                      <a:r>
-                        <a:rPr lang="en-US" altLang="ko-KR" sz="1400" dirty="0" smtClean="0">
-                          <a:latin typeface="새굴림" pitchFamily="18" charset="-127"/>
-                          <a:ea typeface="새굴림" pitchFamily="18" charset="-127"/>
-                        </a:rPr>
-                        <a:t>O</a:t>
-                      </a:r>
                       <a:endParaRPr lang="ko-KR" altLang="en-US" sz="1400" dirty="0">
                         <a:latin typeface="새굴림" pitchFamily="18" charset="-127"/>
                         <a:ea typeface="새굴림" pitchFamily="18" charset="-127"/>
@@ -5950,13 +5934,13 @@
           <p:nvPr>
             <p:extLst>
               <p:ext uri="{D42A27DB-BD31-4B8C-83A1-F6EECF244321}">
-                <p14:modId xmlns:p14="http://schemas.microsoft.com/office/powerpoint/2010/main" val="3492194632"/>
+                <p14:modId xmlns:p14="http://schemas.microsoft.com/office/powerpoint/2010/main" val="4284721503"/>
               </p:ext>
             </p:extLst>
           </p:nvPr>
         </p:nvGraphicFramePr>
         <p:xfrm>
-          <a:off x="838200" y="5623544"/>
+          <a:off x="838200" y="5752791"/>
           <a:ext cx="10515600" cy="736600"/>
         </p:xfrm>
         <a:graphic>
@@ -5969,14 +5953,14 @@
                 <a:gridCol w="3286125">
                   <a:extLst>
                     <a:ext uri="{9D8B030D-6E8A-4147-A177-3AD203B41FA5}">
-                      <a16:colId xmlns="" xmlns:a16="http://schemas.microsoft.com/office/drawing/2014/main" val="2880723631"/>
+                      <a16:colId xmlns:a16="http://schemas.microsoft.com/office/drawing/2014/main" xmlns="" val="2880723631"/>
                     </a:ext>
                   </a:extLst>
                 </a:gridCol>
                 <a:gridCol w="7229475">
                   <a:extLst>
                     <a:ext uri="{9D8B030D-6E8A-4147-A177-3AD203B41FA5}">
-                      <a16:colId xmlns="" xmlns:a16="http://schemas.microsoft.com/office/drawing/2014/main" val="1222440865"/>
+                      <a16:colId xmlns:a16="http://schemas.microsoft.com/office/drawing/2014/main" xmlns="" val="1222440865"/>
                     </a:ext>
                   </a:extLst>
                 </a:gridCol>
@@ -6022,52 +6006,11 @@
                 </a:tc>
                 <a:extLst>
                   <a:ext uri="{0D108BD9-81ED-4DB2-BD59-A6C34878D82A}">
-                    <a16:rowId xmlns="" xmlns:a16="http://schemas.microsoft.com/office/drawing/2014/main" val="2058711828"/>
+                    <a16:rowId xmlns:a16="http://schemas.microsoft.com/office/drawing/2014/main" xmlns="" val="2058711828"/>
                   </a:ext>
                 </a:extLst>
               </a:tr>
               <a:tr h="231723">
-                <a:tc>
-                  <a:txBody>
-                    <a:bodyPr/>
-                    <a:lstStyle/>
-                    <a:p>
-                      <a:pPr marL="0" marR="0" indent="0" algn="ctr" defTabSz="914400" rtl="0" eaLnBrk="1" fontAlgn="auto" latinLnBrk="1" hangingPunct="1">
-                        <a:lnSpc>
-                          <a:spcPct val="100000"/>
-                        </a:lnSpc>
-                        <a:spcBef>
-                          <a:spcPts val="0"/>
-                        </a:spcBef>
-                        <a:spcAft>
-                          <a:spcPts val="0"/>
-                        </a:spcAft>
-                        <a:buClrTx/>
-                        <a:buSzTx/>
-                        <a:buFontTx/>
-                        <a:buNone/>
-                        <a:tabLst/>
-                        <a:defRPr/>
-                      </a:pPr>
-                      <a:r>
-                        <a:rPr lang="ko-KR" altLang="en-US" sz="1800" dirty="0" smtClean="0">
-                          <a:latin typeface="새굴림" panose="02030600000101010101" pitchFamily="18" charset="-127"/>
-                          <a:ea typeface="새굴림" panose="02030600000101010101" pitchFamily="18" charset="-127"/>
-                        </a:rPr>
-                        <a:t>조회</a:t>
-                      </a:r>
-                      <a:endParaRPr lang="en-US" altLang="ko-KR" sz="1800" dirty="0" smtClean="0">
-                        <a:latin typeface="새굴림" panose="02030600000101010101" pitchFamily="18" charset="-127"/>
-                        <a:ea typeface="새굴림" panose="02030600000101010101" pitchFamily="18" charset="-127"/>
-                      </a:endParaRPr>
-                    </a:p>
-                  </a:txBody>
-                  <a:tcPr anchor="ctr">
-                    <a:solidFill>
-                      <a:schemeClr val="bg1"/>
-                    </a:solidFill>
-                  </a:tcPr>
-                </a:tc>
                 <a:tc>
                   <a:txBody>
                     <a:bodyPr/>
@@ -6091,6 +6034,47 @@
                         <a:defRPr/>
                       </a:pPr>
                       <a:r>
+                        <a:rPr lang="ko-KR" altLang="en-US" sz="1800" dirty="0" smtClean="0">
+                          <a:latin typeface="새굴림" panose="02030600000101010101" pitchFamily="18" charset="-127"/>
+                          <a:ea typeface="새굴림" panose="02030600000101010101" pitchFamily="18" charset="-127"/>
+                        </a:rPr>
+                        <a:t>조회 버튼 클릭</a:t>
+                      </a:r>
+                      <a:endParaRPr lang="en-US" altLang="ko-KR" sz="1800" dirty="0" smtClean="0">
+                        <a:latin typeface="새굴림" panose="02030600000101010101" pitchFamily="18" charset="-127"/>
+                        <a:ea typeface="새굴림" panose="02030600000101010101" pitchFamily="18" charset="-127"/>
+                      </a:endParaRPr>
+                    </a:p>
+                  </a:txBody>
+                  <a:tcPr anchor="ctr">
+                    <a:solidFill>
+                      <a:schemeClr val="bg1"/>
+                    </a:solidFill>
+                  </a:tcPr>
+                </a:tc>
+                <a:tc>
+                  <a:txBody>
+                    <a:bodyPr/>
+                    <a:lstStyle/>
+                    <a:p>
+                      <a:pPr marL="0" marR="0" indent="0" algn="l" defTabSz="914400" rtl="0" eaLnBrk="1" fontAlgn="auto" latinLnBrk="1" hangingPunct="1">
+                        <a:lnSpc>
+                          <a:spcPct val="100000"/>
+                        </a:lnSpc>
+                        <a:spcBef>
+                          <a:spcPts val="0"/>
+                        </a:spcBef>
+                        <a:spcAft>
+                          <a:spcPts val="0"/>
+                        </a:spcAft>
+                        <a:buClrTx/>
+                        <a:buSzTx/>
+                        <a:buFontTx/>
+                        <a:buNone/>
+                        <a:tabLst/>
+                        <a:defRPr/>
+                      </a:pPr>
+                      <a:r>
                         <a:rPr lang="ko-KR" altLang="en-US" sz="1800" dirty="0" err="1" smtClean="0">
                           <a:latin typeface="새굴림" panose="02030600000101010101" pitchFamily="18" charset="-127"/>
                           <a:ea typeface="새굴림" panose="02030600000101010101" pitchFamily="18" charset="-127"/>
@@ -6153,7 +6137,7 @@
                 </a:tc>
                 <a:extLst>
                   <a:ext uri="{0D108BD9-81ED-4DB2-BD59-A6C34878D82A}">
-                    <a16:rowId xmlns="" xmlns:a16="http://schemas.microsoft.com/office/drawing/2014/main" val="1940163066"/>
+                    <a16:rowId xmlns:a16="http://schemas.microsoft.com/office/drawing/2014/main" xmlns="" val="1940163066"/>
                   </a:ext>
                 </a:extLst>
               </a:tr>
@@ -6353,14 +6337,14 @@
             <p:ph idx="1"/>
             <p:extLst>
               <p:ext uri="{D42A27DB-BD31-4B8C-83A1-F6EECF244321}">
-                <p14:modId xmlns:p14="http://schemas.microsoft.com/office/powerpoint/2010/main" val="2205733851"/>
+                <p14:modId xmlns:p14="http://schemas.microsoft.com/office/powerpoint/2010/main" val="1733834861"/>
               </p:ext>
             </p:extLst>
           </p:nvPr>
         </p:nvGraphicFramePr>
         <p:xfrm>
           <a:off x="838200" y="1825625"/>
-          <a:ext cx="10515600" cy="3312160"/>
+          <a:ext cx="10515600" cy="3108960"/>
         </p:xfrm>
         <a:graphic>
           <a:graphicData uri="http://schemas.openxmlformats.org/drawingml/2006/table">
@@ -6372,40 +6356,40 @@
                 <a:gridCol w="3257550">
                   <a:extLst>
                     <a:ext uri="{9D8B030D-6E8A-4147-A177-3AD203B41FA5}">
-                      <a16:colId xmlns="" xmlns:a16="http://schemas.microsoft.com/office/drawing/2014/main" val="2880723631"/>
+                      <a16:colId xmlns:a16="http://schemas.microsoft.com/office/drawing/2014/main" xmlns="" val="2880723631"/>
                     </a:ext>
                   </a:extLst>
                 </a:gridCol>
                 <a:gridCol w="2305050">
                   <a:extLst>
                     <a:ext uri="{9D8B030D-6E8A-4147-A177-3AD203B41FA5}">
-                      <a16:colId xmlns="" xmlns:a16="http://schemas.microsoft.com/office/drawing/2014/main" val="1222440865"/>
+                      <a16:colId xmlns:a16="http://schemas.microsoft.com/office/drawing/2014/main" xmlns="" val="1222440865"/>
                     </a:ext>
                   </a:extLst>
                 </a:gridCol>
                 <a:gridCol w="1685925">
                   <a:extLst>
                     <a:ext uri="{9D8B030D-6E8A-4147-A177-3AD203B41FA5}">
-                      <a16:colId xmlns="" xmlns:a16="http://schemas.microsoft.com/office/drawing/2014/main" val="1515085376"/>
+                      <a16:colId xmlns:a16="http://schemas.microsoft.com/office/drawing/2014/main" xmlns="" val="1515085376"/>
                     </a:ext>
                   </a:extLst>
                 </a:gridCol>
                 <a:gridCol w="1628775">
                   <a:extLst>
                     <a:ext uri="{9D8B030D-6E8A-4147-A177-3AD203B41FA5}">
-                      <a16:colId xmlns="" xmlns:a16="http://schemas.microsoft.com/office/drawing/2014/main" val="630274754"/>
+                      <a16:colId xmlns:a16="http://schemas.microsoft.com/office/drawing/2014/main" xmlns="" val="630274754"/>
                     </a:ext>
                   </a:extLst>
                 </a:gridCol>
                 <a:gridCol w="1638300">
                   <a:extLst>
                     <a:ext uri="{9D8B030D-6E8A-4147-A177-3AD203B41FA5}">
-                      <a16:colId xmlns="" xmlns:a16="http://schemas.microsoft.com/office/drawing/2014/main" val="1923971626"/>
+                      <a16:colId xmlns:a16="http://schemas.microsoft.com/office/drawing/2014/main" xmlns="" val="1923971626"/>
                     </a:ext>
                   </a:extLst>
                 </a:gridCol>
               </a:tblGrid>
-              <a:tr h="370840">
+              <a:tr h="188632">
                 <a:tc>
                   <a:txBody>
                     <a:bodyPr/>
@@ -6491,11 +6475,11 @@
                 </a:tc>
                 <a:extLst>
                   <a:ext uri="{0D108BD9-81ED-4DB2-BD59-A6C34878D82A}">
-                    <a16:rowId xmlns="" xmlns:a16="http://schemas.microsoft.com/office/drawing/2014/main" val="2058711828"/>
+                    <a16:rowId xmlns:a16="http://schemas.microsoft.com/office/drawing/2014/main" xmlns="" val="2058711828"/>
                   </a:ext>
                 </a:extLst>
               </a:tr>
-              <a:tr h="370840">
+              <a:tr h="157194">
                 <a:tc rowSpan="9">
                   <a:txBody>
                     <a:bodyPr/>
@@ -6503,13 +6487,13 @@
                     <a:p>
                       <a:pPr algn="ctr" latinLnBrk="1"/>
                       <a:r>
-                        <a:rPr lang="ko-KR" altLang="en-US" sz="1400" b="0" dirty="0" smtClean="0">
+                        <a:rPr lang="ko-KR" altLang="en-US" sz="1800" b="0" dirty="0" smtClean="0">
                           <a:latin typeface="새굴림" panose="02030600000101010101" pitchFamily="18" charset="-127"/>
                           <a:ea typeface="새굴림" panose="02030600000101010101" pitchFamily="18" charset="-127"/>
                         </a:rPr>
                         <a:t>입고 처리</a:t>
                       </a:r>
-                      <a:endParaRPr lang="ko-KR" altLang="en-US" sz="1400" b="0" dirty="0">
+                      <a:endParaRPr lang="ko-KR" altLang="en-US" sz="1800" b="0" dirty="0">
                         <a:latin typeface="새굴림" panose="02030600000101010101" pitchFamily="18" charset="-127"/>
                         <a:ea typeface="새굴림" panose="02030600000101010101" pitchFamily="18" charset="-127"/>
                       </a:endParaRPr>
@@ -6610,11 +6594,11 @@
                     <a:p>
                       <a:pPr algn="ctr"/>
                       <a:r>
-                        <a:rPr lang="en-US" altLang="ko-KR" sz="1400" dirty="0" smtClean="0">
-                          <a:latin typeface="새굴림" pitchFamily="18" charset="-127"/>
-                          <a:ea typeface="새굴림" pitchFamily="18" charset="-127"/>
-                        </a:rPr>
-                        <a:t>O</a:t>
+                        <a:rPr lang="ko-KR" altLang="en-US" sz="1400" dirty="0" smtClean="0">
+                          <a:latin typeface="새굴림" pitchFamily="18" charset="-127"/>
+                          <a:ea typeface="새굴림" pitchFamily="18" charset="-127"/>
+                        </a:rPr>
+                        <a:t>필수</a:t>
                       </a:r>
                       <a:endParaRPr lang="ko-KR" altLang="en-US" sz="1400" dirty="0">
                         <a:latin typeface="새굴림" pitchFamily="18" charset="-127"/>
@@ -6630,11 +6614,11 @@
                 </a:tc>
                 <a:extLst>
                   <a:ext uri="{0D108BD9-81ED-4DB2-BD59-A6C34878D82A}">
-                    <a16:rowId xmlns="" xmlns:a16="http://schemas.microsoft.com/office/drawing/2014/main" val="1940163066"/>
+                    <a16:rowId xmlns:a16="http://schemas.microsoft.com/office/drawing/2014/main" xmlns="" val="1940163066"/>
                   </a:ext>
                 </a:extLst>
               </a:tr>
-              <a:tr h="370840">
+              <a:tr h="157194">
                 <a:tc vMerge="1">
                   <a:txBody>
                     <a:bodyPr/>
@@ -6663,6 +6647,13 @@
                         </a:rPr>
                         <a:t>발주일</a:t>
                       </a:r>
+                      <a:r>
+                        <a:rPr lang="en-US" altLang="ko-KR" sz="1400" dirty="0" smtClean="0">
+                          <a:latin typeface="새굴림" pitchFamily="18" charset="-127"/>
+                          <a:ea typeface="새굴림" pitchFamily="18" charset="-127"/>
+                        </a:rPr>
+                        <a:t>*</a:t>
+                      </a:r>
                       <a:endParaRPr lang="ko-KR" altLang="en-US" sz="1400" dirty="0">
                         <a:latin typeface="새굴림" pitchFamily="18" charset="-127"/>
                         <a:ea typeface="새굴림" pitchFamily="18" charset="-127"/>
@@ -6731,13 +6722,6 @@
                     <a:lstStyle/>
                     <a:p>
                       <a:pPr algn="ctr" latinLnBrk="1"/>
-                      <a:r>
-                        <a:rPr lang="en-US" altLang="ko-KR" sz="1400" dirty="0" smtClean="0">
-                          <a:latin typeface="새굴림" pitchFamily="18" charset="-127"/>
-                          <a:ea typeface="새굴림" pitchFamily="18" charset="-127"/>
-                        </a:rPr>
-                        <a:t>O</a:t>
-                      </a:r>
                       <a:endParaRPr lang="ko-KR" altLang="en-US" sz="1400" dirty="0">
                         <a:latin typeface="새굴림" pitchFamily="18" charset="-127"/>
                         <a:ea typeface="새굴림" pitchFamily="18" charset="-127"/>
@@ -6752,11 +6736,11 @@
                 </a:tc>
                 <a:extLst>
                   <a:ext uri="{0D108BD9-81ED-4DB2-BD59-A6C34878D82A}">
-                    <a16:rowId xmlns="" xmlns:a16="http://schemas.microsoft.com/office/drawing/2014/main" val="1642501168"/>
+                    <a16:rowId xmlns:a16="http://schemas.microsoft.com/office/drawing/2014/main" xmlns="" val="1642501168"/>
                   </a:ext>
                 </a:extLst>
               </a:tr>
-              <a:tr h="185420">
+              <a:tr h="157194">
                 <a:tc vMerge="1">
                   <a:txBody>
                     <a:bodyPr/>
@@ -6877,11 +6861,11 @@
                     <a:p>
                       <a:pPr algn="ctr"/>
                       <a:r>
-                        <a:rPr lang="en-US" altLang="ko-KR" sz="1400" dirty="0" smtClean="0">
-                          <a:latin typeface="새굴림" pitchFamily="18" charset="-127"/>
-                          <a:ea typeface="새굴림" pitchFamily="18" charset="-127"/>
-                        </a:rPr>
-                        <a:t>O</a:t>
+                        <a:rPr lang="ko-KR" altLang="en-US" sz="1400" dirty="0" smtClean="0">
+                          <a:latin typeface="새굴림" pitchFamily="18" charset="-127"/>
+                          <a:ea typeface="새굴림" pitchFamily="18" charset="-127"/>
+                        </a:rPr>
+                        <a:t>필수</a:t>
                       </a:r>
                       <a:endParaRPr lang="ko-KR" altLang="en-US" sz="1400" dirty="0">
                         <a:latin typeface="새굴림" pitchFamily="18" charset="-127"/>
@@ -6897,11 +6881,11 @@
                 </a:tc>
                 <a:extLst>
                   <a:ext uri="{0D108BD9-81ED-4DB2-BD59-A6C34878D82A}">
-                    <a16:rowId xmlns="" xmlns:a16="http://schemas.microsoft.com/office/drawing/2014/main" val="4120884330"/>
+                    <a16:rowId xmlns:a16="http://schemas.microsoft.com/office/drawing/2014/main" xmlns="" val="4120884330"/>
                   </a:ext>
                 </a:extLst>
               </a:tr>
-              <a:tr h="185420">
+              <a:tr h="157194">
                 <a:tc vMerge="1">
                   <a:txBody>
                     <a:bodyPr/>
@@ -7017,13 +7001,6 @@
                     <a:lstStyle/>
                     <a:p>
                       <a:pPr algn="ctr"/>
-                      <a:r>
-                        <a:rPr lang="en-US" altLang="ko-KR" sz="1400" dirty="0" smtClean="0">
-                          <a:latin typeface="새굴림" pitchFamily="18" charset="-127"/>
-                          <a:ea typeface="새굴림" pitchFamily="18" charset="-127"/>
-                        </a:rPr>
-                        <a:t>O</a:t>
-                      </a:r>
                       <a:endParaRPr lang="ko-KR" altLang="en-US" sz="1400" dirty="0">
                         <a:latin typeface="새굴림" pitchFamily="18" charset="-127"/>
                         <a:ea typeface="새굴림" pitchFamily="18" charset="-127"/>
@@ -7037,7 +7014,7 @@
                   </a:tcPr>
                 </a:tc>
               </a:tr>
-              <a:tr h="370840">
+              <a:tr h="157194">
                 <a:tc vMerge="1">
                   <a:txBody>
                     <a:bodyPr/>
@@ -7064,7 +7041,14 @@
                           <a:latin typeface="새굴림" pitchFamily="18" charset="-127"/>
                           <a:ea typeface="새굴림" pitchFamily="18" charset="-127"/>
                         </a:rPr>
-                        <a:t>상품 명</a:t>
+                        <a:t>부품 </a:t>
+                      </a:r>
+                      <a:r>
+                        <a:rPr lang="ko-KR" altLang="en-US" sz="1400" dirty="0" smtClean="0">
+                          <a:latin typeface="새굴림" pitchFamily="18" charset="-127"/>
+                          <a:ea typeface="새굴림" pitchFamily="18" charset="-127"/>
+                        </a:rPr>
+                        <a:t>명</a:t>
                       </a:r>
                       <a:r>
                         <a:rPr lang="en-US" altLang="ko-KR" sz="1400" dirty="0" smtClean="0">
@@ -7121,7 +7105,7 @@
                           <a:latin typeface="새굴림" pitchFamily="18" charset="-127"/>
                           <a:ea typeface="새굴림" pitchFamily="18" charset="-127"/>
                         </a:rPr>
-                        <a:t>10</a:t>
+                        <a:t>100</a:t>
                       </a:r>
                       <a:endParaRPr lang="ko-KR" altLang="en-US" sz="1400" dirty="0">
                         <a:latin typeface="새굴림" pitchFamily="18" charset="-127"/>
@@ -7158,11 +7142,11 @@
                         <a:defRPr/>
                       </a:pPr>
                       <a:r>
-                        <a:rPr lang="en-US" altLang="ko-KR" sz="1400" dirty="0" smtClean="0">
-                          <a:latin typeface="새굴림" pitchFamily="18" charset="-127"/>
-                          <a:ea typeface="새굴림" pitchFamily="18" charset="-127"/>
-                        </a:rPr>
-                        <a:t>O</a:t>
+                        <a:rPr lang="ko-KR" altLang="en-US" sz="1400" dirty="0" smtClean="0">
+                          <a:latin typeface="새굴림" pitchFamily="18" charset="-127"/>
+                          <a:ea typeface="새굴림" pitchFamily="18" charset="-127"/>
+                        </a:rPr>
+                        <a:t>필수</a:t>
                       </a:r>
                       <a:endParaRPr lang="ko-KR" altLang="en-US" sz="1400" dirty="0" smtClean="0">
                         <a:latin typeface="새굴림" pitchFamily="18" charset="-127"/>
@@ -7178,11 +7162,11 @@
                 </a:tc>
                 <a:extLst>
                   <a:ext uri="{0D108BD9-81ED-4DB2-BD59-A6C34878D82A}">
-                    <a16:rowId xmlns="" xmlns:a16="http://schemas.microsoft.com/office/drawing/2014/main" val="4128160277"/>
+                    <a16:rowId xmlns:a16="http://schemas.microsoft.com/office/drawing/2014/main" xmlns="" val="4128160277"/>
                   </a:ext>
                 </a:extLst>
               </a:tr>
-              <a:tr h="0">
+              <a:tr h="157194">
                 <a:tc vMerge="1">
                   <a:txBody>
                     <a:bodyPr/>
@@ -7225,8 +7209,19 @@
                           <a:latin typeface="새굴림" pitchFamily="18" charset="-127"/>
                           <a:ea typeface="새굴림" pitchFamily="18" charset="-127"/>
                         </a:rPr>
-                        <a:t>상품 단가</a:t>
-                      </a:r>
+                        <a:t>부품 단가</a:t>
+                      </a:r>
+                      <a:r>
+                        <a:rPr lang="en-US" altLang="ko-KR" sz="1400" dirty="0" smtClean="0">
+                          <a:latin typeface="새굴림" pitchFamily="18" charset="-127"/>
+                          <a:ea typeface="새굴림" pitchFamily="18" charset="-127"/>
+                        </a:rPr>
+                        <a:t>*</a:t>
+                      </a:r>
+                      <a:endParaRPr lang="ko-KR" altLang="en-US" sz="1400" dirty="0" smtClean="0">
+                        <a:latin typeface="새굴림" pitchFamily="18" charset="-127"/>
+                        <a:ea typeface="새굴림" pitchFamily="18" charset="-127"/>
+                      </a:endParaRPr>
                     </a:p>
                   </a:txBody>
                   <a:tcPr anchor="ctr">
@@ -7271,7 +7266,7 @@
                           <a:latin typeface="새굴림" pitchFamily="18" charset="-127"/>
                           <a:ea typeface="새굴림" pitchFamily="18" charset="-127"/>
                         </a:rPr>
-                        <a:t>-</a:t>
+                        <a:t>19</a:t>
                       </a:r>
                       <a:endParaRPr lang="ko-KR" altLang="en-US" sz="1400" dirty="0">
                         <a:latin typeface="새굴림" pitchFamily="18" charset="-127"/>
@@ -7292,11 +7287,11 @@
                     <a:p>
                       <a:pPr algn="ctr"/>
                       <a:r>
-                        <a:rPr lang="en-US" altLang="ko-KR" sz="1400" dirty="0" smtClean="0">
-                          <a:latin typeface="새굴림" pitchFamily="18" charset="-127"/>
-                          <a:ea typeface="새굴림" pitchFamily="18" charset="-127"/>
-                        </a:rPr>
-                        <a:t>O</a:t>
+                        <a:rPr lang="ko-KR" altLang="en-US" sz="1400" dirty="0" smtClean="0">
+                          <a:latin typeface="새굴림" pitchFamily="18" charset="-127"/>
+                          <a:ea typeface="새굴림" pitchFamily="18" charset="-127"/>
+                        </a:rPr>
+                        <a:t>필수</a:t>
                       </a:r>
                       <a:endParaRPr lang="ko-KR" altLang="en-US" sz="1400" dirty="0">
                         <a:latin typeface="새굴림" pitchFamily="18" charset="-127"/>
@@ -7312,11 +7307,11 @@
                 </a:tc>
                 <a:extLst>
                   <a:ext uri="{0D108BD9-81ED-4DB2-BD59-A6C34878D82A}">
-                    <a16:rowId xmlns="" xmlns:a16="http://schemas.microsoft.com/office/drawing/2014/main" val="3584867855"/>
+                    <a16:rowId xmlns:a16="http://schemas.microsoft.com/office/drawing/2014/main" xmlns="" val="3584867855"/>
                   </a:ext>
                 </a:extLst>
               </a:tr>
-              <a:tr h="303953">
+              <a:tr h="157194">
                 <a:tc vMerge="1">
                   <a:txBody>
                     <a:bodyPr/>
@@ -7355,8 +7350,19 @@
                           <a:latin typeface="새굴림" pitchFamily="18" charset="-127"/>
                           <a:ea typeface="새굴림" pitchFamily="18" charset="-127"/>
                         </a:rPr>
-                        <a:t>상품 수</a:t>
-                      </a:r>
+                        <a:t>부품 수</a:t>
+                      </a:r>
+                      <a:r>
+                        <a:rPr lang="en-US" altLang="ko-KR" sz="1400" dirty="0" smtClean="0">
+                          <a:latin typeface="새굴림" pitchFamily="18" charset="-127"/>
+                          <a:ea typeface="새굴림" pitchFamily="18" charset="-127"/>
+                        </a:rPr>
+                        <a:t>*</a:t>
+                      </a:r>
+                      <a:endParaRPr lang="ko-KR" altLang="en-US" sz="1400" dirty="0" smtClean="0">
+                        <a:latin typeface="새굴림" pitchFamily="18" charset="-127"/>
+                        <a:ea typeface="새굴림" pitchFamily="18" charset="-127"/>
+                      </a:endParaRPr>
                     </a:p>
                   </a:txBody>
                   <a:tcPr anchor="ctr">
@@ -7401,7 +7407,7 @@
                           <a:latin typeface="새굴림" pitchFamily="18" charset="-127"/>
                           <a:ea typeface="새굴림" pitchFamily="18" charset="-127"/>
                         </a:rPr>
-                        <a:t>-</a:t>
+                        <a:t>10</a:t>
                       </a:r>
                       <a:endParaRPr lang="ko-KR" altLang="en-US" sz="1400" dirty="0">
                         <a:latin typeface="새굴림" pitchFamily="18" charset="-127"/>
@@ -7421,13 +7427,6 @@
                     <a:lstStyle/>
                     <a:p>
                       <a:pPr algn="ctr"/>
-                      <a:r>
-                        <a:rPr lang="en-US" altLang="ko-KR" sz="1400" dirty="0" smtClean="0">
-                          <a:latin typeface="새굴림" pitchFamily="18" charset="-127"/>
-                          <a:ea typeface="새굴림" pitchFamily="18" charset="-127"/>
-                        </a:rPr>
-                        <a:t>O</a:t>
-                      </a:r>
                       <a:endParaRPr lang="ko-KR" altLang="en-US" sz="1400" dirty="0">
                         <a:latin typeface="새굴림" pitchFamily="18" charset="-127"/>
                         <a:ea typeface="새굴림" pitchFamily="18" charset="-127"/>
@@ -7441,7 +7440,7 @@
                   </a:tcPr>
                 </a:tc>
               </a:tr>
-              <a:tr h="0">
+              <a:tr h="157194">
                 <a:tc vMerge="1">
                   <a:txBody>
                     <a:bodyPr/>
@@ -7464,7 +7463,14 @@
                           <a:latin typeface="새굴림" pitchFamily="18" charset="-127"/>
                           <a:ea typeface="새굴림" pitchFamily="18" charset="-127"/>
                         </a:rPr>
-                        <a:t>상품 총 금액</a:t>
+                        <a:t>부품 </a:t>
+                      </a:r>
+                      <a:r>
+                        <a:rPr lang="ko-KR" altLang="en-US" sz="1400" dirty="0" smtClean="0">
+                          <a:latin typeface="새굴림" pitchFamily="18" charset="-127"/>
+                          <a:ea typeface="새굴림" pitchFamily="18" charset="-127"/>
+                        </a:rPr>
+                        <a:t>총 금액</a:t>
                       </a:r>
                       <a:endParaRPr lang="ko-KR" altLang="en-US" sz="1400" dirty="0">
                         <a:latin typeface="새굴림" pitchFamily="18" charset="-127"/>
@@ -7514,7 +7520,7 @@
                           <a:latin typeface="새굴림" pitchFamily="18" charset="-127"/>
                           <a:ea typeface="새굴림" pitchFamily="18" charset="-127"/>
                         </a:rPr>
-                        <a:t>-</a:t>
+                        <a:t>19</a:t>
                       </a:r>
                       <a:endParaRPr lang="ko-KR" altLang="en-US" sz="1400" dirty="0">
                         <a:latin typeface="새굴림" pitchFamily="18" charset="-127"/>
@@ -7534,13 +7540,6 @@
                     <a:lstStyle/>
                     <a:p>
                       <a:pPr algn="ctr" latinLnBrk="1"/>
-                      <a:r>
-                        <a:rPr lang="en-US" altLang="ko-KR" sz="1400" dirty="0" smtClean="0">
-                          <a:latin typeface="새굴림" pitchFamily="18" charset="-127"/>
-                          <a:ea typeface="새굴림" pitchFamily="18" charset="-127"/>
-                        </a:rPr>
-                        <a:t>O</a:t>
-                      </a:r>
                       <a:endParaRPr lang="ko-KR" altLang="en-US" sz="1400" dirty="0">
                         <a:latin typeface="새굴림" pitchFamily="18" charset="-127"/>
                         <a:ea typeface="새굴림" pitchFamily="18" charset="-127"/>
@@ -7554,7 +7553,7 @@
                   </a:tcPr>
                 </a:tc>
               </a:tr>
-              <a:tr h="292608">
+              <a:tr h="157194">
                 <a:tc vMerge="1">
                   <a:txBody>
                     <a:bodyPr/>
@@ -7627,7 +7626,7 @@
                           <a:latin typeface="새굴림" pitchFamily="18" charset="-127"/>
                           <a:ea typeface="새굴림" pitchFamily="18" charset="-127"/>
                         </a:rPr>
-                        <a:t>-</a:t>
+                        <a:t>10</a:t>
                       </a:r>
                       <a:endParaRPr lang="ko-KR" altLang="en-US" sz="1400" dirty="0">
                         <a:latin typeface="새굴림" pitchFamily="18" charset="-127"/>
@@ -7648,11 +7647,11 @@
                     <a:p>
                       <a:pPr algn="ctr" latinLnBrk="1"/>
                       <a:r>
-                        <a:rPr lang="en-US" altLang="ko-KR" sz="1400" dirty="0" smtClean="0">
-                          <a:latin typeface="새굴림" pitchFamily="18" charset="-127"/>
-                          <a:ea typeface="새굴림" pitchFamily="18" charset="-127"/>
-                        </a:rPr>
-                        <a:t>X</a:t>
+                        <a:rPr lang="ko-KR" altLang="en-US" sz="1400" dirty="0" smtClean="0">
+                          <a:latin typeface="새굴림" pitchFamily="18" charset="-127"/>
+                          <a:ea typeface="새굴림" pitchFamily="18" charset="-127"/>
+                        </a:rPr>
+                        <a:t>필수</a:t>
                       </a:r>
                       <a:endParaRPr lang="ko-KR" altLang="en-US" sz="1400" dirty="0">
                         <a:latin typeface="새굴림" pitchFamily="18" charset="-127"/>
@@ -7680,13 +7679,13 @@
           <p:nvPr>
             <p:extLst>
               <p:ext uri="{D42A27DB-BD31-4B8C-83A1-F6EECF244321}">
-                <p14:modId xmlns:p14="http://schemas.microsoft.com/office/powerpoint/2010/main" val="2081884674"/>
+                <p14:modId xmlns:p14="http://schemas.microsoft.com/office/powerpoint/2010/main" val="602105690"/>
               </p:ext>
             </p:extLst>
           </p:nvPr>
         </p:nvGraphicFramePr>
         <p:xfrm>
-          <a:off x="838200" y="5290237"/>
+          <a:off x="838200" y="5021580"/>
           <a:ext cx="10515600" cy="1468120"/>
         </p:xfrm>
         <a:graphic>
@@ -7699,14 +7698,14 @@
                 <a:gridCol w="3286125">
                   <a:extLst>
                     <a:ext uri="{9D8B030D-6E8A-4147-A177-3AD203B41FA5}">
-                      <a16:colId xmlns="" xmlns:a16="http://schemas.microsoft.com/office/drawing/2014/main" val="2880723631"/>
+                      <a16:colId xmlns:a16="http://schemas.microsoft.com/office/drawing/2014/main" xmlns="" val="2880723631"/>
                     </a:ext>
                   </a:extLst>
                 </a:gridCol>
                 <a:gridCol w="7229475">
                   <a:extLst>
                     <a:ext uri="{9D8B030D-6E8A-4147-A177-3AD203B41FA5}">
-                      <a16:colId xmlns="" xmlns:a16="http://schemas.microsoft.com/office/drawing/2014/main" val="1222440865"/>
+                      <a16:colId xmlns:a16="http://schemas.microsoft.com/office/drawing/2014/main" xmlns="" val="1222440865"/>
                     </a:ext>
                   </a:extLst>
                 </a:gridCol>
@@ -7752,52 +7751,11 @@
                 </a:tc>
                 <a:extLst>
                   <a:ext uri="{0D108BD9-81ED-4DB2-BD59-A6C34878D82A}">
-                    <a16:rowId xmlns="" xmlns:a16="http://schemas.microsoft.com/office/drawing/2014/main" val="2058711828"/>
+                    <a16:rowId xmlns:a16="http://schemas.microsoft.com/office/drawing/2014/main" xmlns="" val="2058711828"/>
                   </a:ext>
                 </a:extLst>
               </a:tr>
               <a:tr h="182880">
-                <a:tc>
-                  <a:txBody>
-                    <a:bodyPr/>
-                    <a:lstStyle/>
-                    <a:p>
-                      <a:pPr marL="0" marR="0" indent="0" algn="ctr" defTabSz="914400" rtl="0" eaLnBrk="1" fontAlgn="auto" latinLnBrk="1" hangingPunct="1">
-                        <a:lnSpc>
-                          <a:spcPct val="100000"/>
-                        </a:lnSpc>
-                        <a:spcBef>
-                          <a:spcPts val="0"/>
-                        </a:spcBef>
-                        <a:spcAft>
-                          <a:spcPts val="0"/>
-                        </a:spcAft>
-                        <a:buClrTx/>
-                        <a:buSzTx/>
-                        <a:buFontTx/>
-                        <a:buNone/>
-                        <a:tabLst/>
-                        <a:defRPr/>
-                      </a:pPr>
-                      <a:r>
-                        <a:rPr lang="ko-KR" altLang="en-US" sz="1800" dirty="0" smtClean="0">
-                          <a:latin typeface="새굴림" panose="02030600000101010101" pitchFamily="18" charset="-127"/>
-                          <a:ea typeface="새굴림" panose="02030600000101010101" pitchFamily="18" charset="-127"/>
-                        </a:rPr>
-                        <a:t>입고</a:t>
-                      </a:r>
-                      <a:endParaRPr lang="en-US" altLang="ko-KR" sz="1800" dirty="0" smtClean="0">
-                        <a:latin typeface="새굴림" panose="02030600000101010101" pitchFamily="18" charset="-127"/>
-                        <a:ea typeface="새굴림" panose="02030600000101010101" pitchFamily="18" charset="-127"/>
-                      </a:endParaRPr>
-                    </a:p>
-                  </a:txBody>
-                  <a:tcPr anchor="ctr">
-                    <a:solidFill>
-                      <a:schemeClr val="bg1"/>
-                    </a:solidFill>
-                  </a:tcPr>
-                </a:tc>
                 <a:tc>
                   <a:txBody>
                     <a:bodyPr/>
@@ -7822,73 +7780,10 @@
                       </a:pPr>
                       <a:r>
                         <a:rPr lang="ko-KR" altLang="en-US" sz="1800" dirty="0" smtClean="0">
-                          <a:solidFill>
-                            <a:srgbClr val="403C4E"/>
-                          </a:solidFill>
                           <a:latin typeface="새굴림" panose="02030600000101010101" pitchFamily="18" charset="-127"/>
                           <a:ea typeface="새굴림" panose="02030600000101010101" pitchFamily="18" charset="-127"/>
-                          <a:cs typeface="Open Sans" pitchFamily="34" charset="-120"/>
-                        </a:rPr>
-                        <a:t>입고 처리 후 입고 조회 화면으로 </a:t>
-                      </a:r>
-                      <a:r>
-                        <a:rPr lang="en-US" altLang="ko-KR" sz="1800" dirty="0" err="1" smtClean="0">
-                          <a:solidFill>
-                            <a:srgbClr val="403C4E"/>
-                          </a:solidFill>
-                          <a:latin typeface="새굴림" panose="02030600000101010101" pitchFamily="18" charset="-127"/>
-                          <a:ea typeface="새굴림" panose="02030600000101010101" pitchFamily="18" charset="-127"/>
-                          <a:cs typeface="Open Sans" pitchFamily="34" charset="-120"/>
-                        </a:rPr>
-                        <a:t>이동</a:t>
-                      </a:r>
-                      <a:endParaRPr lang="en-US" altLang="ko-KR" sz="1800" dirty="0" smtClean="0">
-                        <a:latin typeface="새굴림" panose="02030600000101010101" pitchFamily="18" charset="-127"/>
-                        <a:ea typeface="새굴림" panose="02030600000101010101" pitchFamily="18" charset="-127"/>
-                      </a:endParaRPr>
-                    </a:p>
-                  </a:txBody>
-                  <a:tcPr anchor="ctr">
-                    <a:solidFill>
-                      <a:schemeClr val="bg1"/>
-                    </a:solidFill>
-                  </a:tcPr>
-                </a:tc>
-                <a:extLst>
-                  <a:ext uri="{0D108BD9-81ED-4DB2-BD59-A6C34878D82A}">
-                    <a16:rowId xmlns="" xmlns:a16="http://schemas.microsoft.com/office/drawing/2014/main" val="1940163066"/>
-                  </a:ext>
-                </a:extLst>
-              </a:tr>
-              <a:tr h="182880">
-                <a:tc>
-                  <a:txBody>
-                    <a:bodyPr/>
-                    <a:lstStyle/>
-                    <a:p>
-                      <a:pPr marL="0" marR="0" indent="0" algn="ctr" defTabSz="914400" rtl="0" eaLnBrk="1" fontAlgn="auto" latinLnBrk="1" hangingPunct="1">
-                        <a:lnSpc>
-                          <a:spcPct val="100000"/>
-                        </a:lnSpc>
-                        <a:spcBef>
-                          <a:spcPts val="0"/>
-                        </a:spcBef>
-                        <a:spcAft>
-                          <a:spcPts val="0"/>
-                        </a:spcAft>
-                        <a:buClrTx/>
-                        <a:buSzTx/>
-                        <a:buFontTx/>
-                        <a:buNone/>
-                        <a:tabLst/>
-                        <a:defRPr/>
-                      </a:pPr>
-                      <a:r>
-                        <a:rPr lang="ko-KR" altLang="en-US" sz="1800" dirty="0" smtClean="0">
-                          <a:latin typeface="새굴림" panose="02030600000101010101" pitchFamily="18" charset="-127"/>
-                          <a:ea typeface="새굴림" panose="02030600000101010101" pitchFamily="18" charset="-127"/>
-                        </a:rPr>
-                        <a:t>발주 취소</a:t>
+                        </a:rPr>
+                        <a:t>입고 버튼 클릭</a:t>
                       </a:r>
                       <a:endParaRPr lang="en-US" altLang="ko-KR" sz="1800" dirty="0" smtClean="0">
                         <a:latin typeface="새굴림" panose="02030600000101010101" pitchFamily="18" charset="-127"/>
@@ -7926,10 +7821,25 @@
                       </a:pPr>
                       <a:r>
                         <a:rPr lang="ko-KR" altLang="en-US" sz="1800" dirty="0" smtClean="0">
+                          <a:solidFill>
+                            <a:srgbClr val="403C4E"/>
+                          </a:solidFill>
                           <a:latin typeface="새굴림" panose="02030600000101010101" pitchFamily="18" charset="-127"/>
                           <a:ea typeface="새굴림" panose="02030600000101010101" pitchFamily="18" charset="-127"/>
-                        </a:rPr>
-                        <a:t>발주 취소 후 입고 조회 화면으로 이동</a:t>
+                          <a:cs typeface="Open Sans" pitchFamily="34" charset="-120"/>
+                        </a:rPr>
+                        <a:t>입고 처리 후 입고 조회 화면으로 </a:t>
+                      </a:r>
+                      <a:r>
+                        <a:rPr lang="en-US" altLang="ko-KR" sz="1800" dirty="0" err="1" smtClean="0">
+                          <a:solidFill>
+                            <a:srgbClr val="403C4E"/>
+                          </a:solidFill>
+                          <a:latin typeface="새굴림" panose="02030600000101010101" pitchFamily="18" charset="-127"/>
+                          <a:ea typeface="새굴림" panose="02030600000101010101" pitchFamily="18" charset="-127"/>
+                          <a:cs typeface="Open Sans" pitchFamily="34" charset="-120"/>
+                        </a:rPr>
+                        <a:t>이동</a:t>
                       </a:r>
                       <a:endParaRPr lang="en-US" altLang="ko-KR" sz="1800" dirty="0" smtClean="0">
                         <a:latin typeface="새굴림" panose="02030600000101010101" pitchFamily="18" charset="-127"/>
@@ -7943,14 +7853,19 @@
                     </a:solidFill>
                   </a:tcPr>
                 </a:tc>
+                <a:extLst>
+                  <a:ext uri="{0D108BD9-81ED-4DB2-BD59-A6C34878D82A}">
+                    <a16:rowId xmlns:a16="http://schemas.microsoft.com/office/drawing/2014/main" xmlns="" val="1940163066"/>
+                  </a:ext>
+                </a:extLst>
               </a:tr>
-              <a:tr h="185420">
-                <a:tc>
-                  <a:txBody>
-                    <a:bodyPr/>
-                    <a:lstStyle/>
-                    <a:p>
-                      <a:pPr marL="0" marR="0" indent="0" algn="ctr" defTabSz="914400" rtl="0" eaLnBrk="1" fontAlgn="auto" latinLnBrk="1" hangingPunct="1">
+              <a:tr h="182880">
+                <a:tc>
+                  <a:txBody>
+                    <a:bodyPr/>
+                    <a:lstStyle/>
+                    <a:p>
+                      <a:pPr marL="0" marR="0" indent="0" algn="l" defTabSz="914400" rtl="0" eaLnBrk="1" fontAlgn="auto" latinLnBrk="1" hangingPunct="1">
                         <a:lnSpc>
                           <a:spcPct val="100000"/>
                         </a:lnSpc>
@@ -7972,7 +7887,112 @@
                           <a:latin typeface="새굴림" panose="02030600000101010101" pitchFamily="18" charset="-127"/>
                           <a:ea typeface="새굴림" panose="02030600000101010101" pitchFamily="18" charset="-127"/>
                         </a:rPr>
-                        <a:t>목록</a:t>
+                        <a:t>발주 </a:t>
+                      </a:r>
+                      <a:r>
+                        <a:rPr lang="ko-KR" altLang="en-US" sz="1800" dirty="0" smtClean="0">
+                          <a:latin typeface="새굴림" panose="02030600000101010101" pitchFamily="18" charset="-127"/>
+                          <a:ea typeface="새굴림" panose="02030600000101010101" pitchFamily="18" charset="-127"/>
+                        </a:rPr>
+                        <a:t>취소 버튼 클릭</a:t>
+                      </a:r>
+                      <a:endParaRPr lang="en-US" altLang="ko-KR" sz="1800" dirty="0" smtClean="0">
+                        <a:latin typeface="새굴림" panose="02030600000101010101" pitchFamily="18" charset="-127"/>
+                        <a:ea typeface="새굴림" panose="02030600000101010101" pitchFamily="18" charset="-127"/>
+                      </a:endParaRPr>
+                    </a:p>
+                  </a:txBody>
+                  <a:tcPr anchor="ctr">
+                    <a:solidFill>
+                      <a:schemeClr val="bg1"/>
+                    </a:solidFill>
+                  </a:tcPr>
+                </a:tc>
+                <a:tc>
+                  <a:txBody>
+                    <a:bodyPr/>
+                    <a:lstStyle/>
+                    <a:p>
+                      <a:pPr marL="0" marR="0" indent="0" algn="l" defTabSz="914400" rtl="0" eaLnBrk="1" fontAlgn="auto" latinLnBrk="1" hangingPunct="1">
+                        <a:lnSpc>
+                          <a:spcPct val="100000"/>
+                        </a:lnSpc>
+                        <a:spcBef>
+                          <a:spcPts val="0"/>
+                        </a:spcBef>
+                        <a:spcAft>
+                          <a:spcPts val="0"/>
+                        </a:spcAft>
+                        <a:buClrTx/>
+                        <a:buSzTx/>
+                        <a:buFontTx/>
+                        <a:buNone/>
+                        <a:tabLst/>
+                        <a:defRPr/>
+                      </a:pPr>
+                      <a:r>
+                        <a:rPr lang="ko-KR" altLang="en-US" sz="1800" dirty="0" smtClean="0">
+                          <a:latin typeface="새굴림" panose="02030600000101010101" pitchFamily="18" charset="-127"/>
+                          <a:ea typeface="새굴림" panose="02030600000101010101" pitchFamily="18" charset="-127"/>
+                        </a:rPr>
+                        <a:t>발주 </a:t>
+                      </a:r>
+                      <a:r>
+                        <a:rPr lang="ko-KR" altLang="en-US" sz="1800" dirty="0" smtClean="0">
+                          <a:latin typeface="새굴림" panose="02030600000101010101" pitchFamily="18" charset="-127"/>
+                          <a:ea typeface="새굴림" panose="02030600000101010101" pitchFamily="18" charset="-127"/>
+                        </a:rPr>
+                        <a:t>취소 처리 </a:t>
+                      </a:r>
+                      <a:r>
+                        <a:rPr lang="ko-KR" altLang="en-US" sz="1800" dirty="0" smtClean="0">
+                          <a:latin typeface="새굴림" panose="02030600000101010101" pitchFamily="18" charset="-127"/>
+                          <a:ea typeface="새굴림" panose="02030600000101010101" pitchFamily="18" charset="-127"/>
+                        </a:rPr>
+                        <a:t>후 입고 조회 화면으로 이동</a:t>
+                      </a:r>
+                      <a:endParaRPr lang="en-US" altLang="ko-KR" sz="1800" dirty="0" smtClean="0">
+                        <a:latin typeface="새굴림" panose="02030600000101010101" pitchFamily="18" charset="-127"/>
+                        <a:ea typeface="새굴림" panose="02030600000101010101" pitchFamily="18" charset="-127"/>
+                      </a:endParaRPr>
+                    </a:p>
+                  </a:txBody>
+                  <a:tcPr anchor="ctr">
+                    <a:solidFill>
+                      <a:schemeClr val="bg1"/>
+                    </a:solidFill>
+                  </a:tcPr>
+                </a:tc>
+              </a:tr>
+              <a:tr h="185420">
+                <a:tc>
+                  <a:txBody>
+                    <a:bodyPr/>
+                    <a:lstStyle/>
+                    <a:p>
+                      <a:pPr marL="0" marR="0" indent="0" algn="l" defTabSz="914400" rtl="0" eaLnBrk="1" fontAlgn="auto" latinLnBrk="1" hangingPunct="1">
+                        <a:lnSpc>
+                          <a:spcPct val="100000"/>
+                        </a:lnSpc>
+                        <a:spcBef>
+                          <a:spcPts val="0"/>
+                        </a:spcBef>
+                        <a:spcAft>
+                          <a:spcPts val="0"/>
+                        </a:spcAft>
+                        <a:buClrTx/>
+                        <a:buSzTx/>
+                        <a:buFontTx/>
+                        <a:buNone/>
+                        <a:tabLst/>
+                        <a:defRPr/>
+                      </a:pPr>
+                      <a:r>
+                        <a:rPr lang="ko-KR" altLang="en-US" sz="1800" dirty="0" smtClean="0">
+                          <a:latin typeface="새굴림" panose="02030600000101010101" pitchFamily="18" charset="-127"/>
+                          <a:ea typeface="새굴림" panose="02030600000101010101" pitchFamily="18" charset="-127"/>
+                        </a:rPr>
+                        <a:t>목록 버튼 클릭</a:t>
                       </a:r>
                       <a:endParaRPr lang="en-US" altLang="ko-KR" sz="1800" dirty="0" smtClean="0">
                         <a:latin typeface="새굴림" panose="02030600000101010101" pitchFamily="18" charset="-127"/>
@@ -8224,7 +8244,7 @@
             <p:ph idx="1"/>
             <p:extLst>
               <p:ext uri="{D42A27DB-BD31-4B8C-83A1-F6EECF244321}">
-                <p14:modId xmlns:p14="http://schemas.microsoft.com/office/powerpoint/2010/main" val="1847727553"/>
+                <p14:modId xmlns:p14="http://schemas.microsoft.com/office/powerpoint/2010/main" val="3505593653"/>
               </p:ext>
             </p:extLst>
           </p:nvPr>
@@ -8243,35 +8263,35 @@
                 <a:gridCol w="3257550">
                   <a:extLst>
                     <a:ext uri="{9D8B030D-6E8A-4147-A177-3AD203B41FA5}">
-                      <a16:colId xmlns="" xmlns:a16="http://schemas.microsoft.com/office/drawing/2014/main" val="2880723631"/>
+                      <a16:colId xmlns:a16="http://schemas.microsoft.com/office/drawing/2014/main" xmlns="" val="2880723631"/>
                     </a:ext>
                   </a:extLst>
                 </a:gridCol>
                 <a:gridCol w="2305050">
                   <a:extLst>
                     <a:ext uri="{9D8B030D-6E8A-4147-A177-3AD203B41FA5}">
-                      <a16:colId xmlns="" xmlns:a16="http://schemas.microsoft.com/office/drawing/2014/main" val="1222440865"/>
+                      <a16:colId xmlns:a16="http://schemas.microsoft.com/office/drawing/2014/main" xmlns="" val="1222440865"/>
                     </a:ext>
                   </a:extLst>
                 </a:gridCol>
                 <a:gridCol w="1685925">
                   <a:extLst>
                     <a:ext uri="{9D8B030D-6E8A-4147-A177-3AD203B41FA5}">
-                      <a16:colId xmlns="" xmlns:a16="http://schemas.microsoft.com/office/drawing/2014/main" val="1515085376"/>
+                      <a16:colId xmlns:a16="http://schemas.microsoft.com/office/drawing/2014/main" xmlns="" val="1515085376"/>
                     </a:ext>
                   </a:extLst>
                 </a:gridCol>
                 <a:gridCol w="1628775">
                   <a:extLst>
                     <a:ext uri="{9D8B030D-6E8A-4147-A177-3AD203B41FA5}">
-                      <a16:colId xmlns="" xmlns:a16="http://schemas.microsoft.com/office/drawing/2014/main" val="630274754"/>
+                      <a16:colId xmlns:a16="http://schemas.microsoft.com/office/drawing/2014/main" xmlns="" val="630274754"/>
                     </a:ext>
                   </a:extLst>
                 </a:gridCol>
                 <a:gridCol w="1638300">
                   <a:extLst>
                     <a:ext uri="{9D8B030D-6E8A-4147-A177-3AD203B41FA5}">
-                      <a16:colId xmlns="" xmlns:a16="http://schemas.microsoft.com/office/drawing/2014/main" val="1923971626"/>
+                      <a16:colId xmlns:a16="http://schemas.microsoft.com/office/drawing/2014/main" xmlns="" val="1923971626"/>
                     </a:ext>
                   </a:extLst>
                 </a:gridCol>
@@ -8298,7 +8318,7 @@
                       </a:endParaRPr>
                     </a:p>
                   </a:txBody>
-                  <a:tcPr anchor="ctr"/>
+                  <a:tcPr/>
                 </a:tc>
                 <a:tc>
                   <a:txBody>
@@ -8313,7 +8333,7 @@
                       <a:endParaRPr lang="ko-KR" altLang="en-US" dirty="0"/>
                     </a:p>
                   </a:txBody>
-                  <a:tcPr anchor="ctr"/>
+                  <a:tcPr/>
                 </a:tc>
                 <a:tc>
                   <a:txBody>
@@ -8328,7 +8348,7 @@
                       <a:endParaRPr lang="ko-KR" altLang="en-US" dirty="0"/>
                     </a:p>
                   </a:txBody>
-                  <a:tcPr anchor="ctr"/>
+                  <a:tcPr/>
                 </a:tc>
                 <a:tc>
                   <a:txBody>
@@ -8343,7 +8363,7 @@
                       <a:endParaRPr lang="ko-KR" altLang="en-US" dirty="0"/>
                     </a:p>
                   </a:txBody>
-                  <a:tcPr anchor="ctr"/>
+                  <a:tcPr/>
                 </a:tc>
                 <a:tc>
                   <a:txBody>
@@ -8358,11 +8378,11 @@
                       <a:endParaRPr lang="ko-KR" altLang="en-US" dirty="0"/>
                     </a:p>
                   </a:txBody>
-                  <a:tcPr anchor="ctr"/>
+                  <a:tcPr/>
                 </a:tc>
                 <a:extLst>
                   <a:ext uri="{0D108BD9-81ED-4DB2-BD59-A6C34878D82A}">
-                    <a16:rowId xmlns="" xmlns:a16="http://schemas.microsoft.com/office/drawing/2014/main" val="2058711828"/>
+                    <a16:rowId xmlns:a16="http://schemas.microsoft.com/office/drawing/2014/main" xmlns="" val="2058711828"/>
                   </a:ext>
                 </a:extLst>
               </a:tr>
@@ -8471,9 +8491,8 @@
                           </a:solidFill>
                           <a:latin typeface="새굴림" panose="02030600000101010101" pitchFamily="18" charset="-127"/>
                           <a:ea typeface="새굴림" panose="02030600000101010101" pitchFamily="18" charset="-127"/>
-                          <a:cs typeface="Open Sans" pitchFamily="34" charset="-120"/>
-                        </a:rPr>
-                        <a:t>-</a:t>
+                        </a:rPr>
+                        <a:t>6</a:t>
                       </a:r>
                       <a:endParaRPr lang="en-US" altLang="ko-KR" sz="1800" b="0" dirty="0" smtClean="0">
                         <a:latin typeface="새굴림" panose="02030600000101010101" pitchFamily="18" charset="-127"/>
@@ -8493,13 +8512,6 @@
                     <a:lstStyle/>
                     <a:p>
                       <a:pPr algn="ctr" latinLnBrk="1"/>
-                      <a:r>
-                        <a:rPr lang="en-US" altLang="ko-KR" b="0" dirty="0" smtClean="0">
-                          <a:latin typeface="새굴림" panose="02030600000101010101" pitchFamily="18" charset="-127"/>
-                          <a:ea typeface="새굴림" panose="02030600000101010101" pitchFamily="18" charset="-127"/>
-                        </a:rPr>
-                        <a:t>O</a:t>
-                      </a:r>
                       <a:endParaRPr lang="ko-KR" altLang="en-US" b="0" dirty="0">
                         <a:latin typeface="새굴림" panose="02030600000101010101" pitchFamily="18" charset="-127"/>
                         <a:ea typeface="새굴림" panose="02030600000101010101" pitchFamily="18" charset="-127"/>
@@ -8514,7 +8526,7 @@
                 </a:tc>
                 <a:extLst>
                   <a:ext uri="{0D108BD9-81ED-4DB2-BD59-A6C34878D82A}">
-                    <a16:rowId xmlns="" xmlns:a16="http://schemas.microsoft.com/office/drawing/2014/main" val="1940163066"/>
+                    <a16:rowId xmlns:a16="http://schemas.microsoft.com/office/drawing/2014/main" xmlns="" val="1940163066"/>
                   </a:ext>
                 </a:extLst>
               </a:tr>
@@ -8622,13 +8634,6 @@
                     <a:lstStyle/>
                     <a:p>
                       <a:pPr algn="ctr"/>
-                      <a:r>
-                        <a:rPr lang="en-US" altLang="ko-KR" dirty="0" smtClean="0">
-                          <a:latin typeface="새굴림" pitchFamily="18" charset="-127"/>
-                          <a:ea typeface="새굴림" pitchFamily="18" charset="-127"/>
-                        </a:rPr>
-                        <a:t>O</a:t>
-                      </a:r>
                       <a:endParaRPr lang="ko-KR" altLang="en-US" dirty="0">
                         <a:latin typeface="새굴림" pitchFamily="18" charset="-127"/>
                         <a:ea typeface="새굴림" pitchFamily="18" charset="-127"/>
@@ -8643,7 +8648,7 @@
                 </a:tc>
                 <a:extLst>
                   <a:ext uri="{0D108BD9-81ED-4DB2-BD59-A6C34878D82A}">
-                    <a16:rowId xmlns="" xmlns:a16="http://schemas.microsoft.com/office/drawing/2014/main" val="1642501168"/>
+                    <a16:rowId xmlns:a16="http://schemas.microsoft.com/office/drawing/2014/main" xmlns="" val="1642501168"/>
                   </a:ext>
                 </a:extLst>
               </a:tr>
@@ -8674,7 +8679,28 @@
                           <a:latin typeface="새굴림" pitchFamily="18" charset="-127"/>
                           <a:ea typeface="새굴림" pitchFamily="18" charset="-127"/>
                         </a:rPr>
-                        <a:t>상품 종류 수</a:t>
+                        <a:t>부품 </a:t>
+                      </a:r>
+                      <a:r>
+                        <a:rPr lang="ko-KR" altLang="en-US" dirty="0" smtClean="0">
+                          <a:latin typeface="새굴림" pitchFamily="18" charset="-127"/>
+                          <a:ea typeface="새굴림" pitchFamily="18" charset="-127"/>
+                        </a:rPr>
+                        <a:t>종류 </a:t>
+                      </a:r>
+                      <a:r>
+                        <a:rPr lang="ko-KR" altLang="en-US" dirty="0" smtClean="0">
+                          <a:latin typeface="새굴림" pitchFamily="18" charset="-127"/>
+                          <a:ea typeface="새굴림" pitchFamily="18" charset="-127"/>
+                        </a:rPr>
+                        <a:t>수</a:t>
+                      </a:r>
+                      <a:r>
+                        <a:rPr lang="en-US" altLang="ko-KR" dirty="0" smtClean="0">
+                          <a:latin typeface="새굴림" pitchFamily="18" charset="-127"/>
+                          <a:ea typeface="새굴림" pitchFamily="18" charset="-127"/>
+                        </a:rPr>
+                        <a:t>*</a:t>
                       </a:r>
                       <a:endParaRPr lang="ko-KR" altLang="en-US" dirty="0">
                         <a:latin typeface="새굴림" pitchFamily="18" charset="-127"/>
@@ -8736,7 +8762,7 @@
                           <a:latin typeface="새굴림" pitchFamily="18" charset="-127"/>
                           <a:ea typeface="새굴림" pitchFamily="18" charset="-127"/>
                         </a:rPr>
-                        <a:t>-</a:t>
+                        <a:t>10</a:t>
                       </a:r>
                       <a:endParaRPr lang="ko-KR" altLang="en-US" dirty="0">
                         <a:latin typeface="새굴림" pitchFamily="18" charset="-127"/>
@@ -8772,13 +8798,6 @@
                         <a:tabLst/>
                         <a:defRPr/>
                       </a:pPr>
-                      <a:r>
-                        <a:rPr lang="en-US" altLang="ko-KR" dirty="0" smtClean="0">
-                          <a:latin typeface="새굴림" pitchFamily="18" charset="-127"/>
-                          <a:ea typeface="새굴림" pitchFamily="18" charset="-127"/>
-                        </a:rPr>
-                        <a:t>O</a:t>
-                      </a:r>
                       <a:endParaRPr lang="ko-KR" altLang="en-US" dirty="0" smtClean="0">
                         <a:latin typeface="새굴림" pitchFamily="18" charset="-127"/>
                         <a:ea typeface="새굴림" pitchFamily="18" charset="-127"/>
@@ -8793,7 +8812,7 @@
                 </a:tc>
                 <a:extLst>
                   <a:ext uri="{0D108BD9-81ED-4DB2-BD59-A6C34878D82A}">
-                    <a16:rowId xmlns="" xmlns:a16="http://schemas.microsoft.com/office/drawing/2014/main" val="4120884330"/>
+                    <a16:rowId xmlns:a16="http://schemas.microsoft.com/office/drawing/2014/main" xmlns="" val="4120884330"/>
                   </a:ext>
                 </a:extLst>
               </a:tr>
@@ -8826,6 +8845,13 @@
                         </a:rPr>
                         <a:t>수주일</a:t>
                       </a:r>
+                      <a:r>
+                        <a:rPr lang="en-US" altLang="ko-KR" dirty="0" smtClean="0">
+                          <a:latin typeface="새굴림" pitchFamily="18" charset="-127"/>
+                          <a:ea typeface="새굴림" pitchFamily="18" charset="-127"/>
+                        </a:rPr>
+                        <a:t>*</a:t>
+                      </a:r>
                       <a:endParaRPr lang="ko-KR" altLang="en-US" dirty="0">
                         <a:latin typeface="새굴림" pitchFamily="18" charset="-127"/>
                         <a:ea typeface="새굴림" pitchFamily="18" charset="-127"/>
@@ -8894,13 +8920,6 @@
                     <a:lstStyle/>
                     <a:p>
                       <a:pPr algn="ctr" latinLnBrk="1"/>
-                      <a:r>
-                        <a:rPr lang="en-US" altLang="ko-KR" dirty="0" smtClean="0">
-                          <a:latin typeface="새굴림" pitchFamily="18" charset="-127"/>
-                          <a:ea typeface="새굴림" pitchFamily="18" charset="-127"/>
-                        </a:rPr>
-                        <a:t>O</a:t>
-                      </a:r>
                       <a:endParaRPr lang="ko-KR" altLang="en-US" dirty="0">
                         <a:latin typeface="새굴림" pitchFamily="18" charset="-127"/>
                         <a:ea typeface="새굴림" pitchFamily="18" charset="-127"/>
@@ -8915,7 +8934,7 @@
                 </a:tc>
                 <a:extLst>
                   <a:ext uri="{0D108BD9-81ED-4DB2-BD59-A6C34878D82A}">
-                    <a16:rowId xmlns="" xmlns:a16="http://schemas.microsoft.com/office/drawing/2014/main" val="4128160277"/>
+                    <a16:rowId xmlns:a16="http://schemas.microsoft.com/office/drawing/2014/main" xmlns="" val="4128160277"/>
                   </a:ext>
                 </a:extLst>
               </a:tr>
@@ -9039,13 +9058,6 @@
                     <a:lstStyle/>
                     <a:p>
                       <a:pPr algn="ctr"/>
-                      <a:r>
-                        <a:rPr lang="en-US" altLang="ko-KR" dirty="0" smtClean="0">
-                          <a:latin typeface="새굴림" pitchFamily="18" charset="-127"/>
-                          <a:ea typeface="새굴림" pitchFamily="18" charset="-127"/>
-                        </a:rPr>
-                        <a:t>O</a:t>
-                      </a:r>
                       <a:endParaRPr lang="ko-KR" altLang="en-US" dirty="0">
                         <a:latin typeface="새굴림" pitchFamily="18" charset="-127"/>
                         <a:ea typeface="새굴림" pitchFamily="18" charset="-127"/>
@@ -9060,7 +9072,7 @@
                 </a:tc>
                 <a:extLst>
                   <a:ext uri="{0D108BD9-81ED-4DB2-BD59-A6C34878D82A}">
-                    <a16:rowId xmlns="" xmlns:a16="http://schemas.microsoft.com/office/drawing/2014/main" val="3584867855"/>
+                    <a16:rowId xmlns:a16="http://schemas.microsoft.com/office/drawing/2014/main" xmlns="" val="3584867855"/>
                   </a:ext>
                 </a:extLst>
               </a:tr>
@@ -9164,13 +9176,6 @@
                     <a:lstStyle/>
                     <a:p>
                       <a:pPr algn="ctr" latinLnBrk="1"/>
-                      <a:r>
-                        <a:rPr lang="en-US" altLang="ko-KR" dirty="0" smtClean="0">
-                          <a:latin typeface="새굴림" pitchFamily="18" charset="-127"/>
-                          <a:ea typeface="새굴림" pitchFamily="18" charset="-127"/>
-                        </a:rPr>
-                        <a:t>O</a:t>
-                      </a:r>
                       <a:endParaRPr lang="ko-KR" altLang="en-US" dirty="0">
                         <a:latin typeface="새굴림" pitchFamily="18" charset="-127"/>
                         <a:ea typeface="새굴림" pitchFamily="18" charset="-127"/>
@@ -9257,7 +9262,7 @@
                           <a:latin typeface="새굴림" pitchFamily="18" charset="-127"/>
                           <a:ea typeface="새굴림" pitchFamily="18" charset="-127"/>
                         </a:rPr>
-                        <a:t>-</a:t>
+                        <a:t>14</a:t>
                       </a:r>
                       <a:endParaRPr lang="ko-KR" altLang="en-US" dirty="0">
                         <a:latin typeface="새굴림" pitchFamily="18" charset="-127"/>
@@ -9277,13 +9282,6 @@
                     <a:lstStyle/>
                     <a:p>
                       <a:pPr algn="ctr" latinLnBrk="1"/>
-                      <a:r>
-                        <a:rPr lang="en-US" altLang="ko-KR" dirty="0" smtClean="0">
-                          <a:latin typeface="새굴림" pitchFamily="18" charset="-127"/>
-                          <a:ea typeface="새굴림" pitchFamily="18" charset="-127"/>
-                        </a:rPr>
-                        <a:t>X</a:t>
-                      </a:r>
                       <a:endParaRPr lang="ko-KR" altLang="en-US" dirty="0">
                         <a:latin typeface="새굴림" pitchFamily="18" charset="-127"/>
                         <a:ea typeface="새굴림" pitchFamily="18" charset="-127"/>
@@ -9310,13 +9308,13 @@
           <p:nvPr>
             <p:extLst>
               <p:ext uri="{D42A27DB-BD31-4B8C-83A1-F6EECF244321}">
-                <p14:modId xmlns:p14="http://schemas.microsoft.com/office/powerpoint/2010/main" val="2725757925"/>
+                <p14:modId xmlns:p14="http://schemas.microsoft.com/office/powerpoint/2010/main" val="2354703063"/>
               </p:ext>
             </p:extLst>
           </p:nvPr>
         </p:nvGraphicFramePr>
         <p:xfrm>
-          <a:off x="838200" y="5072527"/>
+          <a:off x="838200" y="5006031"/>
           <a:ext cx="10515600" cy="1483360"/>
         </p:xfrm>
         <a:graphic>
@@ -9329,14 +9327,14 @@
                 <a:gridCol w="3286125">
                   <a:extLst>
                     <a:ext uri="{9D8B030D-6E8A-4147-A177-3AD203B41FA5}">
-                      <a16:colId xmlns="" xmlns:a16="http://schemas.microsoft.com/office/drawing/2014/main" val="2880723631"/>
+                      <a16:colId xmlns:a16="http://schemas.microsoft.com/office/drawing/2014/main" xmlns="" val="2880723631"/>
                     </a:ext>
                   </a:extLst>
                 </a:gridCol>
                 <a:gridCol w="7229475">
                   <a:extLst>
                     <a:ext uri="{9D8B030D-6E8A-4147-A177-3AD203B41FA5}">
-                      <a16:colId xmlns="" xmlns:a16="http://schemas.microsoft.com/office/drawing/2014/main" val="1222440865"/>
+                      <a16:colId xmlns:a16="http://schemas.microsoft.com/office/drawing/2014/main" xmlns="" val="1222440865"/>
                     </a:ext>
                   </a:extLst>
                 </a:gridCol>
@@ -9382,52 +9380,11 @@
                 </a:tc>
                 <a:extLst>
                   <a:ext uri="{0D108BD9-81ED-4DB2-BD59-A6C34878D82A}">
-                    <a16:rowId xmlns="" xmlns:a16="http://schemas.microsoft.com/office/drawing/2014/main" val="2058711828"/>
+                    <a16:rowId xmlns:a16="http://schemas.microsoft.com/office/drawing/2014/main" xmlns="" val="2058711828"/>
                   </a:ext>
                 </a:extLst>
               </a:tr>
               <a:tr h="370840">
-                <a:tc>
-                  <a:txBody>
-                    <a:bodyPr/>
-                    <a:lstStyle/>
-                    <a:p>
-                      <a:pPr marL="0" marR="0" indent="0" algn="ctr" defTabSz="914400" rtl="0" eaLnBrk="1" fontAlgn="auto" latinLnBrk="1" hangingPunct="1">
-                        <a:lnSpc>
-                          <a:spcPct val="100000"/>
-                        </a:lnSpc>
-                        <a:spcBef>
-                          <a:spcPts val="0"/>
-                        </a:spcBef>
-                        <a:spcAft>
-                          <a:spcPts val="0"/>
-                        </a:spcAft>
-                        <a:buClrTx/>
-                        <a:buSzTx/>
-                        <a:buFontTx/>
-                        <a:buNone/>
-                        <a:tabLst/>
-                        <a:defRPr/>
-                      </a:pPr>
-                      <a:r>
-                        <a:rPr lang="ko-KR" altLang="en-US" sz="1800" dirty="0" smtClean="0">
-                          <a:latin typeface="새굴림" panose="02030600000101010101" pitchFamily="18" charset="-127"/>
-                          <a:ea typeface="새굴림" panose="02030600000101010101" pitchFamily="18" charset="-127"/>
-                        </a:rPr>
-                        <a:t>항목 선택</a:t>
-                      </a:r>
-                      <a:endParaRPr lang="en-US" altLang="ko-KR" sz="1800" dirty="0" smtClean="0">
-                        <a:latin typeface="새굴림" panose="02030600000101010101" pitchFamily="18" charset="-127"/>
-                        <a:ea typeface="새굴림" panose="02030600000101010101" pitchFamily="18" charset="-127"/>
-                      </a:endParaRPr>
-                    </a:p>
-                  </a:txBody>
-                  <a:tcPr anchor="ctr">
-                    <a:solidFill>
-                      <a:schemeClr val="bg1"/>
-                    </a:solidFill>
-                  </a:tcPr>
-                </a:tc>
                 <a:tc>
                   <a:txBody>
                     <a:bodyPr/>
@@ -9452,6 +9409,47 @@
                       </a:pPr>
                       <a:r>
                         <a:rPr lang="ko-KR" altLang="en-US" sz="1800" dirty="0" smtClean="0">
+                          <a:latin typeface="새굴림" panose="02030600000101010101" pitchFamily="18" charset="-127"/>
+                          <a:ea typeface="새굴림" panose="02030600000101010101" pitchFamily="18" charset="-127"/>
+                        </a:rPr>
+                        <a:t>상세정보 이동</a:t>
+                      </a:r>
+                      <a:endParaRPr lang="en-US" altLang="ko-KR" sz="1800" dirty="0" smtClean="0">
+                        <a:latin typeface="새굴림" panose="02030600000101010101" pitchFamily="18" charset="-127"/>
+                        <a:ea typeface="새굴림" panose="02030600000101010101" pitchFamily="18" charset="-127"/>
+                      </a:endParaRPr>
+                    </a:p>
+                  </a:txBody>
+                  <a:tcPr anchor="ctr">
+                    <a:solidFill>
+                      <a:schemeClr val="bg1"/>
+                    </a:solidFill>
+                  </a:tcPr>
+                </a:tc>
+                <a:tc>
+                  <a:txBody>
+                    <a:bodyPr/>
+                    <a:lstStyle/>
+                    <a:p>
+                      <a:pPr marL="0" marR="0" indent="0" algn="l" defTabSz="914400" rtl="0" eaLnBrk="1" fontAlgn="auto" latinLnBrk="1" hangingPunct="1">
+                        <a:lnSpc>
+                          <a:spcPct val="100000"/>
+                        </a:lnSpc>
+                        <a:spcBef>
+                          <a:spcPts val="0"/>
+                        </a:spcBef>
+                        <a:spcAft>
+                          <a:spcPts val="0"/>
+                        </a:spcAft>
+                        <a:buClrTx/>
+                        <a:buSzTx/>
+                        <a:buFontTx/>
+                        <a:buNone/>
+                        <a:tabLst/>
+                        <a:defRPr/>
+                      </a:pPr>
+                      <a:r>
+                        <a:rPr lang="ko-KR" altLang="en-US" sz="1800" dirty="0" smtClean="0">
                           <a:solidFill>
                             <a:srgbClr val="403C4E"/>
                           </a:solidFill>
@@ -9486,7 +9484,7 @@
                 </a:tc>
                 <a:extLst>
                   <a:ext uri="{0D108BD9-81ED-4DB2-BD59-A6C34878D82A}">
-                    <a16:rowId xmlns="" xmlns:a16="http://schemas.microsoft.com/office/drawing/2014/main" val="1940163066"/>
+                    <a16:rowId xmlns:a16="http://schemas.microsoft.com/office/drawing/2014/main" xmlns="" val="1940163066"/>
                   </a:ext>
                 </a:extLst>
               </a:tr>
@@ -9496,13 +9494,20 @@
                     <a:bodyPr/>
                     <a:lstStyle/>
                     <a:p>
-                      <a:pPr algn="ctr" latinLnBrk="1"/>
+                      <a:pPr algn="l" latinLnBrk="1"/>
                       <a:r>
                         <a:rPr lang="ko-KR" altLang="en-US" dirty="0" smtClean="0">
                           <a:latin typeface="새굴림" pitchFamily="18" charset="-127"/>
                           <a:ea typeface="새굴림" pitchFamily="18" charset="-127"/>
                         </a:rPr>
-                        <a:t>조회 버튼</a:t>
+                        <a:t>조회 </a:t>
+                      </a:r>
+                      <a:r>
+                        <a:rPr lang="ko-KR" altLang="en-US" sz="1800" dirty="0" smtClean="0">
+                          <a:latin typeface="새굴림" panose="02030600000101010101" pitchFamily="18" charset="-127"/>
+                          <a:ea typeface="새굴림" panose="02030600000101010101" pitchFamily="18" charset="-127"/>
+                        </a:rPr>
+                        <a:t>버튼 클릭</a:t>
                       </a:r>
                       <a:endParaRPr lang="ko-KR" altLang="en-US" dirty="0">
                         <a:latin typeface="새굴림" pitchFamily="18" charset="-127"/>
@@ -9613,7 +9618,7 @@
                 </a:tc>
                 <a:extLst>
                   <a:ext uri="{0D108BD9-81ED-4DB2-BD59-A6C34878D82A}">
-                    <a16:rowId xmlns="" xmlns:a16="http://schemas.microsoft.com/office/drawing/2014/main" val="1642501168"/>
+                    <a16:rowId xmlns:a16="http://schemas.microsoft.com/office/drawing/2014/main" xmlns="" val="1642501168"/>
                   </a:ext>
                 </a:extLst>
               </a:tr>
@@ -9623,13 +9628,20 @@
                     <a:bodyPr/>
                     <a:lstStyle/>
                     <a:p>
-                      <a:pPr algn="ctr" latinLnBrk="1"/>
+                      <a:pPr algn="l" latinLnBrk="1"/>
                       <a:r>
                         <a:rPr lang="ko-KR" altLang="en-US" dirty="0" smtClean="0">
                           <a:latin typeface="새굴림" pitchFamily="18" charset="-127"/>
                           <a:ea typeface="새굴림" pitchFamily="18" charset="-127"/>
                         </a:rPr>
-                        <a:t>출력 버튼</a:t>
+                        <a:t>출력 </a:t>
+                      </a:r>
+                      <a:r>
+                        <a:rPr lang="ko-KR" altLang="en-US" sz="1800" dirty="0" smtClean="0">
+                          <a:latin typeface="새굴림" panose="02030600000101010101" pitchFamily="18" charset="-127"/>
+                          <a:ea typeface="새굴림" panose="02030600000101010101" pitchFamily="18" charset="-127"/>
+                        </a:rPr>
+                        <a:t>버튼 클릭</a:t>
                       </a:r>
                       <a:endParaRPr lang="ko-KR" altLang="en-US" dirty="0">
                         <a:latin typeface="새굴림" pitchFamily="18" charset="-127"/>
@@ -9677,7 +9689,7 @@
                 </a:tc>
                 <a:extLst>
                   <a:ext uri="{0D108BD9-81ED-4DB2-BD59-A6C34878D82A}">
-                    <a16:rowId xmlns="" xmlns:a16="http://schemas.microsoft.com/office/drawing/2014/main" val="4120884330"/>
+                    <a16:rowId xmlns:a16="http://schemas.microsoft.com/office/drawing/2014/main" xmlns="" val="4120884330"/>
                   </a:ext>
                 </a:extLst>
               </a:tr>
@@ -9877,14 +9889,14 @@
             <p:ph idx="1"/>
             <p:extLst>
               <p:ext uri="{D42A27DB-BD31-4B8C-83A1-F6EECF244321}">
-                <p14:modId xmlns:p14="http://schemas.microsoft.com/office/powerpoint/2010/main" val="3463828137"/>
+                <p14:modId xmlns:p14="http://schemas.microsoft.com/office/powerpoint/2010/main" val="1536881933"/>
               </p:ext>
             </p:extLst>
           </p:nvPr>
         </p:nvGraphicFramePr>
         <p:xfrm>
-          <a:off x="838200" y="1825625"/>
-          <a:ext cx="10515600" cy="3542965"/>
+          <a:off x="838200" y="1825626"/>
+          <a:ext cx="10515600" cy="3383280"/>
         </p:xfrm>
         <a:graphic>
           <a:graphicData uri="http://schemas.openxmlformats.org/drawingml/2006/table">
@@ -9896,40 +9908,40 @@
                 <a:gridCol w="3257550">
                   <a:extLst>
                     <a:ext uri="{9D8B030D-6E8A-4147-A177-3AD203B41FA5}">
-                      <a16:colId xmlns="" xmlns:a16="http://schemas.microsoft.com/office/drawing/2014/main" val="2880723631"/>
+                      <a16:colId xmlns:a16="http://schemas.microsoft.com/office/drawing/2014/main" xmlns="" val="2880723631"/>
                     </a:ext>
                   </a:extLst>
                 </a:gridCol>
                 <a:gridCol w="2305050">
                   <a:extLst>
                     <a:ext uri="{9D8B030D-6E8A-4147-A177-3AD203B41FA5}">
-                      <a16:colId xmlns="" xmlns:a16="http://schemas.microsoft.com/office/drawing/2014/main" val="1222440865"/>
+                      <a16:colId xmlns:a16="http://schemas.microsoft.com/office/drawing/2014/main" xmlns="" val="1222440865"/>
                     </a:ext>
                   </a:extLst>
                 </a:gridCol>
                 <a:gridCol w="1685925">
                   <a:extLst>
                     <a:ext uri="{9D8B030D-6E8A-4147-A177-3AD203B41FA5}">
-                      <a16:colId xmlns="" xmlns:a16="http://schemas.microsoft.com/office/drawing/2014/main" val="1515085376"/>
+                      <a16:colId xmlns:a16="http://schemas.microsoft.com/office/drawing/2014/main" xmlns="" val="1515085376"/>
                     </a:ext>
                   </a:extLst>
                 </a:gridCol>
                 <a:gridCol w="1628775">
                   <a:extLst>
                     <a:ext uri="{9D8B030D-6E8A-4147-A177-3AD203B41FA5}">
-                      <a16:colId xmlns="" xmlns:a16="http://schemas.microsoft.com/office/drawing/2014/main" val="630274754"/>
+                      <a16:colId xmlns:a16="http://schemas.microsoft.com/office/drawing/2014/main" xmlns="" val="630274754"/>
                     </a:ext>
                   </a:extLst>
                 </a:gridCol>
                 <a:gridCol w="1638300">
                   <a:extLst>
                     <a:ext uri="{9D8B030D-6E8A-4147-A177-3AD203B41FA5}">
-                      <a16:colId xmlns="" xmlns:a16="http://schemas.microsoft.com/office/drawing/2014/main" val="1923971626"/>
+                      <a16:colId xmlns:a16="http://schemas.microsoft.com/office/drawing/2014/main" xmlns="" val="1923971626"/>
                     </a:ext>
                   </a:extLst>
                 </a:gridCol>
               </a:tblGrid>
-              <a:tr h="370840">
+              <a:tr h="0">
                 <a:tc>
                   <a:txBody>
                     <a:bodyPr/>
@@ -10015,11 +10027,11 @@
                 </a:tc>
                 <a:extLst>
                   <a:ext uri="{0D108BD9-81ED-4DB2-BD59-A6C34878D82A}">
-                    <a16:rowId xmlns="" xmlns:a16="http://schemas.microsoft.com/office/drawing/2014/main" val="2058711828"/>
+                    <a16:rowId xmlns:a16="http://schemas.microsoft.com/office/drawing/2014/main" xmlns="" val="2058711828"/>
                   </a:ext>
                 </a:extLst>
               </a:tr>
-              <a:tr h="288375">
+              <a:tr h="0">
                 <a:tc rowSpan="11">
                   <a:txBody>
                     <a:bodyPr/>
@@ -10027,13 +10039,13 @@
                     <a:p>
                       <a:pPr algn="ctr" latinLnBrk="1"/>
                       <a:r>
-                        <a:rPr lang="ko-KR" altLang="en-US" sz="1000" b="0" dirty="0" smtClean="0">
+                        <a:rPr lang="ko-KR" altLang="en-US" sz="1800" b="0" dirty="0" smtClean="0">
                           <a:latin typeface="새굴림" panose="02030600000101010101" pitchFamily="18" charset="-127"/>
                           <a:ea typeface="새굴림" panose="02030600000101010101" pitchFamily="18" charset="-127"/>
                         </a:rPr>
                         <a:t>출고 처리</a:t>
                       </a:r>
-                      <a:endParaRPr lang="ko-KR" altLang="en-US" sz="1000" b="0" dirty="0">
+                      <a:endParaRPr lang="ko-KR" altLang="en-US" sz="1800" b="0" dirty="0">
                         <a:latin typeface="새굴림" panose="02030600000101010101" pitchFamily="18" charset="-127"/>
                         <a:ea typeface="새굴림" panose="02030600000101010101" pitchFamily="18" charset="-127"/>
                       </a:endParaRPr>
@@ -10052,20 +10064,20 @@
                     <a:p>
                       <a:pPr algn="ctr"/>
                       <a:r>
-                        <a:rPr lang="ko-KR" altLang="en-US" sz="1000" dirty="0" err="1" smtClean="0">
+                        <a:rPr lang="ko-KR" altLang="en-US" sz="1200" dirty="0" err="1" smtClean="0">
                           <a:latin typeface="새굴림" pitchFamily="18" charset="-127"/>
                           <a:ea typeface="새굴림" pitchFamily="18" charset="-127"/>
                         </a:rPr>
                         <a:t>거래처명</a:t>
                       </a:r>
                       <a:r>
-                        <a:rPr lang="en-US" altLang="ko-KR" sz="1000" dirty="0" smtClean="0">
+                        <a:rPr lang="en-US" altLang="ko-KR" sz="1200" dirty="0" smtClean="0">
                           <a:latin typeface="새굴림" pitchFamily="18" charset="-127"/>
                           <a:ea typeface="새굴림" pitchFamily="18" charset="-127"/>
                         </a:rPr>
                         <a:t>*</a:t>
                       </a:r>
-                      <a:endParaRPr lang="ko-KR" altLang="en-US" sz="1000" dirty="0">
+                      <a:endParaRPr lang="ko-KR" altLang="en-US" sz="1200" dirty="0">
                         <a:latin typeface="새굴림" pitchFamily="18" charset="-127"/>
                         <a:ea typeface="새굴림" pitchFamily="18" charset="-127"/>
                       </a:endParaRPr>
@@ -10084,13 +10096,13 @@
                     <a:p>
                       <a:pPr algn="ctr"/>
                       <a:r>
-                        <a:rPr lang="ko-KR" altLang="en-US" sz="1000" dirty="0" smtClean="0">
+                        <a:rPr lang="ko-KR" altLang="en-US" sz="1200" dirty="0" smtClean="0">
                           <a:latin typeface="새굴림" pitchFamily="18" charset="-127"/>
                           <a:ea typeface="새굴림" pitchFamily="18" charset="-127"/>
                         </a:rPr>
                         <a:t>문자</a:t>
                       </a:r>
-                      <a:endParaRPr lang="ko-KR" altLang="en-US" sz="1000" dirty="0">
+                      <a:endParaRPr lang="ko-KR" altLang="en-US" sz="1200" dirty="0">
                         <a:latin typeface="새굴림" pitchFamily="18" charset="-127"/>
                         <a:ea typeface="새굴림" pitchFamily="18" charset="-127"/>
                       </a:endParaRPr>
@@ -10109,13 +10121,13 @@
                     <a:p>
                       <a:pPr algn="ctr"/>
                       <a:r>
-                        <a:rPr lang="en-US" altLang="ko-KR" sz="1000" dirty="0" smtClean="0">
+                        <a:rPr lang="en-US" altLang="ko-KR" sz="1200" dirty="0" smtClean="0">
                           <a:latin typeface="새굴림" pitchFamily="18" charset="-127"/>
                           <a:ea typeface="새굴림" pitchFamily="18" charset="-127"/>
                         </a:rPr>
                         <a:t>100</a:t>
                       </a:r>
-                      <a:endParaRPr lang="ko-KR" altLang="en-US" sz="1000" dirty="0">
+                      <a:endParaRPr lang="ko-KR" altLang="en-US" sz="1200" dirty="0">
                         <a:latin typeface="새굴림" pitchFamily="18" charset="-127"/>
                         <a:ea typeface="새굴림" pitchFamily="18" charset="-127"/>
                       </a:endParaRPr>
@@ -10134,13 +10146,13 @@
                     <a:p>
                       <a:pPr algn="ctr"/>
                       <a:r>
-                        <a:rPr lang="en-US" altLang="ko-KR" sz="1000" dirty="0" smtClean="0">
-                          <a:latin typeface="새굴림" pitchFamily="18" charset="-127"/>
-                          <a:ea typeface="새굴림" pitchFamily="18" charset="-127"/>
-                        </a:rPr>
-                        <a:t>O</a:t>
-                      </a:r>
-                      <a:endParaRPr lang="ko-KR" altLang="en-US" sz="1000" dirty="0">
+                        <a:rPr lang="ko-KR" altLang="en-US" sz="1200" dirty="0" smtClean="0">
+                          <a:latin typeface="새굴림" pitchFamily="18" charset="-127"/>
+                          <a:ea typeface="새굴림" pitchFamily="18" charset="-127"/>
+                        </a:rPr>
+                        <a:t>필수</a:t>
+                      </a:r>
+                      <a:endParaRPr lang="ko-KR" altLang="en-US" sz="1200" dirty="0">
                         <a:latin typeface="새굴림" pitchFamily="18" charset="-127"/>
                         <a:ea typeface="새굴림" pitchFamily="18" charset="-127"/>
                       </a:endParaRPr>
@@ -10154,11 +10166,11 @@
                 </a:tc>
                 <a:extLst>
                   <a:ext uri="{0D108BD9-81ED-4DB2-BD59-A6C34878D82A}">
-                    <a16:rowId xmlns="" xmlns:a16="http://schemas.microsoft.com/office/drawing/2014/main" val="1940163066"/>
+                    <a16:rowId xmlns:a16="http://schemas.microsoft.com/office/drawing/2014/main" xmlns="" val="1940163066"/>
                   </a:ext>
                 </a:extLst>
               </a:tr>
-              <a:tr h="288375">
+              <a:tr h="0">
                 <a:tc vMerge="1">
                   <a:txBody>
                     <a:bodyPr/>
@@ -10181,88 +10193,88 @@
                     <a:p>
                       <a:pPr algn="ctr" latinLnBrk="1"/>
                       <a:r>
-                        <a:rPr lang="ko-KR" altLang="en-US" sz="1000" dirty="0" smtClean="0">
+                        <a:rPr lang="ko-KR" altLang="en-US" sz="1200" dirty="0" smtClean="0">
                           <a:latin typeface="새굴림" pitchFamily="18" charset="-127"/>
                           <a:ea typeface="새굴림" pitchFamily="18" charset="-127"/>
                         </a:rPr>
                         <a:t>수주일</a:t>
                       </a:r>
-                      <a:endParaRPr lang="ko-KR" altLang="en-US" sz="1000" dirty="0">
-                        <a:latin typeface="새굴림" pitchFamily="18" charset="-127"/>
-                        <a:ea typeface="새굴림" pitchFamily="18" charset="-127"/>
-                      </a:endParaRPr>
-                    </a:p>
-                  </a:txBody>
-                  <a:tcPr anchor="ctr">
-                    <a:solidFill>
-                      <a:schemeClr val="bg1"/>
-                    </a:solidFill>
-                  </a:tcPr>
-                </a:tc>
-                <a:tc>
-                  <a:txBody>
-                    <a:bodyPr/>
-                    <a:lstStyle/>
-                    <a:p>
-                      <a:pPr algn="ctr" latinLnBrk="1"/>
-                      <a:r>
-                        <a:rPr lang="ko-KR" altLang="en-US" sz="1000" dirty="0" smtClean="0">
+                      <a:r>
+                        <a:rPr lang="en-US" altLang="ko-KR" sz="1200" dirty="0" smtClean="0">
+                          <a:latin typeface="새굴림" pitchFamily="18" charset="-127"/>
+                          <a:ea typeface="새굴림" pitchFamily="18" charset="-127"/>
+                        </a:rPr>
+                        <a:t>*</a:t>
+                      </a:r>
+                      <a:endParaRPr lang="ko-KR" altLang="en-US" sz="1200" dirty="0">
+                        <a:latin typeface="새굴림" pitchFamily="18" charset="-127"/>
+                        <a:ea typeface="새굴림" pitchFamily="18" charset="-127"/>
+                      </a:endParaRPr>
+                    </a:p>
+                  </a:txBody>
+                  <a:tcPr anchor="ctr">
+                    <a:solidFill>
+                      <a:schemeClr val="bg1"/>
+                    </a:solidFill>
+                  </a:tcPr>
+                </a:tc>
+                <a:tc>
+                  <a:txBody>
+                    <a:bodyPr/>
+                    <a:lstStyle/>
+                    <a:p>
+                      <a:pPr algn="ctr" latinLnBrk="1"/>
+                      <a:r>
+                        <a:rPr lang="ko-KR" altLang="en-US" sz="1200" dirty="0" smtClean="0">
                           <a:latin typeface="새굴림" pitchFamily="18" charset="-127"/>
                           <a:ea typeface="새굴림" pitchFamily="18" charset="-127"/>
                         </a:rPr>
                         <a:t>날짜</a:t>
                       </a:r>
-                      <a:endParaRPr lang="ko-KR" altLang="en-US" sz="1000" dirty="0">
-                        <a:latin typeface="새굴림" pitchFamily="18" charset="-127"/>
-                        <a:ea typeface="새굴림" pitchFamily="18" charset="-127"/>
-                      </a:endParaRPr>
-                    </a:p>
-                  </a:txBody>
-                  <a:tcPr anchor="ctr">
-                    <a:solidFill>
-                      <a:schemeClr val="bg1"/>
-                    </a:solidFill>
-                  </a:tcPr>
-                </a:tc>
-                <a:tc>
-                  <a:txBody>
-                    <a:bodyPr/>
-                    <a:lstStyle/>
-                    <a:p>
-                      <a:pPr algn="ctr" latinLnBrk="1"/>
-                      <a:r>
-                        <a:rPr lang="en-US" altLang="ko-KR" sz="1000" dirty="0" smtClean="0">
-                          <a:latin typeface="새굴림" pitchFamily="18" charset="-127"/>
-                          <a:ea typeface="새굴림" pitchFamily="18" charset="-127"/>
-                        </a:rPr>
-                        <a:t>-</a:t>
-                      </a:r>
-                      <a:endParaRPr lang="ko-KR" altLang="en-US" sz="1000" dirty="0">
-                        <a:latin typeface="새굴림" pitchFamily="18" charset="-127"/>
-                        <a:ea typeface="새굴림" pitchFamily="18" charset="-127"/>
-                      </a:endParaRPr>
-                    </a:p>
-                  </a:txBody>
-                  <a:tcPr anchor="ctr">
-                    <a:solidFill>
-                      <a:schemeClr val="bg1"/>
-                    </a:solidFill>
-                  </a:tcPr>
-                </a:tc>
-                <a:tc>
-                  <a:txBody>
-                    <a:bodyPr/>
-                    <a:lstStyle/>
-                    <a:p>
-                      <a:pPr algn="ctr" latinLnBrk="1"/>
-                      <a:r>
-                        <a:rPr lang="en-US" altLang="ko-KR" sz="1000" dirty="0" smtClean="0">
-                          <a:latin typeface="새굴림" pitchFamily="18" charset="-127"/>
-                          <a:ea typeface="새굴림" pitchFamily="18" charset="-127"/>
-                        </a:rPr>
-                        <a:t>O</a:t>
-                      </a:r>
-                      <a:endParaRPr lang="ko-KR" altLang="en-US" sz="1000" dirty="0">
+                      <a:endParaRPr lang="ko-KR" altLang="en-US" sz="1200" dirty="0">
+                        <a:latin typeface="새굴림" pitchFamily="18" charset="-127"/>
+                        <a:ea typeface="새굴림" pitchFamily="18" charset="-127"/>
+                      </a:endParaRPr>
+                    </a:p>
+                  </a:txBody>
+                  <a:tcPr anchor="ctr">
+                    <a:solidFill>
+                      <a:schemeClr val="bg1"/>
+                    </a:solidFill>
+                  </a:tcPr>
+                </a:tc>
+                <a:tc>
+                  <a:txBody>
+                    <a:bodyPr/>
+                    <a:lstStyle/>
+                    <a:p>
+                      <a:pPr algn="ctr" latinLnBrk="1"/>
+                      <a:r>
+                        <a:rPr lang="en-US" altLang="ko-KR" sz="1200" dirty="0" smtClean="0">
+                          <a:latin typeface="새굴림" pitchFamily="18" charset="-127"/>
+                          <a:ea typeface="새굴림" pitchFamily="18" charset="-127"/>
+                        </a:rPr>
+                        <a:t>14</a:t>
+                      </a:r>
+                      <a:endParaRPr lang="ko-KR" altLang="en-US" sz="1200" dirty="0">
+                        <a:latin typeface="새굴림" pitchFamily="18" charset="-127"/>
+                        <a:ea typeface="새굴림" pitchFamily="18" charset="-127"/>
+                      </a:endParaRPr>
+                    </a:p>
+                  </a:txBody>
+                  <a:tcPr anchor="ctr">
+                    <a:solidFill>
+                      <a:schemeClr val="bg1"/>
+                    </a:solidFill>
+                  </a:tcPr>
+                </a:tc>
+                <a:tc>
+                  <a:txBody>
+                    <a:bodyPr/>
+                    <a:lstStyle/>
+                    <a:p>
+                      <a:pPr algn="ctr" latinLnBrk="1"/>
+                      <a:endParaRPr lang="ko-KR" altLang="en-US" sz="1200" dirty="0">
                         <a:latin typeface="새굴림" pitchFamily="18" charset="-127"/>
                         <a:ea typeface="새굴림" pitchFamily="18" charset="-127"/>
                       </a:endParaRPr>
@@ -10276,11 +10288,11 @@
                 </a:tc>
                 <a:extLst>
                   <a:ext uri="{0D108BD9-81ED-4DB2-BD59-A6C34878D82A}">
-                    <a16:rowId xmlns="" xmlns:a16="http://schemas.microsoft.com/office/drawing/2014/main" val="1642501168"/>
+                    <a16:rowId xmlns:a16="http://schemas.microsoft.com/office/drawing/2014/main" xmlns="" val="1642501168"/>
                   </a:ext>
                 </a:extLst>
               </a:tr>
-              <a:tr h="288375">
+              <a:tr h="0">
                 <a:tc vMerge="1">
                   <a:txBody>
                     <a:bodyPr/>
@@ -10319,20 +10331,20 @@
                         <a:defRPr/>
                       </a:pPr>
                       <a:r>
-                        <a:rPr lang="ko-KR" altLang="en-US" sz="1000" dirty="0" smtClean="0">
+                        <a:rPr lang="ko-KR" altLang="en-US" sz="1200" dirty="0" smtClean="0">
                           <a:latin typeface="새굴림" pitchFamily="18" charset="-127"/>
                           <a:ea typeface="새굴림" pitchFamily="18" charset="-127"/>
                         </a:rPr>
                         <a:t>수주 담당자</a:t>
                       </a:r>
                       <a:r>
-                        <a:rPr lang="en-US" altLang="ko-KR" sz="1000" dirty="0" smtClean="0">
+                        <a:rPr lang="en-US" altLang="ko-KR" sz="1200" dirty="0" smtClean="0">
                           <a:latin typeface="새굴림" pitchFamily="18" charset="-127"/>
                           <a:ea typeface="새굴림" pitchFamily="18" charset="-127"/>
                         </a:rPr>
                         <a:t>*</a:t>
                       </a:r>
-                      <a:endParaRPr lang="ko-KR" altLang="en-US" sz="1000" dirty="0" smtClean="0">
+                      <a:endParaRPr lang="ko-KR" altLang="en-US" sz="1200" dirty="0" smtClean="0">
                         <a:latin typeface="새굴림" pitchFamily="18" charset="-127"/>
                         <a:ea typeface="새굴림" pitchFamily="18" charset="-127"/>
                       </a:endParaRPr>
@@ -10351,13 +10363,13 @@
                     <a:p>
                       <a:pPr algn="ctr"/>
                       <a:r>
-                        <a:rPr lang="ko-KR" altLang="en-US" sz="1000" dirty="0" smtClean="0">
+                        <a:rPr lang="ko-KR" altLang="en-US" sz="1200" dirty="0" smtClean="0">
                           <a:latin typeface="새굴림" pitchFamily="18" charset="-127"/>
                           <a:ea typeface="새굴림" pitchFamily="18" charset="-127"/>
                         </a:rPr>
                         <a:t>문자</a:t>
                       </a:r>
-                      <a:endParaRPr lang="ko-KR" altLang="en-US" sz="1000" dirty="0">
+                      <a:endParaRPr lang="ko-KR" altLang="en-US" sz="1200" dirty="0">
                         <a:latin typeface="새굴림" pitchFamily="18" charset="-127"/>
                         <a:ea typeface="새굴림" pitchFamily="18" charset="-127"/>
                       </a:endParaRPr>
@@ -10376,13 +10388,13 @@
                     <a:p>
                       <a:pPr algn="ctr"/>
                       <a:r>
-                        <a:rPr lang="en-US" altLang="ko-KR" sz="1000" dirty="0" smtClean="0">
+                        <a:rPr lang="en-US" altLang="ko-KR" sz="1200" dirty="0" smtClean="0">
                           <a:latin typeface="새굴림" pitchFamily="18" charset="-127"/>
                           <a:ea typeface="새굴림" pitchFamily="18" charset="-127"/>
                         </a:rPr>
                         <a:t>10</a:t>
                       </a:r>
-                      <a:endParaRPr lang="ko-KR" altLang="en-US" sz="1000" dirty="0">
+                      <a:endParaRPr lang="ko-KR" altLang="en-US" sz="1200" dirty="0">
                         <a:latin typeface="새굴림" pitchFamily="18" charset="-127"/>
                         <a:ea typeface="새굴림" pitchFamily="18" charset="-127"/>
                       </a:endParaRPr>
@@ -10401,13 +10413,13 @@
                     <a:p>
                       <a:pPr algn="ctr"/>
                       <a:r>
-                        <a:rPr lang="en-US" altLang="ko-KR" sz="1000" dirty="0" smtClean="0">
-                          <a:latin typeface="새굴림" pitchFamily="18" charset="-127"/>
-                          <a:ea typeface="새굴림" pitchFamily="18" charset="-127"/>
-                        </a:rPr>
-                        <a:t>O</a:t>
-                      </a:r>
-                      <a:endParaRPr lang="ko-KR" altLang="en-US" sz="1000" dirty="0">
+                        <a:rPr lang="ko-KR" altLang="en-US" sz="1200" dirty="0" smtClean="0">
+                          <a:latin typeface="새굴림" pitchFamily="18" charset="-127"/>
+                          <a:ea typeface="새굴림" pitchFamily="18" charset="-127"/>
+                        </a:rPr>
+                        <a:t>필수</a:t>
+                      </a:r>
+                      <a:endParaRPr lang="ko-KR" altLang="en-US" sz="1200" dirty="0">
                         <a:latin typeface="새굴림" pitchFamily="18" charset="-127"/>
                         <a:ea typeface="새굴림" pitchFamily="18" charset="-127"/>
                       </a:endParaRPr>
@@ -10421,11 +10433,11 @@
                 </a:tc>
                 <a:extLst>
                   <a:ext uri="{0D108BD9-81ED-4DB2-BD59-A6C34878D82A}">
-                    <a16:rowId xmlns="" xmlns:a16="http://schemas.microsoft.com/office/drawing/2014/main" val="4120884330"/>
+                    <a16:rowId xmlns:a16="http://schemas.microsoft.com/office/drawing/2014/main" xmlns="" val="4120884330"/>
                   </a:ext>
                 </a:extLst>
               </a:tr>
-              <a:tr h="288375">
+              <a:tr h="0">
                 <a:tc vMerge="1">
                   <a:txBody>
                     <a:bodyPr/>
@@ -10460,20 +10472,20 @@
                         <a:defRPr/>
                       </a:pPr>
                       <a:r>
-                        <a:rPr lang="ko-KR" altLang="en-US" sz="1000" dirty="0" smtClean="0">
+                        <a:rPr lang="ko-KR" altLang="en-US" sz="1200" dirty="0" smtClean="0">
                           <a:latin typeface="새굴림" pitchFamily="18" charset="-127"/>
                           <a:ea typeface="새굴림" pitchFamily="18" charset="-127"/>
                         </a:rPr>
                         <a:t>출고 담당자</a:t>
                       </a:r>
                       <a:r>
-                        <a:rPr lang="en-US" altLang="ko-KR" sz="1000" dirty="0" smtClean="0">
+                        <a:rPr lang="en-US" altLang="ko-KR" sz="1200" dirty="0" smtClean="0">
                           <a:latin typeface="새굴림" pitchFamily="18" charset="-127"/>
                           <a:ea typeface="새굴림" pitchFamily="18" charset="-127"/>
                         </a:rPr>
                         <a:t>*</a:t>
                       </a:r>
-                      <a:endParaRPr lang="ko-KR" altLang="en-US" sz="1000" dirty="0" smtClean="0">
+                      <a:endParaRPr lang="ko-KR" altLang="en-US" sz="1200" dirty="0" smtClean="0">
                         <a:latin typeface="새굴림" pitchFamily="18" charset="-127"/>
                         <a:ea typeface="새굴림" pitchFamily="18" charset="-127"/>
                       </a:endParaRPr>
@@ -10492,13 +10504,13 @@
                     <a:p>
                       <a:pPr algn="ctr"/>
                       <a:r>
-                        <a:rPr lang="ko-KR" altLang="en-US" sz="1000" dirty="0" smtClean="0">
+                        <a:rPr lang="ko-KR" altLang="en-US" sz="1200" dirty="0" smtClean="0">
                           <a:latin typeface="새굴림" pitchFamily="18" charset="-127"/>
                           <a:ea typeface="새굴림" pitchFamily="18" charset="-127"/>
                         </a:rPr>
                         <a:t>문자</a:t>
                       </a:r>
-                      <a:endParaRPr lang="ko-KR" altLang="en-US" sz="1000" dirty="0">
+                      <a:endParaRPr lang="ko-KR" altLang="en-US" sz="1200" dirty="0">
                         <a:latin typeface="새굴림" pitchFamily="18" charset="-127"/>
                         <a:ea typeface="새굴림" pitchFamily="18" charset="-127"/>
                       </a:endParaRPr>
@@ -10517,13 +10529,13 @@
                     <a:p>
                       <a:pPr algn="ctr"/>
                       <a:r>
-                        <a:rPr lang="en-US" altLang="ko-KR" sz="1000" dirty="0" smtClean="0">
+                        <a:rPr lang="en-US" altLang="ko-KR" sz="1200" dirty="0" smtClean="0">
                           <a:latin typeface="새굴림" pitchFamily="18" charset="-127"/>
                           <a:ea typeface="새굴림" pitchFamily="18" charset="-127"/>
                         </a:rPr>
                         <a:t>10</a:t>
                       </a:r>
-                      <a:endParaRPr lang="ko-KR" altLang="en-US" sz="1000" dirty="0">
+                      <a:endParaRPr lang="ko-KR" altLang="en-US" sz="1200" dirty="0">
                         <a:latin typeface="새굴림" pitchFamily="18" charset="-127"/>
                         <a:ea typeface="새굴림" pitchFamily="18" charset="-127"/>
                       </a:endParaRPr>
@@ -10542,13 +10554,13 @@
                     <a:p>
                       <a:pPr algn="ctr"/>
                       <a:r>
-                        <a:rPr lang="en-US" altLang="ko-KR" sz="1000" dirty="0" smtClean="0">
-                          <a:latin typeface="새굴림" pitchFamily="18" charset="-127"/>
-                          <a:ea typeface="새굴림" pitchFamily="18" charset="-127"/>
-                        </a:rPr>
-                        <a:t>O</a:t>
-                      </a:r>
-                      <a:endParaRPr lang="ko-KR" altLang="en-US" sz="1000" dirty="0">
+                        <a:rPr lang="ko-KR" altLang="en-US" sz="1200" dirty="0" smtClean="0">
+                          <a:latin typeface="새굴림" pitchFamily="18" charset="-127"/>
+                          <a:ea typeface="새굴림" pitchFamily="18" charset="-127"/>
+                        </a:rPr>
+                        <a:t>필수</a:t>
+                      </a:r>
+                      <a:endParaRPr lang="ko-KR" altLang="en-US" sz="1200" dirty="0">
                         <a:latin typeface="새굴림" pitchFamily="18" charset="-127"/>
                         <a:ea typeface="새굴림" pitchFamily="18" charset="-127"/>
                       </a:endParaRPr>
@@ -10561,7 +10573,7 @@
                   </a:tcPr>
                 </a:tc>
               </a:tr>
-              <a:tr h="288375">
+              <a:tr h="0">
                 <a:tc vMerge="1">
                   <a:txBody>
                     <a:bodyPr/>
@@ -10584,70 +10596,77 @@
                     <a:p>
                       <a:pPr algn="ctr" latinLnBrk="1"/>
                       <a:r>
-                        <a:rPr lang="ko-KR" altLang="en-US" sz="1000" dirty="0" smtClean="0">
-                          <a:latin typeface="새굴림" pitchFamily="18" charset="-127"/>
-                          <a:ea typeface="새굴림" pitchFamily="18" charset="-127"/>
-                        </a:rPr>
-                        <a:t>제품 명</a:t>
-                      </a:r>
-                      <a:r>
-                        <a:rPr lang="en-US" altLang="ko-KR" sz="1000" dirty="0" smtClean="0">
+                        <a:rPr lang="ko-KR" altLang="en-US" sz="1200" dirty="0" smtClean="0">
+                          <a:latin typeface="새굴림" pitchFamily="18" charset="-127"/>
+                          <a:ea typeface="새굴림" pitchFamily="18" charset="-127"/>
+                        </a:rPr>
+                        <a:t>부품 </a:t>
+                      </a:r>
+                      <a:r>
+                        <a:rPr lang="ko-KR" altLang="en-US" sz="1200" dirty="0" smtClean="0">
+                          <a:latin typeface="새굴림" pitchFamily="18" charset="-127"/>
+                          <a:ea typeface="새굴림" pitchFamily="18" charset="-127"/>
+                        </a:rPr>
+                        <a:t>명</a:t>
+                      </a:r>
+                      <a:r>
+                        <a:rPr lang="en-US" altLang="ko-KR" sz="1200" dirty="0" smtClean="0">
                           <a:latin typeface="새굴림" pitchFamily="18" charset="-127"/>
                           <a:ea typeface="새굴림" pitchFamily="18" charset="-127"/>
                         </a:rPr>
                         <a:t>*</a:t>
                       </a:r>
-                      <a:endParaRPr lang="ko-KR" altLang="en-US" sz="1000" dirty="0">
-                        <a:latin typeface="새굴림" pitchFamily="18" charset="-127"/>
-                        <a:ea typeface="새굴림" pitchFamily="18" charset="-127"/>
-                      </a:endParaRPr>
-                    </a:p>
-                  </a:txBody>
-                  <a:tcPr anchor="ctr">
-                    <a:solidFill>
-                      <a:schemeClr val="bg1"/>
-                    </a:solidFill>
-                  </a:tcPr>
-                </a:tc>
-                <a:tc>
-                  <a:txBody>
-                    <a:bodyPr/>
-                    <a:lstStyle/>
-                    <a:p>
-                      <a:pPr algn="ctr" latinLnBrk="1"/>
-                      <a:r>
-                        <a:rPr lang="ko-KR" altLang="en-US" sz="1000" dirty="0" smtClean="0">
+                      <a:endParaRPr lang="ko-KR" altLang="en-US" sz="1200" dirty="0">
+                        <a:latin typeface="새굴림" pitchFamily="18" charset="-127"/>
+                        <a:ea typeface="새굴림" pitchFamily="18" charset="-127"/>
+                      </a:endParaRPr>
+                    </a:p>
+                  </a:txBody>
+                  <a:tcPr anchor="ctr">
+                    <a:solidFill>
+                      <a:schemeClr val="bg1"/>
+                    </a:solidFill>
+                  </a:tcPr>
+                </a:tc>
+                <a:tc>
+                  <a:txBody>
+                    <a:bodyPr/>
+                    <a:lstStyle/>
+                    <a:p>
+                      <a:pPr algn="ctr" latinLnBrk="1"/>
+                      <a:r>
+                        <a:rPr lang="ko-KR" altLang="en-US" sz="1200" dirty="0" smtClean="0">
                           <a:latin typeface="새굴림" pitchFamily="18" charset="-127"/>
                           <a:ea typeface="새굴림" pitchFamily="18" charset="-127"/>
                         </a:rPr>
                         <a:t>문자</a:t>
                       </a:r>
-                      <a:endParaRPr lang="ko-KR" altLang="en-US" sz="1000" dirty="0">
-                        <a:latin typeface="새굴림" pitchFamily="18" charset="-127"/>
-                        <a:ea typeface="새굴림" pitchFamily="18" charset="-127"/>
-                      </a:endParaRPr>
-                    </a:p>
-                  </a:txBody>
-                  <a:tcPr anchor="ctr">
-                    <a:solidFill>
-                      <a:schemeClr val="bg1"/>
-                    </a:solidFill>
-                  </a:tcPr>
-                </a:tc>
-                <a:tc>
-                  <a:txBody>
-                    <a:bodyPr/>
-                    <a:lstStyle/>
-                    <a:p>
-                      <a:pPr algn="ctr" latinLnBrk="1"/>
-                      <a:r>
-                        <a:rPr lang="en-US" altLang="ko-KR" sz="1000" dirty="0" smtClean="0">
-                          <a:latin typeface="새굴림" pitchFamily="18" charset="-127"/>
-                          <a:ea typeface="새굴림" pitchFamily="18" charset="-127"/>
-                        </a:rPr>
-                        <a:t>50</a:t>
-                      </a:r>
-                      <a:endParaRPr lang="ko-KR" altLang="en-US" sz="1000" dirty="0">
+                      <a:endParaRPr lang="ko-KR" altLang="en-US" sz="1200" dirty="0">
+                        <a:latin typeface="새굴림" pitchFamily="18" charset="-127"/>
+                        <a:ea typeface="새굴림" pitchFamily="18" charset="-127"/>
+                      </a:endParaRPr>
+                    </a:p>
+                  </a:txBody>
+                  <a:tcPr anchor="ctr">
+                    <a:solidFill>
+                      <a:schemeClr val="bg1"/>
+                    </a:solidFill>
+                  </a:tcPr>
+                </a:tc>
+                <a:tc>
+                  <a:txBody>
+                    <a:bodyPr/>
+                    <a:lstStyle/>
+                    <a:p>
+                      <a:pPr algn="ctr" latinLnBrk="1"/>
+                      <a:r>
+                        <a:rPr lang="en-US" altLang="ko-KR" sz="1200" dirty="0" smtClean="0">
+                          <a:latin typeface="새굴림" pitchFamily="18" charset="-127"/>
+                          <a:ea typeface="새굴림" pitchFamily="18" charset="-127"/>
+                        </a:rPr>
+                        <a:t>100</a:t>
+                      </a:r>
+                      <a:endParaRPr lang="ko-KR" altLang="en-US" sz="1200" dirty="0">
                         <a:latin typeface="새굴림" pitchFamily="18" charset="-127"/>
                         <a:ea typeface="새굴림" pitchFamily="18" charset="-127"/>
                       </a:endParaRPr>
@@ -10682,13 +10701,13 @@
                         <a:defRPr/>
                       </a:pPr>
                       <a:r>
-                        <a:rPr lang="en-US" altLang="ko-KR" sz="1000" dirty="0" smtClean="0">
-                          <a:latin typeface="새굴림" pitchFamily="18" charset="-127"/>
-                          <a:ea typeface="새굴림" pitchFamily="18" charset="-127"/>
-                        </a:rPr>
-                        <a:t>O</a:t>
-                      </a:r>
-                      <a:endParaRPr lang="ko-KR" altLang="en-US" sz="1000" dirty="0" smtClean="0">
+                        <a:rPr lang="ko-KR" altLang="en-US" sz="1200" dirty="0" smtClean="0">
+                          <a:latin typeface="새굴림" pitchFamily="18" charset="-127"/>
+                          <a:ea typeface="새굴림" pitchFamily="18" charset="-127"/>
+                        </a:rPr>
+                        <a:t>필수</a:t>
+                      </a:r>
+                      <a:endParaRPr lang="ko-KR" altLang="en-US" sz="1200" dirty="0" smtClean="0">
                         <a:latin typeface="새굴림" pitchFamily="18" charset="-127"/>
                         <a:ea typeface="새굴림" pitchFamily="18" charset="-127"/>
                       </a:endParaRPr>
@@ -10702,11 +10721,11 @@
                 </a:tc>
                 <a:extLst>
                   <a:ext uri="{0D108BD9-81ED-4DB2-BD59-A6C34878D82A}">
-                    <a16:rowId xmlns="" xmlns:a16="http://schemas.microsoft.com/office/drawing/2014/main" val="4128160277"/>
+                    <a16:rowId xmlns:a16="http://schemas.microsoft.com/office/drawing/2014/main" xmlns="" val="4128160277"/>
                   </a:ext>
                 </a:extLst>
               </a:tr>
-              <a:tr h="288375">
+              <a:tr h="0">
                 <a:tc vMerge="1">
                   <a:txBody>
                     <a:bodyPr/>
@@ -10745,12 +10764,23 @@
                         <a:defRPr/>
                       </a:pPr>
                       <a:r>
-                        <a:rPr lang="ko-KR" altLang="en-US" sz="1000" dirty="0" smtClean="0">
-                          <a:latin typeface="새굴림" pitchFamily="18" charset="-127"/>
-                          <a:ea typeface="새굴림" pitchFamily="18" charset="-127"/>
-                        </a:rPr>
-                        <a:t>제품 원가</a:t>
-                      </a:r>
+                        <a:rPr lang="ko-KR" altLang="en-US" sz="1200" dirty="0" smtClean="0">
+                          <a:latin typeface="새굴림" pitchFamily="18" charset="-127"/>
+                          <a:ea typeface="새굴림" pitchFamily="18" charset="-127"/>
+                        </a:rPr>
+                        <a:t>부품 원가</a:t>
+                      </a:r>
+                      <a:r>
+                        <a:rPr lang="en-US" altLang="ko-KR" sz="1200" dirty="0" smtClean="0">
+                          <a:latin typeface="새굴림" pitchFamily="18" charset="-127"/>
+                          <a:ea typeface="새굴림" pitchFamily="18" charset="-127"/>
+                        </a:rPr>
+                        <a:t>*</a:t>
+                      </a:r>
+                      <a:endParaRPr lang="ko-KR" altLang="en-US" sz="1200" dirty="0" smtClean="0">
+                        <a:latin typeface="새굴림" pitchFamily="18" charset="-127"/>
+                        <a:ea typeface="새굴림" pitchFamily="18" charset="-127"/>
+                      </a:endParaRPr>
                     </a:p>
                   </a:txBody>
                   <a:tcPr anchor="ctr">
@@ -10766,13 +10796,13 @@
                     <a:p>
                       <a:pPr algn="ctr"/>
                       <a:r>
-                        <a:rPr lang="ko-KR" altLang="en-US" sz="1000" dirty="0" smtClean="0">
+                        <a:rPr lang="ko-KR" altLang="en-US" sz="1200" dirty="0" smtClean="0">
                           <a:latin typeface="새굴림" pitchFamily="18" charset="-127"/>
                           <a:ea typeface="새굴림" pitchFamily="18" charset="-127"/>
                         </a:rPr>
                         <a:t>숫자</a:t>
                       </a:r>
-                      <a:endParaRPr lang="ko-KR" altLang="en-US" sz="1000" dirty="0">
+                      <a:endParaRPr lang="ko-KR" altLang="en-US" sz="1200" dirty="0">
                         <a:latin typeface="새굴림" pitchFamily="18" charset="-127"/>
                         <a:ea typeface="새굴림" pitchFamily="18" charset="-127"/>
                       </a:endParaRPr>
@@ -10791,13 +10821,13 @@
                     <a:p>
                       <a:pPr algn="ctr"/>
                       <a:r>
-                        <a:rPr lang="en-US" altLang="ko-KR" sz="1000" dirty="0" smtClean="0">
-                          <a:latin typeface="새굴림" pitchFamily="18" charset="-127"/>
-                          <a:ea typeface="새굴림" pitchFamily="18" charset="-127"/>
-                        </a:rPr>
-                        <a:t>-</a:t>
-                      </a:r>
-                      <a:endParaRPr lang="ko-KR" altLang="en-US" sz="1000" dirty="0">
+                        <a:rPr lang="en-US" altLang="ko-KR" sz="1200" dirty="0" smtClean="0">
+                          <a:latin typeface="새굴림" pitchFamily="18" charset="-127"/>
+                          <a:ea typeface="새굴림" pitchFamily="18" charset="-127"/>
+                        </a:rPr>
+                        <a:t>19</a:t>
+                      </a:r>
+                      <a:endParaRPr lang="ko-KR" altLang="en-US" sz="1200" dirty="0">
                         <a:latin typeface="새굴림" pitchFamily="18" charset="-127"/>
                         <a:ea typeface="새굴림" pitchFamily="18" charset="-127"/>
                       </a:endParaRPr>
@@ -10816,13 +10846,13 @@
                     <a:p>
                       <a:pPr algn="ctr"/>
                       <a:r>
-                        <a:rPr lang="en-US" altLang="ko-KR" sz="1000" dirty="0" smtClean="0">
-                          <a:latin typeface="새굴림" pitchFamily="18" charset="-127"/>
-                          <a:ea typeface="새굴림" pitchFamily="18" charset="-127"/>
-                        </a:rPr>
-                        <a:t>O</a:t>
-                      </a:r>
-                      <a:endParaRPr lang="ko-KR" altLang="en-US" sz="1000" dirty="0">
+                        <a:rPr lang="ko-KR" altLang="en-US" sz="1200" dirty="0" smtClean="0">
+                          <a:latin typeface="새굴림" pitchFamily="18" charset="-127"/>
+                          <a:ea typeface="새굴림" pitchFamily="18" charset="-127"/>
+                        </a:rPr>
+                        <a:t>필수</a:t>
+                      </a:r>
+                      <a:endParaRPr lang="ko-KR" altLang="en-US" sz="1200" dirty="0">
                         <a:latin typeface="새굴림" pitchFamily="18" charset="-127"/>
                         <a:ea typeface="새굴림" pitchFamily="18" charset="-127"/>
                       </a:endParaRPr>
@@ -10836,11 +10866,11 @@
                 </a:tc>
                 <a:extLst>
                   <a:ext uri="{0D108BD9-81ED-4DB2-BD59-A6C34878D82A}">
-                    <a16:rowId xmlns="" xmlns:a16="http://schemas.microsoft.com/office/drawing/2014/main" val="3584867855"/>
+                    <a16:rowId xmlns:a16="http://schemas.microsoft.com/office/drawing/2014/main" xmlns="" val="3584867855"/>
                   </a:ext>
                 </a:extLst>
               </a:tr>
-              <a:tr h="288375">
+              <a:tr h="0">
                 <a:tc vMerge="1">
                   <a:txBody>
                     <a:bodyPr/>
@@ -10875,84 +10905,95 @@
                         <a:defRPr/>
                       </a:pPr>
                       <a:r>
-                        <a:rPr lang="ko-KR" altLang="en-US" sz="1000" dirty="0" smtClean="0">
-                          <a:latin typeface="새굴림" pitchFamily="18" charset="-127"/>
-                          <a:ea typeface="새굴림" pitchFamily="18" charset="-127"/>
-                        </a:rPr>
-                        <a:t>제품 판매가</a:t>
-                      </a:r>
-                    </a:p>
-                  </a:txBody>
-                  <a:tcPr anchor="ctr">
-                    <a:solidFill>
-                      <a:schemeClr val="bg1"/>
-                    </a:solidFill>
-                  </a:tcPr>
-                </a:tc>
-                <a:tc>
-                  <a:txBody>
-                    <a:bodyPr/>
-                    <a:lstStyle/>
-                    <a:p>
-                      <a:pPr algn="ctr" latinLnBrk="1"/>
-                      <a:r>
-                        <a:rPr lang="ko-KR" altLang="en-US" sz="1000" dirty="0" smtClean="0">
+                        <a:rPr lang="ko-KR" altLang="en-US" sz="1200" dirty="0" smtClean="0">
+                          <a:latin typeface="새굴림" pitchFamily="18" charset="-127"/>
+                          <a:ea typeface="새굴림" pitchFamily="18" charset="-127"/>
+                        </a:rPr>
+                        <a:t>부품 판매가</a:t>
+                      </a:r>
+                      <a:r>
+                        <a:rPr lang="en-US" altLang="ko-KR" sz="1200" dirty="0" smtClean="0">
+                          <a:latin typeface="새굴림" pitchFamily="18" charset="-127"/>
+                          <a:ea typeface="새굴림" pitchFamily="18" charset="-127"/>
+                        </a:rPr>
+                        <a:t>*</a:t>
+                      </a:r>
+                      <a:endParaRPr lang="ko-KR" altLang="en-US" sz="1200" dirty="0" smtClean="0">
+                        <a:latin typeface="새굴림" pitchFamily="18" charset="-127"/>
+                        <a:ea typeface="새굴림" pitchFamily="18" charset="-127"/>
+                      </a:endParaRPr>
+                    </a:p>
+                  </a:txBody>
+                  <a:tcPr anchor="ctr">
+                    <a:solidFill>
+                      <a:schemeClr val="bg1"/>
+                    </a:solidFill>
+                  </a:tcPr>
+                </a:tc>
+                <a:tc>
+                  <a:txBody>
+                    <a:bodyPr/>
+                    <a:lstStyle/>
+                    <a:p>
+                      <a:pPr algn="ctr" latinLnBrk="1"/>
+                      <a:r>
+                        <a:rPr lang="ko-KR" altLang="en-US" sz="1200" dirty="0" smtClean="0">
                           <a:latin typeface="새굴림" pitchFamily="18" charset="-127"/>
                           <a:ea typeface="새굴림" pitchFamily="18" charset="-127"/>
                         </a:rPr>
                         <a:t>숫자</a:t>
                       </a:r>
-                      <a:endParaRPr lang="ko-KR" altLang="en-US" sz="1000" dirty="0">
-                        <a:latin typeface="새굴림" pitchFamily="18" charset="-127"/>
-                        <a:ea typeface="새굴림" pitchFamily="18" charset="-127"/>
-                      </a:endParaRPr>
-                    </a:p>
-                  </a:txBody>
-                  <a:tcPr anchor="ctr">
-                    <a:solidFill>
-                      <a:schemeClr val="bg1"/>
-                    </a:solidFill>
-                  </a:tcPr>
-                </a:tc>
-                <a:tc>
-                  <a:txBody>
-                    <a:bodyPr/>
-                    <a:lstStyle/>
-                    <a:p>
-                      <a:pPr algn="ctr" latinLnBrk="1"/>
-                      <a:r>
-                        <a:rPr lang="en-US" altLang="ko-KR" sz="1000" dirty="0" smtClean="0">
-                          <a:latin typeface="새굴림" pitchFamily="18" charset="-127"/>
-                          <a:ea typeface="새굴림" pitchFamily="18" charset="-127"/>
-                        </a:rPr>
-                        <a:t>-</a:t>
-                      </a:r>
-                      <a:endParaRPr lang="ko-KR" altLang="en-US" sz="1000" dirty="0">
-                        <a:latin typeface="새굴림" pitchFamily="18" charset="-127"/>
-                        <a:ea typeface="새굴림" pitchFamily="18" charset="-127"/>
-                      </a:endParaRPr>
-                    </a:p>
-                  </a:txBody>
-                  <a:tcPr anchor="ctr">
-                    <a:solidFill>
-                      <a:schemeClr val="bg1"/>
-                    </a:solidFill>
-                  </a:tcPr>
-                </a:tc>
-                <a:tc>
-                  <a:txBody>
-                    <a:bodyPr/>
-                    <a:lstStyle/>
-                    <a:p>
-                      <a:pPr algn="ctr" latinLnBrk="1"/>
-                      <a:r>
-                        <a:rPr lang="en-US" altLang="ko-KR" sz="1000" dirty="0" smtClean="0">
-                          <a:latin typeface="새굴림" pitchFamily="18" charset="-127"/>
-                          <a:ea typeface="새굴림" pitchFamily="18" charset="-127"/>
-                        </a:rPr>
-                        <a:t>O</a:t>
-                      </a:r>
-                      <a:endParaRPr lang="ko-KR" altLang="en-US" sz="1000" dirty="0">
+                      <a:endParaRPr lang="ko-KR" altLang="en-US" sz="1200" dirty="0">
+                        <a:latin typeface="새굴림" pitchFamily="18" charset="-127"/>
+                        <a:ea typeface="새굴림" pitchFamily="18" charset="-127"/>
+                      </a:endParaRPr>
+                    </a:p>
+                  </a:txBody>
+                  <a:tcPr anchor="ctr">
+                    <a:solidFill>
+                      <a:schemeClr val="bg1"/>
+                    </a:solidFill>
+                  </a:tcPr>
+                </a:tc>
+                <a:tc>
+                  <a:txBody>
+                    <a:bodyPr/>
+                    <a:lstStyle/>
+                    <a:p>
+                      <a:pPr algn="ctr" latinLnBrk="1"/>
+                      <a:r>
+                        <a:rPr lang="en-US" altLang="ko-KR" sz="1200" dirty="0" smtClean="0">
+                          <a:latin typeface="새굴림" pitchFamily="18" charset="-127"/>
+                          <a:ea typeface="새굴림" pitchFamily="18" charset="-127"/>
+                        </a:rPr>
+                        <a:t>19</a:t>
+                      </a:r>
+                      <a:endParaRPr lang="ko-KR" altLang="en-US" sz="1200" dirty="0">
+                        <a:latin typeface="새굴림" pitchFamily="18" charset="-127"/>
+                        <a:ea typeface="새굴림" pitchFamily="18" charset="-127"/>
+                      </a:endParaRPr>
+                    </a:p>
+                  </a:txBody>
+                  <a:tcPr anchor="ctr">
+                    <a:solidFill>
+                      <a:schemeClr val="bg1"/>
+                    </a:solidFill>
+                  </a:tcPr>
+                </a:tc>
+                <a:tc>
+                  <a:txBody>
+                    <a:bodyPr/>
+                    <a:lstStyle/>
+                    <a:p>
+                      <a:pPr algn="ctr" latinLnBrk="1"/>
+                      <a:r>
+                        <a:rPr lang="ko-KR" altLang="en-US" sz="1200" dirty="0" smtClean="0">
+                          <a:latin typeface="새굴림" pitchFamily="18" charset="-127"/>
+                          <a:ea typeface="새굴림" pitchFamily="18" charset="-127"/>
+                        </a:rPr>
+                        <a:t>필수</a:t>
+                      </a:r>
+                      <a:endParaRPr lang="ko-KR" altLang="en-US" sz="1200" dirty="0">
                         <a:latin typeface="새굴림" pitchFamily="18" charset="-127"/>
                         <a:ea typeface="새굴림" pitchFamily="18" charset="-127"/>
                       </a:endParaRPr>
@@ -10965,7 +11006,7 @@
                   </a:tcPr>
                 </a:tc>
               </a:tr>
-              <a:tr h="288375">
+              <a:tr h="0">
                 <a:tc vMerge="1">
                   <a:txBody>
                     <a:bodyPr/>
@@ -11000,12 +11041,23 @@
                         <a:defRPr/>
                       </a:pPr>
                       <a:r>
-                        <a:rPr lang="ko-KR" altLang="en-US" sz="1000" dirty="0" smtClean="0">
-                          <a:latin typeface="새굴림" pitchFamily="18" charset="-127"/>
-                          <a:ea typeface="새굴림" pitchFamily="18" charset="-127"/>
-                        </a:rPr>
-                        <a:t>제품 수</a:t>
-                      </a:r>
+                        <a:rPr lang="ko-KR" altLang="en-US" sz="1200" dirty="0" smtClean="0">
+                          <a:latin typeface="새굴림" pitchFamily="18" charset="-127"/>
+                          <a:ea typeface="새굴림" pitchFamily="18" charset="-127"/>
+                        </a:rPr>
+                        <a:t>부품 수</a:t>
+                      </a:r>
+                      <a:r>
+                        <a:rPr lang="en-US" altLang="ko-KR" sz="1200" dirty="0" smtClean="0">
+                          <a:latin typeface="새굴림" pitchFamily="18" charset="-127"/>
+                          <a:ea typeface="새굴림" pitchFamily="18" charset="-127"/>
+                        </a:rPr>
+                        <a:t>*</a:t>
+                      </a:r>
+                      <a:endParaRPr lang="ko-KR" altLang="en-US" sz="1200" dirty="0" smtClean="0">
+                        <a:latin typeface="새굴림" pitchFamily="18" charset="-127"/>
+                        <a:ea typeface="새굴림" pitchFamily="18" charset="-127"/>
+                      </a:endParaRPr>
                     </a:p>
                   </a:txBody>
                   <a:tcPr anchor="ctr">
@@ -11021,13 +11073,13 @@
                     <a:p>
                       <a:pPr algn="ctr"/>
                       <a:r>
-                        <a:rPr lang="ko-KR" altLang="en-US" sz="1000" dirty="0" smtClean="0">
+                        <a:rPr lang="ko-KR" altLang="en-US" sz="1200" dirty="0" smtClean="0">
                           <a:latin typeface="새굴림" pitchFamily="18" charset="-127"/>
                           <a:ea typeface="새굴림" pitchFamily="18" charset="-127"/>
                         </a:rPr>
                         <a:t>숫자</a:t>
                       </a:r>
-                      <a:endParaRPr lang="ko-KR" altLang="en-US" sz="1000" dirty="0">
+                      <a:endParaRPr lang="ko-KR" altLang="en-US" sz="1200" dirty="0">
                         <a:latin typeface="새굴림" pitchFamily="18" charset="-127"/>
                         <a:ea typeface="새굴림" pitchFamily="18" charset="-127"/>
                       </a:endParaRPr>
@@ -11046,13 +11098,13 @@
                     <a:p>
                       <a:pPr algn="ctr"/>
                       <a:r>
-                        <a:rPr lang="en-US" altLang="ko-KR" sz="1000" dirty="0" smtClean="0">
-                          <a:latin typeface="새굴림" pitchFamily="18" charset="-127"/>
-                          <a:ea typeface="새굴림" pitchFamily="18" charset="-127"/>
-                        </a:rPr>
-                        <a:t>-</a:t>
-                      </a:r>
-                      <a:endParaRPr lang="ko-KR" altLang="en-US" sz="1000" dirty="0">
+                        <a:rPr lang="en-US" altLang="ko-KR" sz="1200" dirty="0" smtClean="0">
+                          <a:latin typeface="새굴림" pitchFamily="18" charset="-127"/>
+                          <a:ea typeface="새굴림" pitchFamily="18" charset="-127"/>
+                        </a:rPr>
+                        <a:t>10</a:t>
+                      </a:r>
+                      <a:endParaRPr lang="ko-KR" altLang="en-US" sz="1200" dirty="0">
                         <a:latin typeface="새굴림" pitchFamily="18" charset="-127"/>
                         <a:ea typeface="새굴림" pitchFamily="18" charset="-127"/>
                       </a:endParaRPr>
@@ -11071,13 +11123,13 @@
                     <a:p>
                       <a:pPr algn="ctr"/>
                       <a:r>
-                        <a:rPr lang="en-US" altLang="ko-KR" sz="1000" dirty="0" smtClean="0">
-                          <a:latin typeface="새굴림" pitchFamily="18" charset="-127"/>
-                          <a:ea typeface="새굴림" pitchFamily="18" charset="-127"/>
-                        </a:rPr>
-                        <a:t>O</a:t>
-                      </a:r>
-                      <a:endParaRPr lang="ko-KR" altLang="en-US" sz="1000" dirty="0">
+                        <a:rPr lang="ko-KR" altLang="en-US" sz="1200" dirty="0" smtClean="0">
+                          <a:latin typeface="새굴림" pitchFamily="18" charset="-127"/>
+                          <a:ea typeface="새굴림" pitchFamily="18" charset="-127"/>
+                        </a:rPr>
+                        <a:t>필수</a:t>
+                      </a:r>
+                      <a:endParaRPr lang="ko-KR" altLang="en-US" sz="1200" dirty="0">
                         <a:latin typeface="새굴림" pitchFamily="18" charset="-127"/>
                         <a:ea typeface="새굴림" pitchFamily="18" charset="-127"/>
                       </a:endParaRPr>
@@ -11090,7 +11142,7 @@
                   </a:tcPr>
                 </a:tc>
               </a:tr>
-              <a:tr h="288375">
+              <a:tr h="0">
                 <a:tc vMerge="1">
                   <a:txBody>
                     <a:bodyPr/>
@@ -11109,88 +11161,88 @@
                     <a:p>
                       <a:pPr algn="ctr" latinLnBrk="1"/>
                       <a:r>
-                        <a:rPr lang="ko-KR" altLang="en-US" sz="1000" dirty="0" smtClean="0">
-                          <a:latin typeface="새굴림" pitchFamily="18" charset="-127"/>
-                          <a:ea typeface="새굴림" pitchFamily="18" charset="-127"/>
-                        </a:rPr>
-                        <a:t>제품 총 매출액</a:t>
-                      </a:r>
-                      <a:endParaRPr lang="ko-KR" altLang="en-US" sz="1000" dirty="0">
-                        <a:latin typeface="새굴림" pitchFamily="18" charset="-127"/>
-                        <a:ea typeface="새굴림" pitchFamily="18" charset="-127"/>
-                      </a:endParaRPr>
-                    </a:p>
-                  </a:txBody>
-                  <a:tcPr anchor="ctr">
-                    <a:solidFill>
-                      <a:schemeClr val="bg1"/>
-                    </a:solidFill>
-                  </a:tcPr>
-                </a:tc>
-                <a:tc>
-                  <a:txBody>
-                    <a:bodyPr/>
-                    <a:lstStyle/>
-                    <a:p>
-                      <a:pPr algn="ctr" latinLnBrk="1"/>
-                      <a:r>
-                        <a:rPr lang="ko-KR" altLang="en-US" sz="1000" dirty="0" smtClean="0">
+                        <a:rPr lang="ko-KR" altLang="en-US" sz="1200" dirty="0" smtClean="0">
+                          <a:latin typeface="새굴림" pitchFamily="18" charset="-127"/>
+                          <a:ea typeface="새굴림" pitchFamily="18" charset="-127"/>
+                        </a:rPr>
+                        <a:t>부품 </a:t>
+                      </a:r>
+                      <a:r>
+                        <a:rPr lang="ko-KR" altLang="en-US" sz="1200" dirty="0" smtClean="0">
+                          <a:latin typeface="새굴림" pitchFamily="18" charset="-127"/>
+                          <a:ea typeface="새굴림" pitchFamily="18" charset="-127"/>
+                        </a:rPr>
+                        <a:t>총 매출액</a:t>
+                      </a:r>
+                      <a:endParaRPr lang="ko-KR" altLang="en-US" sz="1200" dirty="0">
+                        <a:latin typeface="새굴림" pitchFamily="18" charset="-127"/>
+                        <a:ea typeface="새굴림" pitchFamily="18" charset="-127"/>
+                      </a:endParaRPr>
+                    </a:p>
+                  </a:txBody>
+                  <a:tcPr anchor="ctr">
+                    <a:solidFill>
+                      <a:schemeClr val="bg1"/>
+                    </a:solidFill>
+                  </a:tcPr>
+                </a:tc>
+                <a:tc>
+                  <a:txBody>
+                    <a:bodyPr/>
+                    <a:lstStyle/>
+                    <a:p>
+                      <a:pPr algn="ctr" latinLnBrk="1"/>
+                      <a:r>
+                        <a:rPr lang="ko-KR" altLang="en-US" sz="1200" dirty="0" smtClean="0">
                           <a:latin typeface="새굴림" pitchFamily="18" charset="-127"/>
                           <a:ea typeface="새굴림" pitchFamily="18" charset="-127"/>
                         </a:rPr>
                         <a:t>숫자</a:t>
                       </a:r>
-                      <a:endParaRPr lang="ko-KR" altLang="en-US" sz="1000" dirty="0">
-                        <a:latin typeface="새굴림" pitchFamily="18" charset="-127"/>
-                        <a:ea typeface="새굴림" pitchFamily="18" charset="-127"/>
-                      </a:endParaRPr>
-                    </a:p>
-                  </a:txBody>
-                  <a:tcPr anchor="ctr">
-                    <a:solidFill>
-                      <a:schemeClr val="bg1"/>
-                    </a:solidFill>
-                  </a:tcPr>
-                </a:tc>
-                <a:tc>
-                  <a:txBody>
-                    <a:bodyPr/>
-                    <a:lstStyle/>
-                    <a:p>
-                      <a:pPr algn="ctr" latinLnBrk="1"/>
-                      <a:r>
-                        <a:rPr lang="en-US" altLang="ko-KR" sz="1000" dirty="0" smtClean="0">
-                          <a:latin typeface="새굴림" pitchFamily="18" charset="-127"/>
-                          <a:ea typeface="새굴림" pitchFamily="18" charset="-127"/>
-                        </a:rPr>
-                        <a:t>-</a:t>
-                      </a:r>
-                      <a:endParaRPr lang="ko-KR" altLang="en-US" sz="1000" dirty="0">
-                        <a:latin typeface="새굴림" pitchFamily="18" charset="-127"/>
-                        <a:ea typeface="새굴림" pitchFamily="18" charset="-127"/>
-                      </a:endParaRPr>
-                    </a:p>
-                  </a:txBody>
-                  <a:tcPr anchor="ctr">
-                    <a:solidFill>
-                      <a:schemeClr val="bg1"/>
-                    </a:solidFill>
-                  </a:tcPr>
-                </a:tc>
-                <a:tc>
-                  <a:txBody>
-                    <a:bodyPr/>
-                    <a:lstStyle/>
-                    <a:p>
-                      <a:pPr algn="ctr" latinLnBrk="1"/>
-                      <a:r>
-                        <a:rPr lang="en-US" altLang="ko-KR" sz="1000" dirty="0" smtClean="0">
-                          <a:latin typeface="새굴림" pitchFamily="18" charset="-127"/>
-                          <a:ea typeface="새굴림" pitchFamily="18" charset="-127"/>
-                        </a:rPr>
-                        <a:t>O</a:t>
-                      </a:r>
-                      <a:endParaRPr lang="ko-KR" altLang="en-US" sz="1000" dirty="0">
+                      <a:endParaRPr lang="ko-KR" altLang="en-US" sz="1200" dirty="0">
+                        <a:latin typeface="새굴림" pitchFamily="18" charset="-127"/>
+                        <a:ea typeface="새굴림" pitchFamily="18" charset="-127"/>
+                      </a:endParaRPr>
+                    </a:p>
+                  </a:txBody>
+                  <a:tcPr anchor="ctr">
+                    <a:solidFill>
+                      <a:schemeClr val="bg1"/>
+                    </a:solidFill>
+                  </a:tcPr>
+                </a:tc>
+                <a:tc>
+                  <a:txBody>
+                    <a:bodyPr/>
+                    <a:lstStyle/>
+                    <a:p>
+                      <a:pPr algn="ctr" latinLnBrk="1"/>
+                      <a:r>
+                        <a:rPr lang="en-US" altLang="ko-KR" sz="1200" dirty="0" smtClean="0">
+                          <a:latin typeface="새굴림" pitchFamily="18" charset="-127"/>
+                          <a:ea typeface="새굴림" pitchFamily="18" charset="-127"/>
+                        </a:rPr>
+                        <a:t>19</a:t>
+                      </a:r>
+                      <a:endParaRPr lang="ko-KR" altLang="en-US" sz="1200" dirty="0">
+                        <a:latin typeface="새굴림" pitchFamily="18" charset="-127"/>
+                        <a:ea typeface="새굴림" pitchFamily="18" charset="-127"/>
+                      </a:endParaRPr>
+                    </a:p>
+                  </a:txBody>
+                  <a:tcPr anchor="ctr">
+                    <a:solidFill>
+                      <a:schemeClr val="bg1"/>
+                    </a:solidFill>
+                  </a:tcPr>
+                </a:tc>
+                <a:tc>
+                  <a:txBody>
+                    <a:bodyPr/>
+                    <a:lstStyle/>
+                    <a:p>
+                      <a:pPr algn="ctr" latinLnBrk="1"/>
+                      <a:endParaRPr lang="ko-KR" altLang="en-US" sz="1200" dirty="0">
                         <a:latin typeface="새굴림" pitchFamily="18" charset="-127"/>
                         <a:ea typeface="새굴림" pitchFamily="18" charset="-127"/>
                       </a:endParaRPr>
@@ -11203,7 +11255,7 @@
                   </a:tcPr>
                 </a:tc>
               </a:tr>
-              <a:tr h="288375">
+              <a:tr h="0">
                 <a:tc vMerge="1">
                   <a:txBody>
                     <a:bodyPr/>
@@ -11222,88 +11274,88 @@
                     <a:p>
                       <a:pPr algn="ctr" latinLnBrk="1"/>
                       <a:r>
-                        <a:rPr lang="ko-KR" altLang="en-US" sz="1000" dirty="0" smtClean="0">
-                          <a:latin typeface="새굴림" pitchFamily="18" charset="-127"/>
-                          <a:ea typeface="새굴림" pitchFamily="18" charset="-127"/>
-                        </a:rPr>
-                        <a:t>제품 총 순이익</a:t>
-                      </a:r>
-                      <a:endParaRPr lang="ko-KR" altLang="en-US" sz="1000" dirty="0">
-                        <a:latin typeface="새굴림" pitchFamily="18" charset="-127"/>
-                        <a:ea typeface="새굴림" pitchFamily="18" charset="-127"/>
-                      </a:endParaRPr>
-                    </a:p>
-                  </a:txBody>
-                  <a:tcPr anchor="ctr">
-                    <a:solidFill>
-                      <a:schemeClr val="bg1"/>
-                    </a:solidFill>
-                  </a:tcPr>
-                </a:tc>
-                <a:tc>
-                  <a:txBody>
-                    <a:bodyPr/>
-                    <a:lstStyle/>
-                    <a:p>
-                      <a:pPr algn="ctr" latinLnBrk="1"/>
-                      <a:r>
-                        <a:rPr lang="ko-KR" altLang="en-US" sz="1000" dirty="0" smtClean="0">
+                        <a:rPr lang="ko-KR" altLang="en-US" sz="1200" dirty="0" smtClean="0">
+                          <a:latin typeface="새굴림" pitchFamily="18" charset="-127"/>
+                          <a:ea typeface="새굴림" pitchFamily="18" charset="-127"/>
+                        </a:rPr>
+                        <a:t>부품 </a:t>
+                      </a:r>
+                      <a:r>
+                        <a:rPr lang="ko-KR" altLang="en-US" sz="1200" dirty="0" smtClean="0">
+                          <a:latin typeface="새굴림" pitchFamily="18" charset="-127"/>
+                          <a:ea typeface="새굴림" pitchFamily="18" charset="-127"/>
+                        </a:rPr>
+                        <a:t>총 순이익</a:t>
+                      </a:r>
+                      <a:endParaRPr lang="ko-KR" altLang="en-US" sz="1200" dirty="0">
+                        <a:latin typeface="새굴림" pitchFamily="18" charset="-127"/>
+                        <a:ea typeface="새굴림" pitchFamily="18" charset="-127"/>
+                      </a:endParaRPr>
+                    </a:p>
+                  </a:txBody>
+                  <a:tcPr anchor="ctr">
+                    <a:solidFill>
+                      <a:schemeClr val="bg1"/>
+                    </a:solidFill>
+                  </a:tcPr>
+                </a:tc>
+                <a:tc>
+                  <a:txBody>
+                    <a:bodyPr/>
+                    <a:lstStyle/>
+                    <a:p>
+                      <a:pPr algn="ctr" latinLnBrk="1"/>
+                      <a:r>
+                        <a:rPr lang="ko-KR" altLang="en-US" sz="1200" dirty="0" smtClean="0">
                           <a:latin typeface="새굴림" pitchFamily="18" charset="-127"/>
                           <a:ea typeface="새굴림" pitchFamily="18" charset="-127"/>
                         </a:rPr>
                         <a:t>숫자</a:t>
                       </a:r>
-                      <a:endParaRPr lang="ko-KR" altLang="en-US" sz="1000" dirty="0">
-                        <a:latin typeface="새굴림" pitchFamily="18" charset="-127"/>
-                        <a:ea typeface="새굴림" pitchFamily="18" charset="-127"/>
-                      </a:endParaRPr>
-                    </a:p>
-                  </a:txBody>
-                  <a:tcPr anchor="ctr">
-                    <a:solidFill>
-                      <a:schemeClr val="bg1"/>
-                    </a:solidFill>
-                  </a:tcPr>
-                </a:tc>
-                <a:tc>
-                  <a:txBody>
-                    <a:bodyPr/>
-                    <a:lstStyle/>
-                    <a:p>
-                      <a:pPr algn="ctr" latinLnBrk="1"/>
-                      <a:r>
-                        <a:rPr lang="en-US" altLang="ko-KR" sz="1000" dirty="0" smtClean="0">
-                          <a:latin typeface="새굴림" pitchFamily="18" charset="-127"/>
-                          <a:ea typeface="새굴림" pitchFamily="18" charset="-127"/>
-                        </a:rPr>
-                        <a:t>-</a:t>
-                      </a:r>
-                      <a:endParaRPr lang="ko-KR" altLang="en-US" sz="1000" dirty="0">
-                        <a:latin typeface="새굴림" pitchFamily="18" charset="-127"/>
-                        <a:ea typeface="새굴림" pitchFamily="18" charset="-127"/>
-                      </a:endParaRPr>
-                    </a:p>
-                  </a:txBody>
-                  <a:tcPr anchor="ctr">
-                    <a:solidFill>
-                      <a:schemeClr val="bg1"/>
-                    </a:solidFill>
-                  </a:tcPr>
-                </a:tc>
-                <a:tc>
-                  <a:txBody>
-                    <a:bodyPr/>
-                    <a:lstStyle/>
-                    <a:p>
-                      <a:pPr algn="ctr" latinLnBrk="1"/>
-                      <a:r>
-                        <a:rPr lang="en-US" altLang="ko-KR" sz="1000" dirty="0" smtClean="0">
-                          <a:latin typeface="새굴림" pitchFamily="18" charset="-127"/>
-                          <a:ea typeface="새굴림" pitchFamily="18" charset="-127"/>
-                        </a:rPr>
-                        <a:t>O</a:t>
-                      </a:r>
-                      <a:endParaRPr lang="ko-KR" altLang="en-US" sz="1000" dirty="0">
+                      <a:endParaRPr lang="ko-KR" altLang="en-US" sz="1200" dirty="0">
+                        <a:latin typeface="새굴림" pitchFamily="18" charset="-127"/>
+                        <a:ea typeface="새굴림" pitchFamily="18" charset="-127"/>
+                      </a:endParaRPr>
+                    </a:p>
+                  </a:txBody>
+                  <a:tcPr anchor="ctr">
+                    <a:solidFill>
+                      <a:schemeClr val="bg1"/>
+                    </a:solidFill>
+                  </a:tcPr>
+                </a:tc>
+                <a:tc>
+                  <a:txBody>
+                    <a:bodyPr/>
+                    <a:lstStyle/>
+                    <a:p>
+                      <a:pPr algn="ctr" latinLnBrk="1"/>
+                      <a:r>
+                        <a:rPr lang="en-US" altLang="ko-KR" sz="1200" dirty="0" smtClean="0">
+                          <a:latin typeface="새굴림" pitchFamily="18" charset="-127"/>
+                          <a:ea typeface="새굴림" pitchFamily="18" charset="-127"/>
+                        </a:rPr>
+                        <a:t>19</a:t>
+                      </a:r>
+                      <a:endParaRPr lang="ko-KR" altLang="en-US" sz="1200" dirty="0">
+                        <a:latin typeface="새굴림" pitchFamily="18" charset="-127"/>
+                        <a:ea typeface="새굴림" pitchFamily="18" charset="-127"/>
+                      </a:endParaRPr>
+                    </a:p>
+                  </a:txBody>
+                  <a:tcPr anchor="ctr">
+                    <a:solidFill>
+                      <a:schemeClr val="bg1"/>
+                    </a:solidFill>
+                  </a:tcPr>
+                </a:tc>
+                <a:tc>
+                  <a:txBody>
+                    <a:bodyPr/>
+                    <a:lstStyle/>
+                    <a:p>
+                      <a:pPr algn="ctr" latinLnBrk="1"/>
+                      <a:endParaRPr lang="ko-KR" altLang="en-US" sz="1200" dirty="0">
                         <a:latin typeface="새굴림" pitchFamily="18" charset="-127"/>
                         <a:ea typeface="새굴림" pitchFamily="18" charset="-127"/>
                       </a:endParaRPr>
@@ -11316,7 +11368,7 @@
                   </a:tcPr>
                 </a:tc>
               </a:tr>
-              <a:tr h="288375">
+              <a:tr h="0">
                 <a:tc vMerge="1">
                   <a:txBody>
                     <a:bodyPr/>
@@ -11335,88 +11387,88 @@
                     <a:p>
                       <a:pPr algn="ctr" latinLnBrk="1"/>
                       <a:r>
-                        <a:rPr lang="ko-KR" altLang="en-US" sz="1000" dirty="0" smtClean="0">
+                        <a:rPr lang="ko-KR" altLang="en-US" sz="1200" dirty="0" smtClean="0">
                           <a:latin typeface="새굴림" pitchFamily="18" charset="-127"/>
                           <a:ea typeface="새굴림" pitchFamily="18" charset="-127"/>
                         </a:rPr>
                         <a:t>출고 수량</a:t>
                       </a:r>
-                      <a:endParaRPr lang="ko-KR" altLang="en-US" sz="1000" dirty="0">
-                        <a:latin typeface="새굴림" pitchFamily="18" charset="-127"/>
-                        <a:ea typeface="새굴림" pitchFamily="18" charset="-127"/>
-                      </a:endParaRPr>
-                    </a:p>
-                  </a:txBody>
-                  <a:tcPr anchor="ctr">
-                    <a:solidFill>
-                      <a:schemeClr val="bg1"/>
-                    </a:solidFill>
-                  </a:tcPr>
-                </a:tc>
-                <a:tc>
-                  <a:txBody>
-                    <a:bodyPr/>
-                    <a:lstStyle/>
-                    <a:p>
-                      <a:pPr algn="ctr" latinLnBrk="1"/>
-                      <a:r>
-                        <a:rPr lang="ko-KR" altLang="en-US" sz="1000" dirty="0" smtClean="0">
+                      <a:endParaRPr lang="ko-KR" altLang="en-US" sz="1200" dirty="0">
+                        <a:latin typeface="새굴림" pitchFamily="18" charset="-127"/>
+                        <a:ea typeface="새굴림" pitchFamily="18" charset="-127"/>
+                      </a:endParaRPr>
+                    </a:p>
+                  </a:txBody>
+                  <a:tcPr anchor="ctr">
+                    <a:solidFill>
+                      <a:schemeClr val="bg1"/>
+                    </a:solidFill>
+                  </a:tcPr>
+                </a:tc>
+                <a:tc>
+                  <a:txBody>
+                    <a:bodyPr/>
+                    <a:lstStyle/>
+                    <a:p>
+                      <a:pPr algn="ctr" latinLnBrk="1"/>
+                      <a:r>
+                        <a:rPr lang="ko-KR" altLang="en-US" sz="1200" dirty="0" smtClean="0">
                           <a:latin typeface="새굴림" pitchFamily="18" charset="-127"/>
                           <a:ea typeface="새굴림" pitchFamily="18" charset="-127"/>
                         </a:rPr>
                         <a:t>숫자</a:t>
                       </a:r>
-                      <a:endParaRPr lang="ko-KR" altLang="en-US" sz="1000" dirty="0">
-                        <a:latin typeface="새굴림" pitchFamily="18" charset="-127"/>
-                        <a:ea typeface="새굴림" pitchFamily="18" charset="-127"/>
-                      </a:endParaRPr>
-                    </a:p>
-                  </a:txBody>
-                  <a:tcPr anchor="ctr">
-                    <a:solidFill>
-                      <a:schemeClr val="bg1"/>
-                    </a:solidFill>
-                  </a:tcPr>
-                </a:tc>
-                <a:tc>
-                  <a:txBody>
-                    <a:bodyPr/>
-                    <a:lstStyle/>
-                    <a:p>
-                      <a:pPr algn="ctr" latinLnBrk="1"/>
-                      <a:r>
-                        <a:rPr lang="en-US" altLang="ko-KR" sz="1000" dirty="0" smtClean="0">
-                          <a:latin typeface="새굴림" pitchFamily="18" charset="-127"/>
-                          <a:ea typeface="새굴림" pitchFamily="18" charset="-127"/>
-                        </a:rPr>
-                        <a:t>-</a:t>
-                      </a:r>
-                      <a:endParaRPr lang="ko-KR" altLang="en-US" sz="1000" dirty="0">
-                        <a:latin typeface="새굴림" pitchFamily="18" charset="-127"/>
-                        <a:ea typeface="새굴림" pitchFamily="18" charset="-127"/>
-                      </a:endParaRPr>
-                    </a:p>
-                  </a:txBody>
-                  <a:tcPr anchor="ctr">
-                    <a:solidFill>
-                      <a:schemeClr val="bg1"/>
-                    </a:solidFill>
-                  </a:tcPr>
-                </a:tc>
-                <a:tc>
-                  <a:txBody>
-                    <a:bodyPr/>
-                    <a:lstStyle/>
-                    <a:p>
-                      <a:pPr algn="ctr" latinLnBrk="1"/>
-                      <a:r>
-                        <a:rPr lang="en-US" altLang="ko-KR" sz="1000" dirty="0" smtClean="0">
-                          <a:latin typeface="새굴림" pitchFamily="18" charset="-127"/>
-                          <a:ea typeface="새굴림" pitchFamily="18" charset="-127"/>
-                        </a:rPr>
-                        <a:t>X</a:t>
-                      </a:r>
-                      <a:endParaRPr lang="ko-KR" altLang="en-US" sz="1000" dirty="0">
+                      <a:endParaRPr lang="ko-KR" altLang="en-US" sz="1200" dirty="0">
+                        <a:latin typeface="새굴림" pitchFamily="18" charset="-127"/>
+                        <a:ea typeface="새굴림" pitchFamily="18" charset="-127"/>
+                      </a:endParaRPr>
+                    </a:p>
+                  </a:txBody>
+                  <a:tcPr anchor="ctr">
+                    <a:solidFill>
+                      <a:schemeClr val="bg1"/>
+                    </a:solidFill>
+                  </a:tcPr>
+                </a:tc>
+                <a:tc>
+                  <a:txBody>
+                    <a:bodyPr/>
+                    <a:lstStyle/>
+                    <a:p>
+                      <a:pPr algn="ctr" latinLnBrk="1"/>
+                      <a:r>
+                        <a:rPr lang="en-US" altLang="ko-KR" sz="1200" dirty="0" smtClean="0">
+                          <a:latin typeface="새굴림" pitchFamily="18" charset="-127"/>
+                          <a:ea typeface="새굴림" pitchFamily="18" charset="-127"/>
+                        </a:rPr>
+                        <a:t>10</a:t>
+                      </a:r>
+                      <a:endParaRPr lang="ko-KR" altLang="en-US" sz="1200" dirty="0">
+                        <a:latin typeface="새굴림" pitchFamily="18" charset="-127"/>
+                        <a:ea typeface="새굴림" pitchFamily="18" charset="-127"/>
+                      </a:endParaRPr>
+                    </a:p>
+                  </a:txBody>
+                  <a:tcPr anchor="ctr">
+                    <a:solidFill>
+                      <a:schemeClr val="bg1"/>
+                    </a:solidFill>
+                  </a:tcPr>
+                </a:tc>
+                <a:tc>
+                  <a:txBody>
+                    <a:bodyPr/>
+                    <a:lstStyle/>
+                    <a:p>
+                      <a:pPr algn="ctr" latinLnBrk="1"/>
+                      <a:r>
+                        <a:rPr lang="ko-KR" altLang="en-US" sz="1200" dirty="0" smtClean="0">
+                          <a:latin typeface="새굴림" pitchFamily="18" charset="-127"/>
+                          <a:ea typeface="새굴림" pitchFamily="18" charset="-127"/>
+                        </a:rPr>
+                        <a:t>필수</a:t>
+                      </a:r>
+                      <a:endParaRPr lang="ko-KR" altLang="en-US" sz="1200" dirty="0">
                         <a:latin typeface="새굴림" pitchFamily="18" charset="-127"/>
                         <a:ea typeface="새굴림" pitchFamily="18" charset="-127"/>
                       </a:endParaRPr>
@@ -11442,14 +11494,14 @@
           <p:nvPr>
             <p:extLst>
               <p:ext uri="{D42A27DB-BD31-4B8C-83A1-F6EECF244321}">
-                <p14:modId xmlns:p14="http://schemas.microsoft.com/office/powerpoint/2010/main" val="1198119644"/>
+                <p14:modId xmlns:p14="http://schemas.microsoft.com/office/powerpoint/2010/main" val="1474704162"/>
               </p:ext>
             </p:extLst>
           </p:nvPr>
         </p:nvGraphicFramePr>
         <p:xfrm>
-          <a:off x="838200" y="5493433"/>
-          <a:ext cx="10515600" cy="1285240"/>
+          <a:off x="838200" y="5295591"/>
+          <a:ext cx="10515600" cy="1193800"/>
         </p:xfrm>
         <a:graphic>
           <a:graphicData uri="http://schemas.openxmlformats.org/drawingml/2006/table">
@@ -11461,14 +11513,14 @@
                 <a:gridCol w="3286125">
                   <a:extLst>
                     <a:ext uri="{9D8B030D-6E8A-4147-A177-3AD203B41FA5}">
-                      <a16:colId xmlns="" xmlns:a16="http://schemas.microsoft.com/office/drawing/2014/main" val="2880723631"/>
+                      <a16:colId xmlns:a16="http://schemas.microsoft.com/office/drawing/2014/main" xmlns="" val="2880723631"/>
                     </a:ext>
                   </a:extLst>
                 </a:gridCol>
                 <a:gridCol w="7229475">
                   <a:extLst>
                     <a:ext uri="{9D8B030D-6E8A-4147-A177-3AD203B41FA5}">
-                      <a16:colId xmlns="" xmlns:a16="http://schemas.microsoft.com/office/drawing/2014/main" val="1222440865"/>
+                      <a16:colId xmlns:a16="http://schemas.microsoft.com/office/drawing/2014/main" xmlns="" val="1222440865"/>
                     </a:ext>
                   </a:extLst>
                 </a:gridCol>
@@ -11514,52 +11566,11 @@
                 </a:tc>
                 <a:extLst>
                   <a:ext uri="{0D108BD9-81ED-4DB2-BD59-A6C34878D82A}">
-                    <a16:rowId xmlns="" xmlns:a16="http://schemas.microsoft.com/office/drawing/2014/main" val="2058711828"/>
+                    <a16:rowId xmlns:a16="http://schemas.microsoft.com/office/drawing/2014/main" xmlns="" val="2058711828"/>
                   </a:ext>
                 </a:extLst>
               </a:tr>
               <a:tr h="182880">
-                <a:tc>
-                  <a:txBody>
-                    <a:bodyPr/>
-                    <a:lstStyle/>
-                    <a:p>
-                      <a:pPr marL="0" marR="0" indent="0" algn="ctr" defTabSz="914400" rtl="0" eaLnBrk="1" fontAlgn="auto" latinLnBrk="1" hangingPunct="1">
-                        <a:lnSpc>
-                          <a:spcPct val="100000"/>
-                        </a:lnSpc>
-                        <a:spcBef>
-                          <a:spcPts val="0"/>
-                        </a:spcBef>
-                        <a:spcAft>
-                          <a:spcPts val="0"/>
-                        </a:spcAft>
-                        <a:buClrTx/>
-                        <a:buSzTx/>
-                        <a:buFontTx/>
-                        <a:buNone/>
-                        <a:tabLst/>
-                        <a:defRPr/>
-                      </a:pPr>
-                      <a:r>
-                        <a:rPr lang="ko-KR" altLang="en-US" sz="1400" dirty="0" smtClean="0">
-                          <a:latin typeface="새굴림" panose="02030600000101010101" pitchFamily="18" charset="-127"/>
-                          <a:ea typeface="새굴림" panose="02030600000101010101" pitchFamily="18" charset="-127"/>
-                        </a:rPr>
-                        <a:t>출고</a:t>
-                      </a:r>
-                      <a:endParaRPr lang="en-US" altLang="ko-KR" sz="1400" dirty="0" smtClean="0">
-                        <a:latin typeface="새굴림" panose="02030600000101010101" pitchFamily="18" charset="-127"/>
-                        <a:ea typeface="새굴림" panose="02030600000101010101" pitchFamily="18" charset="-127"/>
-                      </a:endParaRPr>
-                    </a:p>
-                  </a:txBody>
-                  <a:tcPr anchor="ctr">
-                    <a:solidFill>
-                      <a:schemeClr val="bg1"/>
-                    </a:solidFill>
-                  </a:tcPr>
-                </a:tc>
                 <a:tc>
                   <a:txBody>
                     <a:bodyPr/>
@@ -11583,76 +11594,13 @@
                         <a:defRPr/>
                       </a:pPr>
                       <a:r>
-                        <a:rPr lang="ko-KR" altLang="en-US" sz="1400" dirty="0" smtClean="0">
-                          <a:solidFill>
-                            <a:srgbClr val="403C4E"/>
-                          </a:solidFill>
+                        <a:rPr lang="ko-KR" altLang="en-US" sz="1200" dirty="0" smtClean="0">
                           <a:latin typeface="새굴림" panose="02030600000101010101" pitchFamily="18" charset="-127"/>
                           <a:ea typeface="새굴림" panose="02030600000101010101" pitchFamily="18" charset="-127"/>
-                          <a:cs typeface="Open Sans" pitchFamily="34" charset="-120"/>
-                        </a:rPr>
-                        <a:t>출고 처리 후 출고 조회 화면으로 </a:t>
-                      </a:r>
-                      <a:r>
-                        <a:rPr lang="en-US" altLang="ko-KR" sz="1400" dirty="0" err="1" smtClean="0">
-                          <a:solidFill>
-                            <a:srgbClr val="403C4E"/>
-                          </a:solidFill>
-                          <a:latin typeface="새굴림" panose="02030600000101010101" pitchFamily="18" charset="-127"/>
-                          <a:ea typeface="새굴림" panose="02030600000101010101" pitchFamily="18" charset="-127"/>
-                          <a:cs typeface="Open Sans" pitchFamily="34" charset="-120"/>
-                        </a:rPr>
-                        <a:t>이동</a:t>
-                      </a:r>
-                      <a:endParaRPr lang="en-US" altLang="ko-KR" sz="1400" dirty="0" smtClean="0">
-                        <a:latin typeface="새굴림" panose="02030600000101010101" pitchFamily="18" charset="-127"/>
-                        <a:ea typeface="새굴림" panose="02030600000101010101" pitchFamily="18" charset="-127"/>
-                      </a:endParaRPr>
-                    </a:p>
-                  </a:txBody>
-                  <a:tcPr anchor="ctr">
-                    <a:solidFill>
-                      <a:schemeClr val="bg1"/>
-                    </a:solidFill>
-                  </a:tcPr>
-                </a:tc>
-                <a:extLst>
-                  <a:ext uri="{0D108BD9-81ED-4DB2-BD59-A6C34878D82A}">
-                    <a16:rowId xmlns="" xmlns:a16="http://schemas.microsoft.com/office/drawing/2014/main" val="1940163066"/>
-                  </a:ext>
-                </a:extLst>
-              </a:tr>
-              <a:tr h="182880">
-                <a:tc>
-                  <a:txBody>
-                    <a:bodyPr/>
-                    <a:lstStyle/>
-                    <a:p>
-                      <a:pPr marL="0" marR="0" indent="0" algn="ctr" defTabSz="914400" rtl="0" eaLnBrk="1" fontAlgn="auto" latinLnBrk="1" hangingPunct="1">
-                        <a:lnSpc>
-                          <a:spcPct val="100000"/>
-                        </a:lnSpc>
-                        <a:spcBef>
-                          <a:spcPts val="0"/>
-                        </a:spcBef>
-                        <a:spcAft>
-                          <a:spcPts val="0"/>
-                        </a:spcAft>
-                        <a:buClrTx/>
-                        <a:buSzTx/>
-                        <a:buFontTx/>
-                        <a:buNone/>
-                        <a:tabLst/>
-                        <a:defRPr/>
-                      </a:pPr>
-                      <a:r>
-                        <a:rPr lang="ko-KR" altLang="en-US" sz="1400" dirty="0" smtClean="0">
-                          <a:latin typeface="새굴림" panose="02030600000101010101" pitchFamily="18" charset="-127"/>
-                          <a:ea typeface="새굴림" panose="02030600000101010101" pitchFamily="18" charset="-127"/>
-                        </a:rPr>
-                        <a:t>수주 취소</a:t>
-                      </a:r>
-                      <a:endParaRPr lang="en-US" altLang="ko-KR" sz="1400" dirty="0" smtClean="0">
+                        </a:rPr>
+                        <a:t>출고 버튼 클릭</a:t>
+                      </a:r>
+                      <a:endParaRPr lang="en-US" altLang="ko-KR" sz="1200" dirty="0" smtClean="0">
                         <a:latin typeface="새굴림" panose="02030600000101010101" pitchFamily="18" charset="-127"/>
                         <a:ea typeface="새굴림" panose="02030600000101010101" pitchFamily="18" charset="-127"/>
                       </a:endParaRPr>
@@ -11687,13 +11635,28 @@
                         <a:defRPr/>
                       </a:pPr>
                       <a:r>
-                        <a:rPr lang="ko-KR" altLang="en-US" sz="1400" dirty="0" smtClean="0">
+                        <a:rPr lang="ko-KR" altLang="en-US" sz="1200" dirty="0" smtClean="0">
+                          <a:solidFill>
+                            <a:srgbClr val="403C4E"/>
+                          </a:solidFill>
                           <a:latin typeface="새굴림" panose="02030600000101010101" pitchFamily="18" charset="-127"/>
                           <a:ea typeface="새굴림" panose="02030600000101010101" pitchFamily="18" charset="-127"/>
-                        </a:rPr>
-                        <a:t>수주 취소 후 출고 조회 화면으로 이동</a:t>
-                      </a:r>
-                      <a:endParaRPr lang="en-US" altLang="ko-KR" sz="1400" dirty="0" smtClean="0">
+                          <a:cs typeface="Open Sans" pitchFamily="34" charset="-120"/>
+                        </a:rPr>
+                        <a:t>출고 처리 후 출고 조회 화면으로 </a:t>
+                      </a:r>
+                      <a:r>
+                        <a:rPr lang="en-US" altLang="ko-KR" sz="1200" dirty="0" err="1" smtClean="0">
+                          <a:solidFill>
+                            <a:srgbClr val="403C4E"/>
+                          </a:solidFill>
+                          <a:latin typeface="새굴림" panose="02030600000101010101" pitchFamily="18" charset="-127"/>
+                          <a:ea typeface="새굴림" panose="02030600000101010101" pitchFamily="18" charset="-127"/>
+                          <a:cs typeface="Open Sans" pitchFamily="34" charset="-120"/>
+                        </a:rPr>
+                        <a:t>이동</a:t>
+                      </a:r>
+                      <a:endParaRPr lang="en-US" altLang="ko-KR" sz="1200" dirty="0" smtClean="0">
                         <a:latin typeface="새굴림" panose="02030600000101010101" pitchFamily="18" charset="-127"/>
                         <a:ea typeface="새굴림" panose="02030600000101010101" pitchFamily="18" charset="-127"/>
                       </a:endParaRPr>
@@ -11705,49 +11668,13 @@
                     </a:solidFill>
                   </a:tcPr>
                 </a:tc>
+                <a:extLst>
+                  <a:ext uri="{0D108BD9-81ED-4DB2-BD59-A6C34878D82A}">
+                    <a16:rowId xmlns:a16="http://schemas.microsoft.com/office/drawing/2014/main" xmlns="" val="1940163066"/>
+                  </a:ext>
+                </a:extLst>
               </a:tr>
-              <a:tr h="185420">
-                <a:tc>
-                  <a:txBody>
-                    <a:bodyPr/>
-                    <a:lstStyle/>
-                    <a:p>
-                      <a:pPr marL="0" marR="0" indent="0" algn="ctr" defTabSz="914400" rtl="0" eaLnBrk="1" fontAlgn="auto" latinLnBrk="1" hangingPunct="1">
-                        <a:lnSpc>
-                          <a:spcPct val="100000"/>
-                        </a:lnSpc>
-                        <a:spcBef>
-                          <a:spcPts val="0"/>
-                        </a:spcBef>
-                        <a:spcAft>
-                          <a:spcPts val="0"/>
-                        </a:spcAft>
-                        <a:buClrTx/>
-                        <a:buSzTx/>
-                        <a:buFontTx/>
-                        <a:buNone/>
-                        <a:tabLst/>
-                        <a:defRPr/>
-                      </a:pPr>
-                      <a:r>
-                        <a:rPr lang="ko-KR" altLang="en-US" sz="1400" dirty="0" smtClean="0">
-                          <a:latin typeface="새굴림" panose="02030600000101010101" pitchFamily="18" charset="-127"/>
-                          <a:ea typeface="새굴림" panose="02030600000101010101" pitchFamily="18" charset="-127"/>
-                        </a:rPr>
-                        <a:t>목록</a:t>
-                      </a:r>
-                      <a:endParaRPr lang="en-US" altLang="ko-KR" sz="1400" dirty="0" smtClean="0">
-                        <a:latin typeface="새굴림" panose="02030600000101010101" pitchFamily="18" charset="-127"/>
-                        <a:ea typeface="새굴림" panose="02030600000101010101" pitchFamily="18" charset="-127"/>
-                      </a:endParaRPr>
-                    </a:p>
-                  </a:txBody>
-                  <a:tcPr anchor="ctr">
-                    <a:solidFill>
-                      <a:schemeClr val="bg1"/>
-                    </a:solidFill>
-                  </a:tcPr>
-                </a:tc>
+              <a:tr h="182880">
                 <a:tc>
                   <a:txBody>
                     <a:bodyPr/>
@@ -11771,13 +11698,173 @@
                         <a:defRPr/>
                       </a:pPr>
                       <a:r>
-                        <a:rPr lang="ko-KR" altLang="en-US" sz="1400" dirty="0" smtClean="0">
+                        <a:rPr lang="ko-KR" altLang="en-US" sz="1200" dirty="0" smtClean="0">
                           <a:latin typeface="새굴림" panose="02030600000101010101" pitchFamily="18" charset="-127"/>
                           <a:ea typeface="새굴림" panose="02030600000101010101" pitchFamily="18" charset="-127"/>
                         </a:rPr>
+                        <a:t>수주 </a:t>
+                      </a:r>
+                      <a:r>
+                        <a:rPr lang="ko-KR" altLang="en-US" sz="1200" dirty="0" smtClean="0">
+                          <a:latin typeface="새굴림" panose="02030600000101010101" pitchFamily="18" charset="-127"/>
+                          <a:ea typeface="새굴림" panose="02030600000101010101" pitchFamily="18" charset="-127"/>
+                        </a:rPr>
+                        <a:t>취소 버튼 클릭</a:t>
+                      </a:r>
+                      <a:endParaRPr lang="en-US" altLang="ko-KR" sz="1200" dirty="0" smtClean="0">
+                        <a:latin typeface="새굴림" panose="02030600000101010101" pitchFamily="18" charset="-127"/>
+                        <a:ea typeface="새굴림" panose="02030600000101010101" pitchFamily="18" charset="-127"/>
+                      </a:endParaRPr>
+                    </a:p>
+                  </a:txBody>
+                  <a:tcPr anchor="ctr">
+                    <a:solidFill>
+                      <a:schemeClr val="bg1"/>
+                    </a:solidFill>
+                  </a:tcPr>
+                </a:tc>
+                <a:tc>
+                  <a:txBody>
+                    <a:bodyPr/>
+                    <a:lstStyle/>
+                    <a:p>
+                      <a:pPr marL="0" marR="0" indent="0" algn="l" defTabSz="914400" rtl="0" eaLnBrk="1" fontAlgn="auto" latinLnBrk="1" hangingPunct="1">
+                        <a:lnSpc>
+                          <a:spcPct val="100000"/>
+                        </a:lnSpc>
+                        <a:spcBef>
+                          <a:spcPts val="0"/>
+                        </a:spcBef>
+                        <a:spcAft>
+                          <a:spcPts val="0"/>
+                        </a:spcAft>
+                        <a:buClrTx/>
+                        <a:buSzTx/>
+                        <a:buFontTx/>
+                        <a:buNone/>
+                        <a:tabLst/>
+                        <a:defRPr/>
+                      </a:pPr>
+                      <a:r>
+                        <a:rPr lang="ko-KR" altLang="en-US" sz="1200" dirty="0" smtClean="0">
+                          <a:latin typeface="새굴림" panose="02030600000101010101" pitchFamily="18" charset="-127"/>
+                          <a:ea typeface="새굴림" panose="02030600000101010101" pitchFamily="18" charset="-127"/>
+                        </a:rPr>
+                        <a:t>수주 </a:t>
+                      </a:r>
+                      <a:r>
+                        <a:rPr lang="ko-KR" altLang="en-US" sz="1200" dirty="0" smtClean="0">
+                          <a:latin typeface="새굴림" panose="02030600000101010101" pitchFamily="18" charset="-127"/>
+                          <a:ea typeface="새굴림" panose="02030600000101010101" pitchFamily="18" charset="-127"/>
+                        </a:rPr>
+                        <a:t>취소</a:t>
+                      </a:r>
+                      <a:r>
+                        <a:rPr lang="ko-KR" altLang="en-US" sz="1200" baseline="0" dirty="0" smtClean="0">
+                          <a:latin typeface="새굴림" panose="02030600000101010101" pitchFamily="18" charset="-127"/>
+                          <a:ea typeface="새굴림" panose="02030600000101010101" pitchFamily="18" charset="-127"/>
+                        </a:rPr>
+                        <a:t> 처리</a:t>
+                      </a:r>
+                      <a:r>
+                        <a:rPr lang="ko-KR" altLang="en-US" sz="1200" dirty="0" smtClean="0">
+                          <a:latin typeface="새굴림" panose="02030600000101010101" pitchFamily="18" charset="-127"/>
+                          <a:ea typeface="새굴림" panose="02030600000101010101" pitchFamily="18" charset="-127"/>
+                        </a:rPr>
+                        <a:t> </a:t>
+                      </a:r>
+                      <a:r>
+                        <a:rPr lang="ko-KR" altLang="en-US" sz="1200" dirty="0" smtClean="0">
+                          <a:latin typeface="새굴림" panose="02030600000101010101" pitchFamily="18" charset="-127"/>
+                          <a:ea typeface="새굴림" panose="02030600000101010101" pitchFamily="18" charset="-127"/>
+                        </a:rPr>
+                        <a:t>후 출고 조회 화면으로 이동</a:t>
+                      </a:r>
+                      <a:endParaRPr lang="en-US" altLang="ko-KR" sz="1200" dirty="0" smtClean="0">
+                        <a:latin typeface="새굴림" panose="02030600000101010101" pitchFamily="18" charset="-127"/>
+                        <a:ea typeface="새굴림" panose="02030600000101010101" pitchFamily="18" charset="-127"/>
+                      </a:endParaRPr>
+                    </a:p>
+                  </a:txBody>
+                  <a:tcPr anchor="ctr">
+                    <a:solidFill>
+                      <a:schemeClr val="bg1"/>
+                    </a:solidFill>
+                  </a:tcPr>
+                </a:tc>
+              </a:tr>
+              <a:tr h="185420">
+                <a:tc>
+                  <a:txBody>
+                    <a:bodyPr/>
+                    <a:lstStyle/>
+                    <a:p>
+                      <a:pPr marL="0" marR="0" indent="0" algn="l" defTabSz="914400" rtl="0" eaLnBrk="1" fontAlgn="auto" latinLnBrk="1" hangingPunct="1">
+                        <a:lnSpc>
+                          <a:spcPct val="100000"/>
+                        </a:lnSpc>
+                        <a:spcBef>
+                          <a:spcPts val="0"/>
+                        </a:spcBef>
+                        <a:spcAft>
+                          <a:spcPts val="0"/>
+                        </a:spcAft>
+                        <a:buClrTx/>
+                        <a:buSzTx/>
+                        <a:buFontTx/>
+                        <a:buNone/>
+                        <a:tabLst/>
+                        <a:defRPr/>
+                      </a:pPr>
+                      <a:r>
+                        <a:rPr lang="ko-KR" altLang="en-US" sz="1200" dirty="0" smtClean="0">
+                          <a:latin typeface="새굴림" panose="02030600000101010101" pitchFamily="18" charset="-127"/>
+                          <a:ea typeface="새굴림" panose="02030600000101010101" pitchFamily="18" charset="-127"/>
+                        </a:rPr>
+                        <a:t>목록 버튼 클릭</a:t>
+                      </a:r>
+                      <a:endParaRPr lang="en-US" altLang="ko-KR" sz="1200" dirty="0" smtClean="0">
+                        <a:latin typeface="새굴림" panose="02030600000101010101" pitchFamily="18" charset="-127"/>
+                        <a:ea typeface="새굴림" panose="02030600000101010101" pitchFamily="18" charset="-127"/>
+                      </a:endParaRPr>
+                    </a:p>
+                  </a:txBody>
+                  <a:tcPr anchor="ctr">
+                    <a:solidFill>
+                      <a:schemeClr val="bg1"/>
+                    </a:solidFill>
+                  </a:tcPr>
+                </a:tc>
+                <a:tc>
+                  <a:txBody>
+                    <a:bodyPr/>
+                    <a:lstStyle/>
+                    <a:p>
+                      <a:pPr marL="0" marR="0" indent="0" algn="l" defTabSz="914400" rtl="0" eaLnBrk="1" fontAlgn="auto" latinLnBrk="1" hangingPunct="1">
+                        <a:lnSpc>
+                          <a:spcPct val="100000"/>
+                        </a:lnSpc>
+                        <a:spcBef>
+                          <a:spcPts val="0"/>
+                        </a:spcBef>
+                        <a:spcAft>
+                          <a:spcPts val="0"/>
+                        </a:spcAft>
+                        <a:buClrTx/>
+                        <a:buSzTx/>
+                        <a:buFontTx/>
+                        <a:buNone/>
+                        <a:tabLst/>
+                        <a:defRPr/>
+                      </a:pPr>
+                      <a:r>
+                        <a:rPr lang="ko-KR" altLang="en-US" sz="1200" dirty="0" smtClean="0">
+                          <a:latin typeface="새굴림" panose="02030600000101010101" pitchFamily="18" charset="-127"/>
+                          <a:ea typeface="새굴림" panose="02030600000101010101" pitchFamily="18" charset="-127"/>
+                        </a:rPr>
                         <a:t>출고 조회 화면으로 이동</a:t>
                       </a:r>
-                      <a:endParaRPr lang="en-US" altLang="ko-KR" sz="1400" dirty="0" smtClean="0">
+                      <a:endParaRPr lang="en-US" altLang="ko-KR" sz="1200" dirty="0" smtClean="0">
                         <a:latin typeface="새굴림" panose="02030600000101010101" pitchFamily="18" charset="-127"/>
                         <a:ea typeface="새굴림" panose="02030600000101010101" pitchFamily="18" charset="-127"/>
                       </a:endParaRPr>
@@ -11986,7 +12073,7 @@
             <p:ph idx="1"/>
             <p:extLst>
               <p:ext uri="{D42A27DB-BD31-4B8C-83A1-F6EECF244321}">
-                <p14:modId xmlns:p14="http://schemas.microsoft.com/office/powerpoint/2010/main" val="3811481316"/>
+                <p14:modId xmlns:p14="http://schemas.microsoft.com/office/powerpoint/2010/main" val="1429910975"/>
               </p:ext>
             </p:extLst>
           </p:nvPr>
@@ -12005,35 +12092,35 @@
                 <a:gridCol w="3257550">
                   <a:extLst>
                     <a:ext uri="{9D8B030D-6E8A-4147-A177-3AD203B41FA5}">
-                      <a16:colId xmlns="" xmlns:a16="http://schemas.microsoft.com/office/drawing/2014/main" val="2880723631"/>
+                      <a16:colId xmlns:a16="http://schemas.microsoft.com/office/drawing/2014/main" xmlns="" val="2880723631"/>
                     </a:ext>
                   </a:extLst>
                 </a:gridCol>
                 <a:gridCol w="2305050">
                   <a:extLst>
                     <a:ext uri="{9D8B030D-6E8A-4147-A177-3AD203B41FA5}">
-                      <a16:colId xmlns="" xmlns:a16="http://schemas.microsoft.com/office/drawing/2014/main" val="1222440865"/>
+                      <a16:colId xmlns:a16="http://schemas.microsoft.com/office/drawing/2014/main" xmlns="" val="1222440865"/>
                     </a:ext>
                   </a:extLst>
                 </a:gridCol>
                 <a:gridCol w="1685925">
                   <a:extLst>
                     <a:ext uri="{9D8B030D-6E8A-4147-A177-3AD203B41FA5}">
-                      <a16:colId xmlns="" xmlns:a16="http://schemas.microsoft.com/office/drawing/2014/main" val="1515085376"/>
+                      <a16:colId xmlns:a16="http://schemas.microsoft.com/office/drawing/2014/main" xmlns="" val="1515085376"/>
                     </a:ext>
                   </a:extLst>
                 </a:gridCol>
                 <a:gridCol w="1628775">
                   <a:extLst>
                     <a:ext uri="{9D8B030D-6E8A-4147-A177-3AD203B41FA5}">
-                      <a16:colId xmlns="" xmlns:a16="http://schemas.microsoft.com/office/drawing/2014/main" val="630274754"/>
+                      <a16:colId xmlns:a16="http://schemas.microsoft.com/office/drawing/2014/main" xmlns="" val="630274754"/>
                     </a:ext>
                   </a:extLst>
                 </a:gridCol>
                 <a:gridCol w="1638300">
                   <a:extLst>
                     <a:ext uri="{9D8B030D-6E8A-4147-A177-3AD203B41FA5}">
-                      <a16:colId xmlns="" xmlns:a16="http://schemas.microsoft.com/office/drawing/2014/main" val="1923971626"/>
+                      <a16:colId xmlns:a16="http://schemas.microsoft.com/office/drawing/2014/main" xmlns="" val="1923971626"/>
                     </a:ext>
                   </a:extLst>
                 </a:gridCol>
@@ -12124,7 +12211,7 @@
                 </a:tc>
                 <a:extLst>
                   <a:ext uri="{0D108BD9-81ED-4DB2-BD59-A6C34878D82A}">
-                    <a16:rowId xmlns="" xmlns:a16="http://schemas.microsoft.com/office/drawing/2014/main" val="2058711828"/>
+                    <a16:rowId xmlns:a16="http://schemas.microsoft.com/office/drawing/2014/main" xmlns="" val="2058711828"/>
                   </a:ext>
                 </a:extLst>
               </a:tr>
@@ -12136,13 +12223,13 @@
                     <a:p>
                       <a:pPr algn="ctr" latinLnBrk="1"/>
                       <a:r>
-                        <a:rPr lang="ko-KR" altLang="en-US" sz="1200" b="0" dirty="0" smtClean="0">
+                        <a:rPr lang="ko-KR" altLang="en-US" sz="1800" b="0" dirty="0" smtClean="0">
                           <a:latin typeface="새굴림" panose="02030600000101010101" pitchFamily="18" charset="-127"/>
                           <a:ea typeface="새굴림" panose="02030600000101010101" pitchFamily="18" charset="-127"/>
                         </a:rPr>
                         <a:t>재고 목록 조회</a:t>
                       </a:r>
-                      <a:endParaRPr lang="ko-KR" altLang="en-US" sz="1200" b="0" dirty="0">
+                      <a:endParaRPr lang="ko-KR" altLang="en-US" sz="1800" b="0" dirty="0">
                         <a:latin typeface="새굴림" panose="02030600000101010101" pitchFamily="18" charset="-127"/>
                         <a:ea typeface="새굴림" panose="02030600000101010101" pitchFamily="18" charset="-127"/>
                       </a:endParaRPr>
@@ -12235,7 +12322,7 @@
                           <a:ea typeface="새굴림" panose="02030600000101010101" pitchFamily="18" charset="-127"/>
                           <a:cs typeface="Open Sans" pitchFamily="34" charset="-120"/>
                         </a:rPr>
-                        <a:t>-</a:t>
+                        <a:t>6</a:t>
                       </a:r>
                       <a:endParaRPr lang="en-US" altLang="ko-KR" sz="1200" b="0" dirty="0" smtClean="0">
                         <a:latin typeface="새굴림" panose="02030600000101010101" pitchFamily="18" charset="-127"/>
@@ -12255,13 +12342,6 @@
                     <a:lstStyle/>
                     <a:p>
                       <a:pPr algn="ctr" latinLnBrk="1"/>
-                      <a:r>
-                        <a:rPr lang="en-US" altLang="ko-KR" sz="1200" b="0" dirty="0" smtClean="0">
-                          <a:latin typeface="새굴림" panose="02030600000101010101" pitchFamily="18" charset="-127"/>
-                          <a:ea typeface="새굴림" panose="02030600000101010101" pitchFamily="18" charset="-127"/>
-                        </a:rPr>
-                        <a:t>O</a:t>
-                      </a:r>
                       <a:endParaRPr lang="ko-KR" altLang="en-US" sz="1200" b="0" dirty="0">
                         <a:latin typeface="새굴림" panose="02030600000101010101" pitchFamily="18" charset="-127"/>
                         <a:ea typeface="새굴림" panose="02030600000101010101" pitchFamily="18" charset="-127"/>
@@ -12355,7 +12435,7 @@
                           <a:latin typeface="새굴림" pitchFamily="18" charset="-127"/>
                           <a:ea typeface="새굴림" pitchFamily="18" charset="-127"/>
                         </a:rPr>
-                        <a:t>YY/MM</a:t>
+                        <a:t>4</a:t>
                       </a:r>
                       <a:endParaRPr lang="ko-KR" altLang="en-US" sz="1200" dirty="0">
                         <a:latin typeface="새굴림" pitchFamily="18" charset="-127"/>
@@ -12375,13 +12455,6 @@
                     <a:lstStyle/>
                     <a:p>
                       <a:pPr algn="ctr"/>
-                      <a:r>
-                        <a:rPr lang="en-US" altLang="ko-KR" sz="1200" dirty="0" smtClean="0">
-                          <a:latin typeface="새굴림" pitchFamily="18" charset="-127"/>
-                          <a:ea typeface="새굴림" pitchFamily="18" charset="-127"/>
-                        </a:rPr>
-                        <a:t>O</a:t>
-                      </a:r>
                       <a:endParaRPr lang="ko-KR" altLang="en-US" sz="1200" dirty="0">
                         <a:latin typeface="새굴림" pitchFamily="18" charset="-127"/>
                         <a:ea typeface="새굴림" pitchFamily="18" charset="-127"/>
@@ -12396,7 +12469,7 @@
                 </a:tc>
                 <a:extLst>
                   <a:ext uri="{0D108BD9-81ED-4DB2-BD59-A6C34878D82A}">
-                    <a16:rowId xmlns="" xmlns:a16="http://schemas.microsoft.com/office/drawing/2014/main" val="1940163066"/>
+                    <a16:rowId xmlns:a16="http://schemas.microsoft.com/office/drawing/2014/main" xmlns="" val="1940163066"/>
                   </a:ext>
                 </a:extLst>
               </a:tr>
@@ -12504,13 +12577,6 @@
                     <a:lstStyle/>
                     <a:p>
                       <a:pPr algn="ctr"/>
-                      <a:r>
-                        <a:rPr lang="en-US" altLang="ko-KR" sz="1200" dirty="0" smtClean="0">
-                          <a:latin typeface="새굴림" pitchFamily="18" charset="-127"/>
-                          <a:ea typeface="새굴림" pitchFamily="18" charset="-127"/>
-                        </a:rPr>
-                        <a:t>O</a:t>
-                      </a:r>
                       <a:endParaRPr lang="ko-KR" altLang="en-US" sz="1200" dirty="0">
                         <a:latin typeface="새굴림" pitchFamily="18" charset="-127"/>
                         <a:ea typeface="새굴림" pitchFamily="18" charset="-127"/>
@@ -12525,7 +12591,7 @@
                 </a:tc>
                 <a:extLst>
                   <a:ext uri="{0D108BD9-81ED-4DB2-BD59-A6C34878D82A}">
-                    <a16:rowId xmlns="" xmlns:a16="http://schemas.microsoft.com/office/drawing/2014/main" val="1642501168"/>
+                    <a16:rowId xmlns:a16="http://schemas.microsoft.com/office/drawing/2014/main" xmlns="" val="1642501168"/>
                   </a:ext>
                 </a:extLst>
               </a:tr>
@@ -12558,12 +12624,55 @@
                         </a:rPr>
                         <a:t>재고명</a:t>
                       </a:r>
+                      <a:endParaRPr lang="ko-KR" altLang="en-US" sz="1200" dirty="0">
+                        <a:latin typeface="새굴림" pitchFamily="18" charset="-127"/>
+                        <a:ea typeface="새굴림" pitchFamily="18" charset="-127"/>
+                      </a:endParaRPr>
+                    </a:p>
+                  </a:txBody>
+                  <a:tcPr anchor="ctr">
+                    <a:solidFill>
+                      <a:schemeClr val="bg1"/>
+                    </a:solidFill>
+                  </a:tcPr>
+                </a:tc>
+                <a:tc>
+                  <a:txBody>
+                    <a:bodyPr/>
+                    <a:lstStyle/>
+                    <a:p>
+                      <a:pPr algn="ctr"/>
+                      <a:r>
+                        <a:rPr lang="ko-KR" altLang="en-US" sz="1200" dirty="0" smtClean="0">
+                          <a:latin typeface="새굴림" pitchFamily="18" charset="-127"/>
+                          <a:ea typeface="새굴림" pitchFamily="18" charset="-127"/>
+                        </a:rPr>
+                        <a:t>문자</a:t>
+                      </a:r>
+                      <a:endParaRPr lang="ko-KR" altLang="en-US" sz="1200" dirty="0">
+                        <a:latin typeface="새굴림" pitchFamily="18" charset="-127"/>
+                        <a:ea typeface="새굴림" pitchFamily="18" charset="-127"/>
+                      </a:endParaRPr>
+                    </a:p>
+                  </a:txBody>
+                  <a:tcPr anchor="ctr">
+                    <a:solidFill>
+                      <a:schemeClr val="bg1"/>
+                    </a:solidFill>
+                  </a:tcPr>
+                </a:tc>
+                <a:tc>
+                  <a:txBody>
+                    <a:bodyPr/>
+                    <a:lstStyle/>
+                    <a:p>
+                      <a:pPr algn="ctr"/>
                       <a:r>
                         <a:rPr lang="en-US" altLang="ko-KR" sz="1200" dirty="0" smtClean="0">
                           <a:latin typeface="새굴림" pitchFamily="18" charset="-127"/>
                           <a:ea typeface="새굴림" pitchFamily="18" charset="-127"/>
                         </a:rPr>
-                        <a:t>*</a:t>
+                        <a:t>100</a:t>
                       </a:r>
                       <a:endParaRPr lang="ko-KR" altLang="en-US" sz="1200" dirty="0">
                         <a:latin typeface="새굴림" pitchFamily="18" charset="-127"/>
@@ -12582,64 +12691,7 @@
                     <a:bodyPr/>
                     <a:lstStyle/>
                     <a:p>
-                      <a:pPr algn="ctr"/>
-                      <a:r>
-                        <a:rPr lang="ko-KR" altLang="en-US" sz="1200" dirty="0" smtClean="0">
-                          <a:latin typeface="새굴림" pitchFamily="18" charset="-127"/>
-                          <a:ea typeface="새굴림" pitchFamily="18" charset="-127"/>
-                        </a:rPr>
-                        <a:t>문자</a:t>
-                      </a:r>
-                      <a:endParaRPr lang="ko-KR" altLang="en-US" sz="1200" dirty="0">
-                        <a:latin typeface="새굴림" pitchFamily="18" charset="-127"/>
-                        <a:ea typeface="새굴림" pitchFamily="18" charset="-127"/>
-                      </a:endParaRPr>
-                    </a:p>
-                  </a:txBody>
-                  <a:tcPr anchor="ctr">
-                    <a:solidFill>
-                      <a:schemeClr val="bg1"/>
-                    </a:solidFill>
-                  </a:tcPr>
-                </a:tc>
-                <a:tc>
-                  <a:txBody>
-                    <a:bodyPr/>
-                    <a:lstStyle/>
-                    <a:p>
-                      <a:pPr algn="ctr"/>
-                      <a:r>
-                        <a:rPr lang="en-US" altLang="ko-KR" sz="1200" dirty="0" smtClean="0">
-                          <a:latin typeface="새굴림" pitchFamily="18" charset="-127"/>
-                          <a:ea typeface="새굴림" pitchFamily="18" charset="-127"/>
-                        </a:rPr>
-                        <a:t>50</a:t>
-                      </a:r>
-                      <a:endParaRPr lang="ko-KR" altLang="en-US" sz="1200" dirty="0">
-                        <a:latin typeface="새굴림" pitchFamily="18" charset="-127"/>
-                        <a:ea typeface="새굴림" pitchFamily="18" charset="-127"/>
-                      </a:endParaRPr>
-                    </a:p>
-                  </a:txBody>
-                  <a:tcPr anchor="ctr">
-                    <a:solidFill>
-                      <a:schemeClr val="bg1"/>
-                    </a:solidFill>
-                  </a:tcPr>
-                </a:tc>
-                <a:tc>
-                  <a:txBody>
-                    <a:bodyPr/>
-                    <a:lstStyle/>
-                    <a:p>
-                      <a:pPr algn="ctr" latinLnBrk="1"/>
-                      <a:r>
-                        <a:rPr lang="en-US" altLang="ko-KR" sz="1200" dirty="0" smtClean="0">
-                          <a:latin typeface="새굴림" pitchFamily="18" charset="-127"/>
-                          <a:ea typeface="새굴림" pitchFamily="18" charset="-127"/>
-                        </a:rPr>
-                        <a:t>O</a:t>
-                      </a:r>
+                      <a:pPr algn="ctr" latinLnBrk="1"/>
                       <a:endParaRPr lang="ko-KR" altLang="en-US" sz="1200" dirty="0">
                         <a:latin typeface="새굴림" pitchFamily="18" charset="-127"/>
                         <a:ea typeface="새굴림" pitchFamily="18" charset="-127"/>
@@ -12654,7 +12706,7 @@
                 </a:tc>
                 <a:extLst>
                   <a:ext uri="{0D108BD9-81ED-4DB2-BD59-A6C34878D82A}">
-                    <a16:rowId xmlns="" xmlns:a16="http://schemas.microsoft.com/office/drawing/2014/main" val="4120884330"/>
+                    <a16:rowId xmlns:a16="http://schemas.microsoft.com/office/drawing/2014/main" xmlns="" val="4120884330"/>
                   </a:ext>
                 </a:extLst>
               </a:tr>
@@ -12714,7 +12766,7 @@
                     <a:p>
                       <a:pPr algn="ctr"/>
                       <a:r>
-                        <a:rPr lang="ko-KR" altLang="en-US" sz="1200" smtClean="0">
+                        <a:rPr lang="ko-KR" altLang="en-US" sz="1200" dirty="0" smtClean="0">
                           <a:latin typeface="새굴림" pitchFamily="18" charset="-127"/>
                           <a:ea typeface="새굴림" pitchFamily="18" charset="-127"/>
                         </a:rPr>
@@ -12743,7 +12795,7 @@
                           <a:latin typeface="새굴림" pitchFamily="18" charset="-127"/>
                           <a:ea typeface="새굴림" pitchFamily="18" charset="-127"/>
                         </a:rPr>
-                        <a:t>-</a:t>
+                        <a:t>10</a:t>
                       </a:r>
                       <a:endParaRPr lang="ko-KR" altLang="en-US" sz="1200" dirty="0">
                         <a:latin typeface="새굴림" pitchFamily="18" charset="-127"/>
@@ -12763,13 +12815,6 @@
                     <a:lstStyle/>
                     <a:p>
                       <a:pPr algn="ctr"/>
-                      <a:r>
-                        <a:rPr lang="en-US" altLang="ko-KR" sz="1200" dirty="0" smtClean="0">
-                          <a:latin typeface="새굴림" pitchFamily="18" charset="-127"/>
-                          <a:ea typeface="새굴림" pitchFamily="18" charset="-127"/>
-                        </a:rPr>
-                        <a:t>O</a:t>
-                      </a:r>
                       <a:endParaRPr lang="ko-KR" altLang="en-US" sz="1200" dirty="0">
                         <a:latin typeface="새굴림" pitchFamily="18" charset="-127"/>
                         <a:ea typeface="새굴림" pitchFamily="18" charset="-127"/>
@@ -12843,7 +12888,7 @@
                     <a:p>
                       <a:pPr algn="ctr"/>
                       <a:r>
-                        <a:rPr lang="ko-KR" altLang="en-US" sz="1200" smtClean="0">
+                        <a:rPr lang="ko-KR" altLang="en-US" sz="1200" dirty="0" smtClean="0">
                           <a:latin typeface="새굴림" pitchFamily="18" charset="-127"/>
                           <a:ea typeface="새굴림" pitchFamily="18" charset="-127"/>
                         </a:rPr>
@@ -12872,7 +12917,7 @@
                           <a:latin typeface="새굴림" pitchFamily="18" charset="-127"/>
                           <a:ea typeface="새굴림" pitchFamily="18" charset="-127"/>
                         </a:rPr>
-                        <a:t>-</a:t>
+                        <a:t>10</a:t>
                       </a:r>
                       <a:endParaRPr lang="ko-KR" altLang="en-US" sz="1200" dirty="0">
                         <a:latin typeface="새굴림" pitchFamily="18" charset="-127"/>
@@ -12892,13 +12937,6 @@
                     <a:lstStyle/>
                     <a:p>
                       <a:pPr algn="ctr"/>
-                      <a:r>
-                        <a:rPr lang="en-US" altLang="ko-KR" sz="1200" dirty="0" smtClean="0">
-                          <a:latin typeface="새굴림" pitchFamily="18" charset="-127"/>
-                          <a:ea typeface="새굴림" pitchFamily="18" charset="-127"/>
-                        </a:rPr>
-                        <a:t>O</a:t>
-                      </a:r>
                       <a:endParaRPr lang="ko-KR" altLang="en-US" sz="1200" dirty="0">
                         <a:latin typeface="새굴림" pitchFamily="18" charset="-127"/>
                         <a:ea typeface="새굴림" pitchFamily="18" charset="-127"/>
@@ -12913,7 +12951,7 @@
                 </a:tc>
                 <a:extLst>
                   <a:ext uri="{0D108BD9-81ED-4DB2-BD59-A6C34878D82A}">
-                    <a16:rowId xmlns="" xmlns:a16="http://schemas.microsoft.com/office/drawing/2014/main" val="4128160277"/>
+                    <a16:rowId xmlns:a16="http://schemas.microsoft.com/office/drawing/2014/main" xmlns="" val="4128160277"/>
                   </a:ext>
                 </a:extLst>
               </a:tr>
@@ -12994,7 +13032,7 @@
                           <a:latin typeface="새굴림" pitchFamily="18" charset="-127"/>
                           <a:ea typeface="새굴림" pitchFamily="18" charset="-127"/>
                         </a:rPr>
-                        <a:t>-</a:t>
+                        <a:t>10</a:t>
                       </a:r>
                       <a:endParaRPr lang="ko-KR" altLang="en-US" sz="1200" dirty="0">
                         <a:latin typeface="새굴림" pitchFamily="18" charset="-127"/>
@@ -13030,13 +13068,6 @@
                         <a:tabLst/>
                         <a:defRPr/>
                       </a:pPr>
-                      <a:r>
-                        <a:rPr lang="en-US" altLang="ko-KR" sz="1200" dirty="0" smtClean="0">
-                          <a:latin typeface="새굴림" pitchFamily="18" charset="-127"/>
-                          <a:ea typeface="새굴림" pitchFamily="18" charset="-127"/>
-                        </a:rPr>
-                        <a:t>X</a:t>
-                      </a:r>
                       <a:endParaRPr lang="ko-KR" altLang="en-US" sz="1200" dirty="0" smtClean="0">
                         <a:latin typeface="새굴림" pitchFamily="18" charset="-127"/>
                         <a:ea typeface="새굴림" pitchFamily="18" charset="-127"/>
@@ -13051,7 +13082,7 @@
                 </a:tc>
                 <a:extLst>
                   <a:ext uri="{0D108BD9-81ED-4DB2-BD59-A6C34878D82A}">
-                    <a16:rowId xmlns="" xmlns:a16="http://schemas.microsoft.com/office/drawing/2014/main" val="3584867855"/>
+                    <a16:rowId xmlns:a16="http://schemas.microsoft.com/office/drawing/2014/main" xmlns="" val="3584867855"/>
                   </a:ext>
                 </a:extLst>
               </a:tr>
@@ -13140,7 +13171,7 @@
                           <a:latin typeface="새굴림" pitchFamily="18" charset="-127"/>
                           <a:ea typeface="새굴림" pitchFamily="18" charset="-127"/>
                         </a:rPr>
-                        <a:t>-</a:t>
+                        <a:t>19</a:t>
                       </a:r>
                       <a:endParaRPr lang="ko-KR" altLang="en-US" sz="1200" dirty="0">
                         <a:latin typeface="새굴림" pitchFamily="18" charset="-127"/>
@@ -13160,13 +13191,6 @@
                     <a:lstStyle/>
                     <a:p>
                       <a:pPr algn="ctr"/>
-                      <a:r>
-                        <a:rPr lang="en-US" altLang="ko-KR" sz="1200" dirty="0" smtClean="0">
-                          <a:latin typeface="새굴림" pitchFamily="18" charset="-127"/>
-                          <a:ea typeface="새굴림" pitchFamily="18" charset="-127"/>
-                        </a:rPr>
-                        <a:t>O</a:t>
-                      </a:r>
                       <a:endParaRPr lang="ko-KR" altLang="en-US" sz="1200" dirty="0">
                         <a:latin typeface="새굴림" pitchFamily="18" charset="-127"/>
                         <a:ea typeface="새굴림" pitchFamily="18" charset="-127"/>
@@ -13253,7 +13277,7 @@
                           <a:latin typeface="새굴림" pitchFamily="18" charset="-127"/>
                           <a:ea typeface="새굴림" pitchFamily="18" charset="-127"/>
                         </a:rPr>
-                        <a:t>-</a:t>
+                        <a:t>19</a:t>
                       </a:r>
                       <a:endParaRPr lang="ko-KR" altLang="en-US" sz="1200" dirty="0">
                         <a:latin typeface="새굴림" pitchFamily="18" charset="-127"/>
@@ -13289,13 +13313,6 @@
                         <a:tabLst/>
                         <a:defRPr/>
                       </a:pPr>
-                      <a:r>
-                        <a:rPr lang="en-US" altLang="ko-KR" sz="1200" dirty="0" smtClean="0">
-                          <a:latin typeface="새굴림" pitchFamily="18" charset="-127"/>
-                          <a:ea typeface="새굴림" pitchFamily="18" charset="-127"/>
-                        </a:rPr>
-                        <a:t>X</a:t>
-                      </a:r>
                       <a:endParaRPr lang="ko-KR" altLang="en-US" sz="1200" dirty="0" smtClean="0">
                         <a:latin typeface="새굴림" pitchFamily="18" charset="-127"/>
                         <a:ea typeface="새굴림" pitchFamily="18" charset="-127"/>
@@ -13394,7 +13411,7 @@
                           <a:latin typeface="새굴림" pitchFamily="18" charset="-127"/>
                           <a:ea typeface="새굴림" pitchFamily="18" charset="-127"/>
                         </a:rPr>
-                        <a:t>-</a:t>
+                        <a:t>19</a:t>
                       </a:r>
                       <a:endParaRPr lang="ko-KR" altLang="en-US" sz="1200" dirty="0">
                         <a:latin typeface="새굴림" pitchFamily="18" charset="-127"/>
@@ -13414,13 +13431,6 @@
                     <a:lstStyle/>
                     <a:p>
                       <a:pPr algn="ctr"/>
-                      <a:r>
-                        <a:rPr lang="en-US" altLang="ko-KR" sz="1200" dirty="0" smtClean="0">
-                          <a:latin typeface="새굴림" pitchFamily="18" charset="-127"/>
-                          <a:ea typeface="새굴림" pitchFamily="18" charset="-127"/>
-                        </a:rPr>
-                        <a:t>O</a:t>
-                      </a:r>
                       <a:endParaRPr lang="ko-KR" altLang="en-US" sz="1200" dirty="0">
                         <a:latin typeface="새굴림" pitchFamily="18" charset="-127"/>
                         <a:ea typeface="새굴림" pitchFamily="18" charset="-127"/>
@@ -13447,14 +13457,14 @@
           <p:nvPr>
             <p:extLst>
               <p:ext uri="{D42A27DB-BD31-4B8C-83A1-F6EECF244321}">
-                <p14:modId xmlns:p14="http://schemas.microsoft.com/office/powerpoint/2010/main" val="815932180"/>
+                <p14:modId xmlns:p14="http://schemas.microsoft.com/office/powerpoint/2010/main" val="3109863655"/>
               </p:ext>
             </p:extLst>
           </p:nvPr>
         </p:nvGraphicFramePr>
         <p:xfrm>
-          <a:off x="838200" y="5130583"/>
-          <a:ext cx="10515600" cy="1590040"/>
+          <a:off x="838200" y="5021271"/>
+          <a:ext cx="10515600" cy="1468120"/>
         </p:xfrm>
         <a:graphic>
           <a:graphicData uri="http://schemas.openxmlformats.org/drawingml/2006/table">
@@ -13466,14 +13476,14 @@
                 <a:gridCol w="3286125">
                   <a:extLst>
                     <a:ext uri="{9D8B030D-6E8A-4147-A177-3AD203B41FA5}">
-                      <a16:colId xmlns="" xmlns:a16="http://schemas.microsoft.com/office/drawing/2014/main" val="2880723631"/>
+                      <a16:colId xmlns:a16="http://schemas.microsoft.com/office/drawing/2014/main" xmlns="" val="2880723631"/>
                     </a:ext>
                   </a:extLst>
                 </a:gridCol>
                 <a:gridCol w="7229475">
                   <a:extLst>
                     <a:ext uri="{9D8B030D-6E8A-4147-A177-3AD203B41FA5}">
-                      <a16:colId xmlns="" xmlns:a16="http://schemas.microsoft.com/office/drawing/2014/main" val="1222440865"/>
+                      <a16:colId xmlns:a16="http://schemas.microsoft.com/office/drawing/2014/main" xmlns="" val="1222440865"/>
                     </a:ext>
                   </a:extLst>
                 </a:gridCol>
@@ -13519,52 +13529,11 @@
                 </a:tc>
                 <a:extLst>
                   <a:ext uri="{0D108BD9-81ED-4DB2-BD59-A6C34878D82A}">
-                    <a16:rowId xmlns="" xmlns:a16="http://schemas.microsoft.com/office/drawing/2014/main" val="2058711828"/>
+                    <a16:rowId xmlns:a16="http://schemas.microsoft.com/office/drawing/2014/main" xmlns="" val="2058711828"/>
                   </a:ext>
                 </a:extLst>
               </a:tr>
               <a:tr h="231723">
-                <a:tc>
-                  <a:txBody>
-                    <a:bodyPr/>
-                    <a:lstStyle/>
-                    <a:p>
-                      <a:pPr marL="0" marR="0" indent="0" algn="ctr" defTabSz="914400" rtl="0" eaLnBrk="1" fontAlgn="auto" latinLnBrk="1" hangingPunct="1">
-                        <a:lnSpc>
-                          <a:spcPct val="100000"/>
-                        </a:lnSpc>
-                        <a:spcBef>
-                          <a:spcPts val="0"/>
-                        </a:spcBef>
-                        <a:spcAft>
-                          <a:spcPts val="0"/>
-                        </a:spcAft>
-                        <a:buClrTx/>
-                        <a:buSzTx/>
-                        <a:buFontTx/>
-                        <a:buNone/>
-                        <a:tabLst/>
-                        <a:defRPr/>
-                      </a:pPr>
-                      <a:r>
-                        <a:rPr lang="ko-KR" altLang="en-US" sz="1400" dirty="0" smtClean="0">
-                          <a:latin typeface="새굴림" panose="02030600000101010101" pitchFamily="18" charset="-127"/>
-                          <a:ea typeface="새굴림" panose="02030600000101010101" pitchFamily="18" charset="-127"/>
-                        </a:rPr>
-                        <a:t>조회</a:t>
-                      </a:r>
-                      <a:endParaRPr lang="en-US" altLang="ko-KR" sz="1400" dirty="0" smtClean="0">
-                        <a:latin typeface="새굴림" panose="02030600000101010101" pitchFamily="18" charset="-127"/>
-                        <a:ea typeface="새굴림" panose="02030600000101010101" pitchFamily="18" charset="-127"/>
-                      </a:endParaRPr>
-                    </a:p>
-                  </a:txBody>
-                  <a:tcPr anchor="ctr">
-                    <a:solidFill>
-                      <a:schemeClr val="bg1"/>
-                    </a:solidFill>
-                  </a:tcPr>
-                </a:tc>
                 <a:tc>
                   <a:txBody>
                     <a:bodyPr/>
@@ -13588,131 +13557,13 @@
                         <a:defRPr/>
                       </a:pPr>
                       <a:r>
-                        <a:rPr lang="ko-KR" altLang="en-US" sz="1400" dirty="0" err="1" smtClean="0">
-                          <a:solidFill>
-                            <a:srgbClr val="403C4E"/>
-                          </a:solidFill>
+                        <a:rPr lang="ko-KR" altLang="en-US" sz="1200" dirty="0" smtClean="0">
                           <a:latin typeface="새굴림" panose="02030600000101010101" pitchFamily="18" charset="-127"/>
                           <a:ea typeface="새굴림" panose="02030600000101010101" pitchFamily="18" charset="-127"/>
-                          <a:cs typeface="Open Sans" pitchFamily="34" charset="-120"/>
-                        </a:rPr>
-                        <a:t>년월</a:t>
-                      </a:r>
-                      <a:r>
-                        <a:rPr lang="en-US" altLang="ko-KR" sz="1400" dirty="0" smtClean="0">
-                          <a:solidFill>
-                            <a:srgbClr val="403C4E"/>
-                          </a:solidFill>
-                          <a:latin typeface="새굴림" panose="02030600000101010101" pitchFamily="18" charset="-127"/>
-                          <a:ea typeface="새굴림" panose="02030600000101010101" pitchFamily="18" charset="-127"/>
-                          <a:cs typeface="Open Sans" pitchFamily="34" charset="-120"/>
-                        </a:rPr>
-                        <a:t>,</a:t>
-                      </a:r>
-                      <a:r>
-                        <a:rPr lang="ko-KR" altLang="en-US" sz="1400" dirty="0" smtClean="0">
-                          <a:solidFill>
-                            <a:srgbClr val="403C4E"/>
-                          </a:solidFill>
-                          <a:latin typeface="새굴림" panose="02030600000101010101" pitchFamily="18" charset="-127"/>
-                          <a:ea typeface="새굴림" panose="02030600000101010101" pitchFamily="18" charset="-127"/>
-                          <a:cs typeface="Open Sans" pitchFamily="34" charset="-120"/>
-                        </a:rPr>
-                        <a:t>분류</a:t>
-                      </a:r>
-                      <a:r>
-                        <a:rPr lang="en-US" altLang="ko-KR" sz="1400" dirty="0" smtClean="0">
-                          <a:solidFill>
-                            <a:srgbClr val="403C4E"/>
-                          </a:solidFill>
-                          <a:latin typeface="새굴림" panose="02030600000101010101" pitchFamily="18" charset="-127"/>
-                          <a:ea typeface="새굴림" panose="02030600000101010101" pitchFamily="18" charset="-127"/>
-                          <a:cs typeface="Open Sans" pitchFamily="34" charset="-120"/>
-                        </a:rPr>
-                        <a:t>,</a:t>
-                      </a:r>
-                      <a:r>
-                        <a:rPr lang="ko-KR" altLang="en-US" sz="1400" dirty="0" err="1" smtClean="0">
-                          <a:solidFill>
-                            <a:srgbClr val="403C4E"/>
-                          </a:solidFill>
-                          <a:latin typeface="새굴림" panose="02030600000101010101" pitchFamily="18" charset="-127"/>
-                          <a:ea typeface="새굴림" panose="02030600000101010101" pitchFamily="18" charset="-127"/>
-                          <a:cs typeface="Open Sans" pitchFamily="34" charset="-120"/>
-                        </a:rPr>
-                        <a:t>재고명</a:t>
-                      </a:r>
-                      <a:r>
-                        <a:rPr lang="en-US" altLang="ko-KR" sz="1400" baseline="0" dirty="0" smtClean="0">
-                          <a:solidFill>
-                            <a:srgbClr val="403C4E"/>
-                          </a:solidFill>
-                          <a:latin typeface="새굴림" panose="02030600000101010101" pitchFamily="18" charset="-127"/>
-                          <a:ea typeface="새굴림" panose="02030600000101010101" pitchFamily="18" charset="-127"/>
-                          <a:cs typeface="Open Sans" pitchFamily="34" charset="-120"/>
-                        </a:rPr>
-                        <a:t> </a:t>
-                      </a:r>
-                      <a:r>
-                        <a:rPr lang="ko-KR" altLang="en-US" sz="1400" baseline="0" dirty="0" smtClean="0">
-                          <a:solidFill>
-                            <a:srgbClr val="403C4E"/>
-                          </a:solidFill>
-                          <a:latin typeface="새굴림" panose="02030600000101010101" pitchFamily="18" charset="-127"/>
-                          <a:ea typeface="새굴림" panose="02030600000101010101" pitchFamily="18" charset="-127"/>
-                          <a:cs typeface="Open Sans" pitchFamily="34" charset="-120"/>
-                        </a:rPr>
-                        <a:t>별 조회</a:t>
-                      </a:r>
-                      <a:endParaRPr lang="en-US" altLang="ko-KR" sz="1400" dirty="0" smtClean="0">
-                        <a:latin typeface="새굴림" panose="02030600000101010101" pitchFamily="18" charset="-127"/>
-                        <a:ea typeface="새굴림" panose="02030600000101010101" pitchFamily="18" charset="-127"/>
-                      </a:endParaRPr>
-                    </a:p>
-                  </a:txBody>
-                  <a:tcPr anchor="ctr">
-                    <a:solidFill>
-                      <a:schemeClr val="bg1"/>
-                    </a:solidFill>
-                  </a:tcPr>
-                </a:tc>
-                <a:extLst>
-                  <a:ext uri="{0D108BD9-81ED-4DB2-BD59-A6C34878D82A}">
-                    <a16:rowId xmlns="" xmlns:a16="http://schemas.microsoft.com/office/drawing/2014/main" val="1940163066"/>
-                  </a:ext>
-                </a:extLst>
-              </a:tr>
-              <a:tr h="182880">
-                <a:tc>
-                  <a:txBody>
-                    <a:bodyPr/>
-                    <a:lstStyle/>
-                    <a:p>
-                      <a:pPr marL="0" marR="0" indent="0" algn="ctr" defTabSz="914400" rtl="0" eaLnBrk="1" fontAlgn="auto" latinLnBrk="1" hangingPunct="1">
-                        <a:lnSpc>
-                          <a:spcPct val="100000"/>
-                        </a:lnSpc>
-                        <a:spcBef>
-                          <a:spcPts val="0"/>
-                        </a:spcBef>
-                        <a:spcAft>
-                          <a:spcPts val="0"/>
-                        </a:spcAft>
-                        <a:buClrTx/>
-                        <a:buSzTx/>
-                        <a:buFontTx/>
-                        <a:buNone/>
-                        <a:tabLst/>
-                        <a:defRPr/>
-                      </a:pPr>
-                      <a:r>
-                        <a:rPr lang="ko-KR" altLang="en-US" sz="1400" dirty="0" smtClean="0">
-                          <a:latin typeface="새굴림" panose="02030600000101010101" pitchFamily="18" charset="-127"/>
-                          <a:ea typeface="새굴림" panose="02030600000101010101" pitchFamily="18" charset="-127"/>
-                        </a:rPr>
-                        <a:t>재고 등록</a:t>
-                      </a:r>
-                      <a:endParaRPr lang="en-US" altLang="ko-KR" sz="1400" dirty="0" smtClean="0">
+                        </a:rPr>
+                        <a:t>조회 버튼 클릭</a:t>
+                      </a:r>
+                      <a:endParaRPr lang="en-US" altLang="ko-KR" sz="1200" dirty="0" smtClean="0">
                         <a:latin typeface="새굴림" panose="02030600000101010101" pitchFamily="18" charset="-127"/>
                         <a:ea typeface="새굴림" panose="02030600000101010101" pitchFamily="18" charset="-127"/>
                       </a:endParaRPr>
@@ -13747,13 +13598,83 @@
                         <a:defRPr/>
                       </a:pPr>
                       <a:r>
-                        <a:rPr lang="ko-KR" altLang="en-US" sz="1400" dirty="0" smtClean="0">
+                        <a:rPr lang="ko-KR" altLang="en-US" sz="1200" dirty="0" err="1" smtClean="0">
+                          <a:solidFill>
+                            <a:srgbClr val="403C4E"/>
+                          </a:solidFill>
                           <a:latin typeface="새굴림" panose="02030600000101010101" pitchFamily="18" charset="-127"/>
                           <a:ea typeface="새굴림" panose="02030600000101010101" pitchFamily="18" charset="-127"/>
-                        </a:rPr>
-                        <a:t>재고 등록 화면으로 이동</a:t>
-                      </a:r>
-                      <a:endParaRPr lang="en-US" altLang="ko-KR" sz="1400" dirty="0" smtClean="0">
+                          <a:cs typeface="Open Sans" pitchFamily="34" charset="-120"/>
+                        </a:rPr>
+                        <a:t>년월</a:t>
+                      </a:r>
+                      <a:r>
+                        <a:rPr lang="en-US" altLang="ko-KR" sz="1200" dirty="0" smtClean="0">
+                          <a:solidFill>
+                            <a:srgbClr val="403C4E"/>
+                          </a:solidFill>
+                          <a:latin typeface="새굴림" panose="02030600000101010101" pitchFamily="18" charset="-127"/>
+                          <a:ea typeface="새굴림" panose="02030600000101010101" pitchFamily="18" charset="-127"/>
+                          <a:cs typeface="Open Sans" pitchFamily="34" charset="-120"/>
+                        </a:rPr>
+                        <a:t>,</a:t>
+                      </a:r>
+                      <a:r>
+                        <a:rPr lang="ko-KR" altLang="en-US" sz="1200" dirty="0" smtClean="0">
+                          <a:solidFill>
+                            <a:srgbClr val="403C4E"/>
+                          </a:solidFill>
+                          <a:latin typeface="새굴림" panose="02030600000101010101" pitchFamily="18" charset="-127"/>
+                          <a:ea typeface="새굴림" panose="02030600000101010101" pitchFamily="18" charset="-127"/>
+                          <a:cs typeface="Open Sans" pitchFamily="34" charset="-120"/>
+                        </a:rPr>
+                        <a:t>분류</a:t>
+                      </a:r>
+                      <a:r>
+                        <a:rPr lang="en-US" altLang="ko-KR" sz="1200" dirty="0" smtClean="0">
+                          <a:solidFill>
+                            <a:srgbClr val="403C4E"/>
+                          </a:solidFill>
+                          <a:latin typeface="새굴림" panose="02030600000101010101" pitchFamily="18" charset="-127"/>
+                          <a:ea typeface="새굴림" panose="02030600000101010101" pitchFamily="18" charset="-127"/>
+                          <a:cs typeface="Open Sans" pitchFamily="34" charset="-120"/>
+                        </a:rPr>
+                        <a:t>,</a:t>
+                      </a:r>
+                      <a:r>
+                        <a:rPr lang="ko-KR" altLang="en-US" sz="1200" dirty="0" err="1" smtClean="0">
+                          <a:solidFill>
+                            <a:srgbClr val="403C4E"/>
+                          </a:solidFill>
+                          <a:latin typeface="새굴림" panose="02030600000101010101" pitchFamily="18" charset="-127"/>
+                          <a:ea typeface="새굴림" panose="02030600000101010101" pitchFamily="18" charset="-127"/>
+                          <a:cs typeface="Open Sans" pitchFamily="34" charset="-120"/>
+                        </a:rPr>
+                        <a:t>재고명</a:t>
+                      </a:r>
+                      <a:r>
+                        <a:rPr lang="en-US" altLang="ko-KR" sz="1200" baseline="0" dirty="0" smtClean="0">
+                          <a:solidFill>
+                            <a:srgbClr val="403C4E"/>
+                          </a:solidFill>
+                          <a:latin typeface="새굴림" panose="02030600000101010101" pitchFamily="18" charset="-127"/>
+                          <a:ea typeface="새굴림" panose="02030600000101010101" pitchFamily="18" charset="-127"/>
+                          <a:cs typeface="Open Sans" pitchFamily="34" charset="-120"/>
+                        </a:rPr>
+                        <a:t> </a:t>
+                      </a:r>
+                      <a:r>
+                        <a:rPr lang="ko-KR" altLang="en-US" sz="1200" baseline="0" dirty="0" smtClean="0">
+                          <a:solidFill>
+                            <a:srgbClr val="403C4E"/>
+                          </a:solidFill>
+                          <a:latin typeface="새굴림" panose="02030600000101010101" pitchFamily="18" charset="-127"/>
+                          <a:ea typeface="새굴림" panose="02030600000101010101" pitchFamily="18" charset="-127"/>
+                          <a:cs typeface="Open Sans" pitchFamily="34" charset="-120"/>
+                        </a:rPr>
+                        <a:t>별 조회</a:t>
+                      </a:r>
+                      <a:endParaRPr lang="en-US" altLang="ko-KR" sz="1200" dirty="0" smtClean="0">
                         <a:latin typeface="새굴림" panose="02030600000101010101" pitchFamily="18" charset="-127"/>
                         <a:ea typeface="새굴림" panose="02030600000101010101" pitchFamily="18" charset="-127"/>
                       </a:endParaRPr>
@@ -13765,49 +13686,13 @@
                     </a:solidFill>
                   </a:tcPr>
                 </a:tc>
+                <a:extLst>
+                  <a:ext uri="{0D108BD9-81ED-4DB2-BD59-A6C34878D82A}">
+                    <a16:rowId xmlns:a16="http://schemas.microsoft.com/office/drawing/2014/main" xmlns="" val="1940163066"/>
+                  </a:ext>
+                </a:extLst>
               </a:tr>
-              <a:tr h="152400">
-                <a:tc>
-                  <a:txBody>
-                    <a:bodyPr/>
-                    <a:lstStyle/>
-                    <a:p>
-                      <a:pPr marL="0" marR="0" indent="0" algn="ctr" defTabSz="914400" rtl="0" eaLnBrk="1" fontAlgn="auto" latinLnBrk="1" hangingPunct="1">
-                        <a:lnSpc>
-                          <a:spcPct val="100000"/>
-                        </a:lnSpc>
-                        <a:spcBef>
-                          <a:spcPts val="0"/>
-                        </a:spcBef>
-                        <a:spcAft>
-                          <a:spcPts val="0"/>
-                        </a:spcAft>
-                        <a:buClrTx/>
-                        <a:buSzTx/>
-                        <a:buFontTx/>
-                        <a:buNone/>
-                        <a:tabLst/>
-                        <a:defRPr/>
-                      </a:pPr>
-                      <a:r>
-                        <a:rPr lang="ko-KR" altLang="en-US" sz="1400" dirty="0" smtClean="0">
-                          <a:latin typeface="새굴림" panose="02030600000101010101" pitchFamily="18" charset="-127"/>
-                          <a:ea typeface="새굴림" panose="02030600000101010101" pitchFamily="18" charset="-127"/>
-                        </a:rPr>
-                        <a:t>재고 항목 선택</a:t>
-                      </a:r>
-                      <a:endParaRPr lang="en-US" altLang="ko-KR" sz="1400" dirty="0" smtClean="0">
-                        <a:latin typeface="새굴림" panose="02030600000101010101" pitchFamily="18" charset="-127"/>
-                        <a:ea typeface="새굴림" panose="02030600000101010101" pitchFamily="18" charset="-127"/>
-                      </a:endParaRPr>
-                    </a:p>
-                  </a:txBody>
-                  <a:tcPr anchor="ctr">
-                    <a:solidFill>
-                      <a:schemeClr val="bg1"/>
-                    </a:solidFill>
-                  </a:tcPr>
-                </a:tc>
+              <a:tr h="182880">
                 <a:tc>
                   <a:txBody>
                     <a:bodyPr/>
@@ -13831,56 +13716,13 @@
                         <a:defRPr/>
                       </a:pPr>
                       <a:r>
-                        <a:rPr lang="ko-KR" altLang="en-US" sz="1400" dirty="0" smtClean="0">
+                        <a:rPr lang="ko-KR" altLang="en-US" sz="1200" dirty="0" smtClean="0">
                           <a:latin typeface="새굴림" panose="02030600000101010101" pitchFamily="18" charset="-127"/>
                           <a:ea typeface="새굴림" panose="02030600000101010101" pitchFamily="18" charset="-127"/>
                         </a:rPr>
-                        <a:t>재고 조회 화면으로 이동</a:t>
-                      </a:r>
-                      <a:endParaRPr lang="en-US" altLang="ko-KR" sz="1400" dirty="0" smtClean="0">
-                        <a:latin typeface="새굴림" panose="02030600000101010101" pitchFamily="18" charset="-127"/>
-                        <a:ea typeface="새굴림" panose="02030600000101010101" pitchFamily="18" charset="-127"/>
-                      </a:endParaRPr>
-                    </a:p>
-                  </a:txBody>
-                  <a:tcPr anchor="ctr">
-                    <a:solidFill>
-                      <a:schemeClr val="bg1"/>
-                    </a:solidFill>
-                  </a:tcPr>
-                </a:tc>
-              </a:tr>
-              <a:tr h="152400">
-                <a:tc>
-                  <a:txBody>
-                    <a:bodyPr/>
-                    <a:lstStyle/>
-                    <a:p>
-                      <a:pPr marL="0" marR="0" indent="0" algn="ctr" defTabSz="914400" rtl="0" eaLnBrk="1" fontAlgn="auto" latinLnBrk="1" hangingPunct="1">
-                        <a:lnSpc>
-                          <a:spcPct val="100000"/>
-                        </a:lnSpc>
-                        <a:spcBef>
-                          <a:spcPts val="0"/>
-                        </a:spcBef>
-                        <a:spcAft>
-                          <a:spcPts val="0"/>
-                        </a:spcAft>
-                        <a:buClrTx/>
-                        <a:buSzTx/>
-                        <a:buFontTx/>
-                        <a:buNone/>
-                        <a:tabLst/>
-                        <a:defRPr/>
-                      </a:pPr>
-                      <a:r>
-                        <a:rPr lang="ko-KR" altLang="en-US" sz="1400" dirty="0" smtClean="0">
-                          <a:latin typeface="새굴림" panose="02030600000101010101" pitchFamily="18" charset="-127"/>
-                          <a:ea typeface="새굴림" panose="02030600000101010101" pitchFamily="18" charset="-127"/>
-                        </a:rPr>
-                        <a:t>월 마감 진행</a:t>
-                      </a:r>
-                      <a:endParaRPr lang="en-US" altLang="ko-KR" sz="1400" dirty="0" smtClean="0">
+                        <a:t>등록 버튼 클릭</a:t>
+                      </a:r>
+                      <a:endParaRPr lang="en-US" altLang="ko-KR" sz="1200" dirty="0" smtClean="0">
                         <a:latin typeface="새굴림" panose="02030600000101010101" pitchFamily="18" charset="-127"/>
                         <a:ea typeface="새굴림" panose="02030600000101010101" pitchFamily="18" charset="-127"/>
                       </a:endParaRPr>
@@ -13915,13 +13757,188 @@
                         <a:defRPr/>
                       </a:pPr>
                       <a:r>
-                        <a:rPr lang="ko-KR" altLang="en-US" sz="1400" dirty="0" smtClean="0">
+                        <a:rPr lang="ko-KR" altLang="en-US" sz="1200" dirty="0" smtClean="0">
                           <a:latin typeface="새굴림" panose="02030600000101010101" pitchFamily="18" charset="-127"/>
                           <a:ea typeface="새굴림" panose="02030600000101010101" pitchFamily="18" charset="-127"/>
                         </a:rPr>
+                        <a:t>재고 등록 화면으로 이동</a:t>
+                      </a:r>
+                      <a:endParaRPr lang="en-US" altLang="ko-KR" sz="1200" dirty="0" smtClean="0">
+                        <a:latin typeface="새굴림" panose="02030600000101010101" pitchFamily="18" charset="-127"/>
+                        <a:ea typeface="새굴림" panose="02030600000101010101" pitchFamily="18" charset="-127"/>
+                      </a:endParaRPr>
+                    </a:p>
+                  </a:txBody>
+                  <a:tcPr anchor="ctr">
+                    <a:solidFill>
+                      <a:schemeClr val="bg1"/>
+                    </a:solidFill>
+                  </a:tcPr>
+                </a:tc>
+              </a:tr>
+              <a:tr h="152400">
+                <a:tc>
+                  <a:txBody>
+                    <a:bodyPr/>
+                    <a:lstStyle/>
+                    <a:p>
+                      <a:pPr marL="0" marR="0" indent="0" algn="l" defTabSz="914400" rtl="0" eaLnBrk="1" fontAlgn="auto" latinLnBrk="1" hangingPunct="1">
+                        <a:lnSpc>
+                          <a:spcPct val="100000"/>
+                        </a:lnSpc>
+                        <a:spcBef>
+                          <a:spcPts val="0"/>
+                        </a:spcBef>
+                        <a:spcAft>
+                          <a:spcPts val="0"/>
+                        </a:spcAft>
+                        <a:buClrTx/>
+                        <a:buSzTx/>
+                        <a:buFontTx/>
+                        <a:buNone/>
+                        <a:tabLst/>
+                        <a:defRPr/>
+                      </a:pPr>
+                      <a:r>
+                        <a:rPr lang="ko-KR" altLang="en-US" sz="1200" dirty="0" smtClean="0">
+                          <a:latin typeface="새굴림" panose="02030600000101010101" pitchFamily="18" charset="-127"/>
+                          <a:ea typeface="새굴림" panose="02030600000101010101" pitchFamily="18" charset="-127"/>
+                        </a:rPr>
+                        <a:t>상세정보 이동</a:t>
+                      </a:r>
+                      <a:endParaRPr lang="en-US" altLang="ko-KR" sz="1200" dirty="0" smtClean="0">
+                        <a:latin typeface="새굴림" panose="02030600000101010101" pitchFamily="18" charset="-127"/>
+                        <a:ea typeface="새굴림" panose="02030600000101010101" pitchFamily="18" charset="-127"/>
+                      </a:endParaRPr>
+                    </a:p>
+                  </a:txBody>
+                  <a:tcPr anchor="ctr">
+                    <a:solidFill>
+                      <a:schemeClr val="bg1"/>
+                    </a:solidFill>
+                  </a:tcPr>
+                </a:tc>
+                <a:tc>
+                  <a:txBody>
+                    <a:bodyPr/>
+                    <a:lstStyle/>
+                    <a:p>
+                      <a:pPr marL="0" marR="0" indent="0" algn="l" defTabSz="914400" rtl="0" eaLnBrk="1" fontAlgn="auto" latinLnBrk="1" hangingPunct="1">
+                        <a:lnSpc>
+                          <a:spcPct val="100000"/>
+                        </a:lnSpc>
+                        <a:spcBef>
+                          <a:spcPts val="0"/>
+                        </a:spcBef>
+                        <a:spcAft>
+                          <a:spcPts val="0"/>
+                        </a:spcAft>
+                        <a:buClrTx/>
+                        <a:buSzTx/>
+                        <a:buFontTx/>
+                        <a:buNone/>
+                        <a:tabLst/>
+                        <a:defRPr/>
+                      </a:pPr>
+                      <a:r>
+                        <a:rPr lang="ko-KR" altLang="en-US" sz="1200" dirty="0" smtClean="0">
+                          <a:latin typeface="새굴림" panose="02030600000101010101" pitchFamily="18" charset="-127"/>
+                          <a:ea typeface="새굴림" panose="02030600000101010101" pitchFamily="18" charset="-127"/>
+                        </a:rPr>
+                        <a:t>재고 조회 화면으로 이동</a:t>
+                      </a:r>
+                      <a:endParaRPr lang="en-US" altLang="ko-KR" sz="1200" dirty="0" smtClean="0">
+                        <a:latin typeface="새굴림" panose="02030600000101010101" pitchFamily="18" charset="-127"/>
+                        <a:ea typeface="새굴림" panose="02030600000101010101" pitchFamily="18" charset="-127"/>
+                      </a:endParaRPr>
+                    </a:p>
+                  </a:txBody>
+                  <a:tcPr anchor="ctr">
+                    <a:solidFill>
+                      <a:schemeClr val="bg1"/>
+                    </a:solidFill>
+                  </a:tcPr>
+                </a:tc>
+              </a:tr>
+              <a:tr h="152400">
+                <a:tc>
+                  <a:txBody>
+                    <a:bodyPr/>
+                    <a:lstStyle/>
+                    <a:p>
+                      <a:pPr marL="0" marR="0" indent="0" algn="l" defTabSz="914400" rtl="0" eaLnBrk="1" fontAlgn="auto" latinLnBrk="1" hangingPunct="1">
+                        <a:lnSpc>
+                          <a:spcPct val="100000"/>
+                        </a:lnSpc>
+                        <a:spcBef>
+                          <a:spcPts val="0"/>
+                        </a:spcBef>
+                        <a:spcAft>
+                          <a:spcPts val="0"/>
+                        </a:spcAft>
+                        <a:buClrTx/>
+                        <a:buSzTx/>
+                        <a:buFontTx/>
+                        <a:buNone/>
+                        <a:tabLst/>
+                        <a:defRPr/>
+                      </a:pPr>
+                      <a:r>
+                        <a:rPr lang="ko-KR" altLang="en-US" sz="1200" dirty="0" smtClean="0">
+                          <a:latin typeface="새굴림" panose="02030600000101010101" pitchFamily="18" charset="-127"/>
+                          <a:ea typeface="새굴림" panose="02030600000101010101" pitchFamily="18" charset="-127"/>
+                        </a:rPr>
+                        <a:t>월 마감 </a:t>
+                      </a:r>
+                      <a:r>
+                        <a:rPr lang="ko-KR" altLang="en-US" sz="1200" dirty="0" smtClean="0">
+                          <a:latin typeface="새굴림" panose="02030600000101010101" pitchFamily="18" charset="-127"/>
+                          <a:ea typeface="새굴림" panose="02030600000101010101" pitchFamily="18" charset="-127"/>
+                        </a:rPr>
+                        <a:t>진행 버튼 클릭</a:t>
+                      </a:r>
+                      <a:endParaRPr lang="en-US" altLang="ko-KR" sz="1200" dirty="0" smtClean="0">
+                        <a:latin typeface="새굴림" panose="02030600000101010101" pitchFamily="18" charset="-127"/>
+                        <a:ea typeface="새굴림" panose="02030600000101010101" pitchFamily="18" charset="-127"/>
+                      </a:endParaRPr>
+                    </a:p>
+                  </a:txBody>
+                  <a:tcPr anchor="ctr">
+                    <a:solidFill>
+                      <a:schemeClr val="bg1"/>
+                    </a:solidFill>
+                  </a:tcPr>
+                </a:tc>
+                <a:tc>
+                  <a:txBody>
+                    <a:bodyPr/>
+                    <a:lstStyle/>
+                    <a:p>
+                      <a:pPr marL="0" marR="0" indent="0" algn="l" defTabSz="914400" rtl="0" eaLnBrk="1" fontAlgn="auto" latinLnBrk="1" hangingPunct="1">
+                        <a:lnSpc>
+                          <a:spcPct val="100000"/>
+                        </a:lnSpc>
+                        <a:spcBef>
+                          <a:spcPts val="0"/>
+                        </a:spcBef>
+                        <a:spcAft>
+                          <a:spcPts val="0"/>
+                        </a:spcAft>
+                        <a:buClrTx/>
+                        <a:buSzTx/>
+                        <a:buFontTx/>
+                        <a:buNone/>
+                        <a:tabLst/>
+                        <a:defRPr/>
+                      </a:pPr>
+                      <a:r>
+                        <a:rPr lang="ko-KR" altLang="en-US" sz="1200" dirty="0" smtClean="0">
+                          <a:latin typeface="새굴림" panose="02030600000101010101" pitchFamily="18" charset="-127"/>
+                          <a:ea typeface="새굴림" panose="02030600000101010101" pitchFamily="18" charset="-127"/>
+                        </a:rPr>
                         <a:t>월 마감 진행 후 실적 화면으로 이동</a:t>
                       </a:r>
-                      <a:endParaRPr lang="en-US" altLang="ko-KR" sz="1400" dirty="0" smtClean="0">
+                      <a:endParaRPr lang="en-US" altLang="ko-KR" sz="1200" dirty="0" smtClean="0">
                         <a:latin typeface="새굴림" panose="02030600000101010101" pitchFamily="18" charset="-127"/>
                         <a:ea typeface="새굴림" panose="02030600000101010101" pitchFamily="18" charset="-127"/>
                       </a:endParaRPr>
@@ -14130,7 +14147,7 @@
             <p:ph idx="1"/>
             <p:extLst>
               <p:ext uri="{D42A27DB-BD31-4B8C-83A1-F6EECF244321}">
-                <p14:modId xmlns:p14="http://schemas.microsoft.com/office/powerpoint/2010/main" val="288557218"/>
+                <p14:modId xmlns:p14="http://schemas.microsoft.com/office/powerpoint/2010/main" val="2270384955"/>
               </p:ext>
             </p:extLst>
           </p:nvPr>
@@ -14149,35 +14166,35 @@
                 <a:gridCol w="3257550">
                   <a:extLst>
                     <a:ext uri="{9D8B030D-6E8A-4147-A177-3AD203B41FA5}">
-                      <a16:colId xmlns="" xmlns:a16="http://schemas.microsoft.com/office/drawing/2014/main" val="2880723631"/>
+                      <a16:colId xmlns:a16="http://schemas.microsoft.com/office/drawing/2014/main" xmlns="" val="2880723631"/>
                     </a:ext>
                   </a:extLst>
                 </a:gridCol>
                 <a:gridCol w="2305050">
                   <a:extLst>
                     <a:ext uri="{9D8B030D-6E8A-4147-A177-3AD203B41FA5}">
-                      <a16:colId xmlns="" xmlns:a16="http://schemas.microsoft.com/office/drawing/2014/main" val="1222440865"/>
+                      <a16:colId xmlns:a16="http://schemas.microsoft.com/office/drawing/2014/main" xmlns="" val="1222440865"/>
                     </a:ext>
                   </a:extLst>
                 </a:gridCol>
                 <a:gridCol w="1685925">
                   <a:extLst>
                     <a:ext uri="{9D8B030D-6E8A-4147-A177-3AD203B41FA5}">
-                      <a16:colId xmlns="" xmlns:a16="http://schemas.microsoft.com/office/drawing/2014/main" val="1515085376"/>
+                      <a16:colId xmlns:a16="http://schemas.microsoft.com/office/drawing/2014/main" xmlns="" val="1515085376"/>
                     </a:ext>
                   </a:extLst>
                 </a:gridCol>
                 <a:gridCol w="1628775">
                   <a:extLst>
                     <a:ext uri="{9D8B030D-6E8A-4147-A177-3AD203B41FA5}">
-                      <a16:colId xmlns="" xmlns:a16="http://schemas.microsoft.com/office/drawing/2014/main" val="630274754"/>
+                      <a16:colId xmlns:a16="http://schemas.microsoft.com/office/drawing/2014/main" xmlns="" val="630274754"/>
                     </a:ext>
                   </a:extLst>
                 </a:gridCol>
                 <a:gridCol w="1638300">
                   <a:extLst>
                     <a:ext uri="{9D8B030D-6E8A-4147-A177-3AD203B41FA5}">
-                      <a16:colId xmlns="" xmlns:a16="http://schemas.microsoft.com/office/drawing/2014/main" val="1923971626"/>
+                      <a16:colId xmlns:a16="http://schemas.microsoft.com/office/drawing/2014/main" xmlns="" val="1923971626"/>
                     </a:ext>
                   </a:extLst>
                 </a:gridCol>
@@ -14204,7 +14221,7 @@
                       </a:endParaRPr>
                     </a:p>
                   </a:txBody>
-                  <a:tcPr anchor="ctr"/>
+                  <a:tcPr/>
                 </a:tc>
                 <a:tc>
                   <a:txBody>
@@ -14219,7 +14236,7 @@
                       <a:endParaRPr lang="ko-KR" altLang="en-US" sz="1800" dirty="0"/>
                     </a:p>
                   </a:txBody>
-                  <a:tcPr anchor="ctr"/>
+                  <a:tcPr/>
                 </a:tc>
                 <a:tc>
                   <a:txBody>
@@ -14234,7 +14251,7 @@
                       <a:endParaRPr lang="ko-KR" altLang="en-US" sz="1800" dirty="0"/>
                     </a:p>
                   </a:txBody>
-                  <a:tcPr anchor="ctr"/>
+                  <a:tcPr/>
                 </a:tc>
                 <a:tc>
                   <a:txBody>
@@ -14249,7 +14266,7 @@
                       <a:endParaRPr lang="ko-KR" altLang="en-US" sz="1800" dirty="0"/>
                     </a:p>
                   </a:txBody>
-                  <a:tcPr anchor="ctr"/>
+                  <a:tcPr/>
                 </a:tc>
                 <a:tc>
                   <a:txBody>
@@ -14264,11 +14281,11 @@
                       <a:endParaRPr lang="ko-KR" altLang="en-US" sz="1800" dirty="0"/>
                     </a:p>
                   </a:txBody>
-                  <a:tcPr anchor="ctr"/>
+                  <a:tcPr/>
                 </a:tc>
                 <a:extLst>
                   <a:ext uri="{0D108BD9-81ED-4DB2-BD59-A6C34878D82A}">
-                    <a16:rowId xmlns="" xmlns:a16="http://schemas.microsoft.com/office/drawing/2014/main" val="2058711828"/>
+                    <a16:rowId xmlns:a16="http://schemas.microsoft.com/office/drawing/2014/main" xmlns="" val="2058711828"/>
                   </a:ext>
                 </a:extLst>
               </a:tr>
@@ -14387,11 +14404,11 @@
                     <a:p>
                       <a:pPr algn="ctr"/>
                       <a:r>
-                        <a:rPr lang="en-US" altLang="ko-KR" sz="1800" dirty="0" smtClean="0">
-                          <a:latin typeface="새굴림" pitchFamily="18" charset="-127"/>
-                          <a:ea typeface="새굴림" pitchFamily="18" charset="-127"/>
-                        </a:rPr>
-                        <a:t>O</a:t>
+                        <a:rPr lang="ko-KR" altLang="en-US" sz="1800" dirty="0" smtClean="0">
+                          <a:latin typeface="새굴림" pitchFamily="18" charset="-127"/>
+                          <a:ea typeface="새굴림" pitchFamily="18" charset="-127"/>
+                        </a:rPr>
+                        <a:t>필수</a:t>
                       </a:r>
                       <a:endParaRPr lang="ko-KR" altLang="en-US" sz="1800" dirty="0">
                         <a:latin typeface="새굴림" pitchFamily="18" charset="-127"/>
@@ -14407,7 +14424,7 @@
                 </a:tc>
                 <a:extLst>
                   <a:ext uri="{0D108BD9-81ED-4DB2-BD59-A6C34878D82A}">
-                    <a16:rowId xmlns="" xmlns:a16="http://schemas.microsoft.com/office/drawing/2014/main" val="1940163066"/>
+                    <a16:rowId xmlns:a16="http://schemas.microsoft.com/office/drawing/2014/main" xmlns="" val="1940163066"/>
                   </a:ext>
                 </a:extLst>
               </a:tr>
@@ -14495,7 +14512,7 @@
                           <a:latin typeface="새굴림" pitchFamily="18" charset="-127"/>
                           <a:ea typeface="새굴림" pitchFamily="18" charset="-127"/>
                         </a:rPr>
-                        <a:t>50</a:t>
+                        <a:t>100</a:t>
                       </a:r>
                       <a:endParaRPr lang="ko-KR" altLang="en-US" sz="1800" dirty="0">
                         <a:latin typeface="새굴림" pitchFamily="18" charset="-127"/>
@@ -14516,11 +14533,11 @@
                     <a:p>
                       <a:pPr algn="ctr" latinLnBrk="1"/>
                       <a:r>
-                        <a:rPr lang="en-US" altLang="ko-KR" sz="1800" dirty="0" smtClean="0">
-                          <a:latin typeface="새굴림" pitchFamily="18" charset="-127"/>
-                          <a:ea typeface="새굴림" pitchFamily="18" charset="-127"/>
-                        </a:rPr>
-                        <a:t>O</a:t>
+                        <a:rPr lang="ko-KR" altLang="en-US" sz="1800" dirty="0" smtClean="0">
+                          <a:latin typeface="새굴림" pitchFamily="18" charset="-127"/>
+                          <a:ea typeface="새굴림" pitchFamily="18" charset="-127"/>
+                        </a:rPr>
+                        <a:t>필수</a:t>
                       </a:r>
                       <a:endParaRPr lang="ko-KR" altLang="en-US" sz="1800" dirty="0">
                         <a:latin typeface="새굴림" pitchFamily="18" charset="-127"/>
@@ -14536,7 +14553,7 @@
                 </a:tc>
                 <a:extLst>
                   <a:ext uri="{0D108BD9-81ED-4DB2-BD59-A6C34878D82A}">
-                    <a16:rowId xmlns="" xmlns:a16="http://schemas.microsoft.com/office/drawing/2014/main" val="1642501168"/>
+                    <a16:rowId xmlns:a16="http://schemas.microsoft.com/office/drawing/2014/main" xmlns="" val="1642501168"/>
                   </a:ext>
                 </a:extLst>
               </a:tr>
@@ -14640,13 +14657,6 @@
                     <a:lstStyle/>
                     <a:p>
                       <a:pPr algn="ctr" latinLnBrk="1"/>
-                      <a:r>
-                        <a:rPr lang="en-US" altLang="ko-KR" sz="1800" dirty="0" smtClean="0">
-                          <a:latin typeface="새굴림" pitchFamily="18" charset="-127"/>
-                          <a:ea typeface="새굴림" pitchFamily="18" charset="-127"/>
-                        </a:rPr>
-                        <a:t>X</a:t>
-                      </a:r>
                       <a:endParaRPr lang="ko-KR" altLang="en-US" sz="1800" dirty="0">
                         <a:latin typeface="새굴림" pitchFamily="18" charset="-127"/>
                         <a:ea typeface="새굴림" pitchFamily="18" charset="-127"/>
@@ -14753,13 +14763,6 @@
                     <a:lstStyle/>
                     <a:p>
                       <a:pPr algn="ctr" latinLnBrk="1"/>
-                      <a:r>
-                        <a:rPr lang="en-US" altLang="ko-KR" sz="1800" dirty="0" smtClean="0">
-                          <a:latin typeface="새굴림" pitchFamily="18" charset="-127"/>
-                          <a:ea typeface="새굴림" pitchFamily="18" charset="-127"/>
-                        </a:rPr>
-                        <a:t>X</a:t>
-                      </a:r>
                       <a:endParaRPr lang="ko-KR" altLang="en-US" sz="1800" dirty="0">
                         <a:latin typeface="새굴림" pitchFamily="18" charset="-127"/>
                         <a:ea typeface="새굴림" pitchFamily="18" charset="-127"/>
@@ -14786,13 +14789,13 @@
           <p:nvPr>
             <p:extLst>
               <p:ext uri="{D42A27DB-BD31-4B8C-83A1-F6EECF244321}">
-                <p14:modId xmlns:p14="http://schemas.microsoft.com/office/powerpoint/2010/main" val="3190811216"/>
+                <p14:modId xmlns:p14="http://schemas.microsoft.com/office/powerpoint/2010/main" val="3628529893"/>
               </p:ext>
             </p:extLst>
           </p:nvPr>
         </p:nvGraphicFramePr>
         <p:xfrm>
-          <a:off x="838200" y="4811275"/>
+          <a:off x="838200" y="5387031"/>
           <a:ext cx="10515600" cy="1102360"/>
         </p:xfrm>
         <a:graphic>
@@ -14805,14 +14808,14 @@
                 <a:gridCol w="3286125">
                   <a:extLst>
                     <a:ext uri="{9D8B030D-6E8A-4147-A177-3AD203B41FA5}">
-                      <a16:colId xmlns="" xmlns:a16="http://schemas.microsoft.com/office/drawing/2014/main" val="2880723631"/>
+                      <a16:colId xmlns:a16="http://schemas.microsoft.com/office/drawing/2014/main" xmlns="" val="2880723631"/>
                     </a:ext>
                   </a:extLst>
                 </a:gridCol>
                 <a:gridCol w="7229475">
                   <a:extLst>
                     <a:ext uri="{9D8B030D-6E8A-4147-A177-3AD203B41FA5}">
-                      <a16:colId xmlns="" xmlns:a16="http://schemas.microsoft.com/office/drawing/2014/main" val="1222440865"/>
+                      <a16:colId xmlns:a16="http://schemas.microsoft.com/office/drawing/2014/main" xmlns="" val="1222440865"/>
                     </a:ext>
                   </a:extLst>
                 </a:gridCol>
@@ -14858,52 +14861,11 @@
                 </a:tc>
                 <a:extLst>
                   <a:ext uri="{0D108BD9-81ED-4DB2-BD59-A6C34878D82A}">
-                    <a16:rowId xmlns="" xmlns:a16="http://schemas.microsoft.com/office/drawing/2014/main" val="2058711828"/>
+                    <a16:rowId xmlns:a16="http://schemas.microsoft.com/office/drawing/2014/main" xmlns="" val="2058711828"/>
                   </a:ext>
                 </a:extLst>
               </a:tr>
               <a:tr h="231723">
-                <a:tc>
-                  <a:txBody>
-                    <a:bodyPr/>
-                    <a:lstStyle/>
-                    <a:p>
-                      <a:pPr marL="0" marR="0" indent="0" algn="ctr" defTabSz="914400" rtl="0" eaLnBrk="1" fontAlgn="auto" latinLnBrk="1" hangingPunct="1">
-                        <a:lnSpc>
-                          <a:spcPct val="100000"/>
-                        </a:lnSpc>
-                        <a:spcBef>
-                          <a:spcPts val="0"/>
-                        </a:spcBef>
-                        <a:spcAft>
-                          <a:spcPts val="0"/>
-                        </a:spcAft>
-                        <a:buClrTx/>
-                        <a:buSzTx/>
-                        <a:buFontTx/>
-                        <a:buNone/>
-                        <a:tabLst/>
-                        <a:defRPr/>
-                      </a:pPr>
-                      <a:r>
-                        <a:rPr lang="ko-KR" altLang="en-US" sz="1800" dirty="0" smtClean="0">
-                          <a:latin typeface="새굴림" panose="02030600000101010101" pitchFamily="18" charset="-127"/>
-                          <a:ea typeface="새굴림" panose="02030600000101010101" pitchFamily="18" charset="-127"/>
-                        </a:rPr>
-                        <a:t>등록</a:t>
-                      </a:r>
-                      <a:endParaRPr lang="en-US" altLang="ko-KR" sz="1800" dirty="0" smtClean="0">
-                        <a:latin typeface="새굴림" panose="02030600000101010101" pitchFamily="18" charset="-127"/>
-                        <a:ea typeface="새굴림" panose="02030600000101010101" pitchFamily="18" charset="-127"/>
-                      </a:endParaRPr>
-                    </a:p>
-                  </a:txBody>
-                  <a:tcPr anchor="ctr">
-                    <a:solidFill>
-                      <a:schemeClr val="bg1"/>
-                    </a:solidFill>
-                  </a:tcPr>
-                </a:tc>
                 <a:tc>
                   <a:txBody>
                     <a:bodyPr/>
@@ -14931,78 +14893,26 @@
                           <a:latin typeface="새굴림" panose="02030600000101010101" pitchFamily="18" charset="-127"/>
                           <a:ea typeface="새굴림" panose="02030600000101010101" pitchFamily="18" charset="-127"/>
                         </a:rPr>
-                        <a:t>재고 </a:t>
-                      </a:r>
-                      <a:r>
-                        <a:rPr lang="ko-KR" altLang="en-US" sz="1800" dirty="0" err="1" smtClean="0">
-                          <a:latin typeface="새굴림" panose="02030600000101010101" pitchFamily="18" charset="-127"/>
-                          <a:ea typeface="새굴림" panose="02030600000101010101" pitchFamily="18" charset="-127"/>
-                        </a:rPr>
-                        <a:t>등록후</a:t>
-                      </a:r>
-                      <a:r>
-                        <a:rPr lang="ko-KR" altLang="en-US" sz="1800" dirty="0" smtClean="0">
-                          <a:latin typeface="새굴림" panose="02030600000101010101" pitchFamily="18" charset="-127"/>
-                          <a:ea typeface="새굴림" panose="02030600000101010101" pitchFamily="18" charset="-127"/>
-                        </a:rPr>
-                        <a:t> 이전 화면으로 이동</a:t>
-                      </a:r>
-                      <a:r>
-                        <a:rPr lang="en-US" altLang="ko-KR" sz="1800" dirty="0" smtClean="0">
-                          <a:latin typeface="새굴림" panose="02030600000101010101" pitchFamily="18" charset="-127"/>
-                          <a:ea typeface="새굴림" panose="02030600000101010101" pitchFamily="18" charset="-127"/>
-                        </a:rPr>
-                        <a:t>(</a:t>
-                      </a:r>
-                      <a:r>
-                        <a:rPr lang="ko-KR" altLang="en-US" sz="1800" dirty="0" smtClean="0">
-                          <a:latin typeface="새굴림" panose="02030600000101010101" pitchFamily="18" charset="-127"/>
-                          <a:ea typeface="새굴림" panose="02030600000101010101" pitchFamily="18" charset="-127"/>
-                        </a:rPr>
-                        <a:t>목록</a:t>
-                      </a:r>
-                      <a:r>
-                        <a:rPr lang="en-US" altLang="ko-KR" sz="1800" dirty="0" smtClean="0">
-                          <a:latin typeface="새굴림" panose="02030600000101010101" pitchFamily="18" charset="-127"/>
-                          <a:ea typeface="새굴림" panose="02030600000101010101" pitchFamily="18" charset="-127"/>
-                        </a:rPr>
-                        <a:t>,</a:t>
-                      </a:r>
-                      <a:r>
-                        <a:rPr lang="ko-KR" altLang="en-US" sz="1800" dirty="0" smtClean="0">
-                          <a:latin typeface="새굴림" panose="02030600000101010101" pitchFamily="18" charset="-127"/>
-                          <a:ea typeface="새굴림" panose="02030600000101010101" pitchFamily="18" charset="-127"/>
-                        </a:rPr>
-                        <a:t>발주서</a:t>
-                      </a:r>
-                      <a:r>
-                        <a:rPr lang="en-US" altLang="ko-KR" sz="1800" dirty="0" smtClean="0">
-                          <a:latin typeface="새굴림" panose="02030600000101010101" pitchFamily="18" charset="-127"/>
-                          <a:ea typeface="새굴림" panose="02030600000101010101" pitchFamily="18" charset="-127"/>
-                        </a:rPr>
-                        <a:t>)</a:t>
-                      </a:r>
-                    </a:p>
-                  </a:txBody>
-                  <a:tcPr anchor="ctr">
-                    <a:solidFill>
-                      <a:schemeClr val="bg1"/>
-                    </a:solidFill>
-                  </a:tcPr>
-                </a:tc>
-                <a:extLst>
-                  <a:ext uri="{0D108BD9-81ED-4DB2-BD59-A6C34878D82A}">
-                    <a16:rowId xmlns="" xmlns:a16="http://schemas.microsoft.com/office/drawing/2014/main" val="1940163066"/>
-                  </a:ext>
-                </a:extLst>
-              </a:tr>
-              <a:tr h="182880">
-                <a:tc>
-                  <a:txBody>
-                    <a:bodyPr/>
-                    <a:lstStyle/>
-                    <a:p>
-                      <a:pPr marL="0" marR="0" indent="0" algn="ctr" defTabSz="914400" rtl="0" eaLnBrk="1" fontAlgn="auto" latinLnBrk="1" hangingPunct="1">
+                        <a:t>등록 버튼 클릭</a:t>
+                      </a:r>
+                      <a:endParaRPr lang="en-US" altLang="ko-KR" sz="1800" dirty="0" smtClean="0">
+                        <a:latin typeface="새굴림" panose="02030600000101010101" pitchFamily="18" charset="-127"/>
+                        <a:ea typeface="새굴림" panose="02030600000101010101" pitchFamily="18" charset="-127"/>
+                      </a:endParaRPr>
+                    </a:p>
+                  </a:txBody>
+                  <a:tcPr anchor="ctr">
+                    <a:solidFill>
+                      <a:schemeClr val="bg1"/>
+                    </a:solidFill>
+                  </a:tcPr>
+                </a:tc>
+                <a:tc>
+                  <a:txBody>
+                    <a:bodyPr/>
+                    <a:lstStyle/>
+                    <a:p>
+                      <a:pPr marL="0" marR="0" indent="0" algn="l" defTabSz="914400" rtl="0" eaLnBrk="1" fontAlgn="auto" latinLnBrk="1" hangingPunct="1">
                         <a:lnSpc>
                           <a:spcPct val="100000"/>
                         </a:lnSpc>
@@ -15024,7 +14934,100 @@
                           <a:latin typeface="새굴림" panose="02030600000101010101" pitchFamily="18" charset="-127"/>
                           <a:ea typeface="새굴림" panose="02030600000101010101" pitchFamily="18" charset="-127"/>
                         </a:rPr>
+                        <a:t>재고 </a:t>
+                      </a:r>
+                      <a:r>
+                        <a:rPr lang="ko-KR" altLang="en-US" sz="1800" dirty="0" smtClean="0">
+                          <a:latin typeface="새굴림" panose="02030600000101010101" pitchFamily="18" charset="-127"/>
+                          <a:ea typeface="새굴림" panose="02030600000101010101" pitchFamily="18" charset="-127"/>
+                        </a:rPr>
+                        <a:t>등록 후 </a:t>
+                      </a:r>
+                      <a:r>
+                        <a:rPr lang="ko-KR" altLang="en-US" sz="1800" dirty="0" smtClean="0">
+                          <a:latin typeface="새굴림" panose="02030600000101010101" pitchFamily="18" charset="-127"/>
+                          <a:ea typeface="새굴림" panose="02030600000101010101" pitchFamily="18" charset="-127"/>
+                        </a:rPr>
+                        <a:t>이전 화면으로 이동</a:t>
+                      </a:r>
+                      <a:r>
+                        <a:rPr lang="en-US" altLang="ko-KR" sz="1800" dirty="0" smtClean="0">
+                          <a:latin typeface="새굴림" panose="02030600000101010101" pitchFamily="18" charset="-127"/>
+                          <a:ea typeface="새굴림" panose="02030600000101010101" pitchFamily="18" charset="-127"/>
+                        </a:rPr>
+                        <a:t>(</a:t>
+                      </a:r>
+                      <a:r>
+                        <a:rPr lang="ko-KR" altLang="en-US" sz="1800" dirty="0" smtClean="0">
+                          <a:latin typeface="새굴림" panose="02030600000101010101" pitchFamily="18" charset="-127"/>
+                          <a:ea typeface="새굴림" panose="02030600000101010101" pitchFamily="18" charset="-127"/>
+                        </a:rPr>
                         <a:t>목록</a:t>
+                      </a:r>
+                      <a:r>
+                        <a:rPr lang="en-US" altLang="ko-KR" sz="1800" dirty="0" smtClean="0">
+                          <a:latin typeface="새굴림" panose="02030600000101010101" pitchFamily="18" charset="-127"/>
+                          <a:ea typeface="새굴림" panose="02030600000101010101" pitchFamily="18" charset="-127"/>
+                        </a:rPr>
+                        <a:t>,</a:t>
+                      </a:r>
+                      <a:r>
+                        <a:rPr lang="ko-KR" altLang="en-US" sz="1800" dirty="0" smtClean="0">
+                          <a:latin typeface="새굴림" panose="02030600000101010101" pitchFamily="18" charset="-127"/>
+                          <a:ea typeface="새굴림" panose="02030600000101010101" pitchFamily="18" charset="-127"/>
+                        </a:rPr>
+                        <a:t>발주서</a:t>
+                      </a:r>
+                      <a:r>
+                        <a:rPr lang="en-US" altLang="ko-KR" sz="1800" dirty="0" smtClean="0">
+                          <a:latin typeface="새굴림" panose="02030600000101010101" pitchFamily="18" charset="-127"/>
+                          <a:ea typeface="새굴림" panose="02030600000101010101" pitchFamily="18" charset="-127"/>
+                        </a:rPr>
+                        <a:t>)</a:t>
+                      </a:r>
+                    </a:p>
+                  </a:txBody>
+                  <a:tcPr anchor="ctr">
+                    <a:solidFill>
+                      <a:schemeClr val="bg1"/>
+                    </a:solidFill>
+                  </a:tcPr>
+                </a:tc>
+                <a:extLst>
+                  <a:ext uri="{0D108BD9-81ED-4DB2-BD59-A6C34878D82A}">
+                    <a16:rowId xmlns:a16="http://schemas.microsoft.com/office/drawing/2014/main" xmlns="" val="1940163066"/>
+                  </a:ext>
+                </a:extLst>
+              </a:tr>
+              <a:tr h="182880">
+                <a:tc>
+                  <a:txBody>
+                    <a:bodyPr/>
+                    <a:lstStyle/>
+                    <a:p>
+                      <a:pPr marL="0" marR="0" indent="0" algn="l" defTabSz="914400" rtl="0" eaLnBrk="1" fontAlgn="auto" latinLnBrk="1" hangingPunct="1">
+                        <a:lnSpc>
+                          <a:spcPct val="100000"/>
+                        </a:lnSpc>
+                        <a:spcBef>
+                          <a:spcPts val="0"/>
+                        </a:spcBef>
+                        <a:spcAft>
+                          <a:spcPts val="0"/>
+                        </a:spcAft>
+                        <a:buClrTx/>
+                        <a:buSzTx/>
+                        <a:buFontTx/>
+                        <a:buNone/>
+                        <a:tabLst/>
+                        <a:defRPr/>
+                      </a:pPr>
+                      <a:r>
+                        <a:rPr lang="ko-KR" altLang="en-US" sz="1800" dirty="0" smtClean="0">
+                          <a:latin typeface="새굴림" panose="02030600000101010101" pitchFamily="18" charset="-127"/>
+                          <a:ea typeface="새굴림" panose="02030600000101010101" pitchFamily="18" charset="-127"/>
+                        </a:rPr>
+                        <a:t>목록 버튼 클릭</a:t>
                       </a:r>
                       <a:endParaRPr lang="en-US" altLang="ko-KR" sz="1800" dirty="0" smtClean="0">
                         <a:latin typeface="새굴림" panose="02030600000101010101" pitchFamily="18" charset="-127"/>
@@ -15276,14 +15279,14 @@
             <p:ph idx="1"/>
             <p:extLst>
               <p:ext uri="{D42A27DB-BD31-4B8C-83A1-F6EECF244321}">
-                <p14:modId xmlns:p14="http://schemas.microsoft.com/office/powerpoint/2010/main" val="365060128"/>
+                <p14:modId xmlns:p14="http://schemas.microsoft.com/office/powerpoint/2010/main" val="1613922934"/>
               </p:ext>
             </p:extLst>
           </p:nvPr>
         </p:nvGraphicFramePr>
         <p:xfrm>
           <a:off x="838200" y="1825625"/>
-          <a:ext cx="10515600" cy="1838960"/>
+          <a:ext cx="10515600" cy="2570480"/>
         </p:xfrm>
         <a:graphic>
           <a:graphicData uri="http://schemas.openxmlformats.org/drawingml/2006/table">
@@ -15295,35 +15298,35 @@
                 <a:gridCol w="3257550">
                   <a:extLst>
                     <a:ext uri="{9D8B030D-6E8A-4147-A177-3AD203B41FA5}">
-                      <a16:colId xmlns="" xmlns:a16="http://schemas.microsoft.com/office/drawing/2014/main" val="2880723631"/>
+                      <a16:colId xmlns:a16="http://schemas.microsoft.com/office/drawing/2014/main" xmlns="" val="2880723631"/>
                     </a:ext>
                   </a:extLst>
                 </a:gridCol>
                 <a:gridCol w="2305050">
                   <a:extLst>
                     <a:ext uri="{9D8B030D-6E8A-4147-A177-3AD203B41FA5}">
-                      <a16:colId xmlns="" xmlns:a16="http://schemas.microsoft.com/office/drawing/2014/main" val="1222440865"/>
+                      <a16:colId xmlns:a16="http://schemas.microsoft.com/office/drawing/2014/main" xmlns="" val="1222440865"/>
                     </a:ext>
                   </a:extLst>
                 </a:gridCol>
                 <a:gridCol w="1685925">
                   <a:extLst>
                     <a:ext uri="{9D8B030D-6E8A-4147-A177-3AD203B41FA5}">
-                      <a16:colId xmlns="" xmlns:a16="http://schemas.microsoft.com/office/drawing/2014/main" val="1515085376"/>
+                      <a16:colId xmlns:a16="http://schemas.microsoft.com/office/drawing/2014/main" xmlns="" val="1515085376"/>
                     </a:ext>
                   </a:extLst>
                 </a:gridCol>
                 <a:gridCol w="1628775">
                   <a:extLst>
                     <a:ext uri="{9D8B030D-6E8A-4147-A177-3AD203B41FA5}">
-                      <a16:colId xmlns="" xmlns:a16="http://schemas.microsoft.com/office/drawing/2014/main" val="630274754"/>
+                      <a16:colId xmlns:a16="http://schemas.microsoft.com/office/drawing/2014/main" xmlns="" val="630274754"/>
                     </a:ext>
                   </a:extLst>
                 </a:gridCol>
                 <a:gridCol w="1638300">
                   <a:extLst>
                     <a:ext uri="{9D8B030D-6E8A-4147-A177-3AD203B41FA5}">
-                      <a16:colId xmlns="" xmlns:a16="http://schemas.microsoft.com/office/drawing/2014/main" val="1923971626"/>
+                      <a16:colId xmlns:a16="http://schemas.microsoft.com/office/drawing/2014/main" xmlns="" val="1923971626"/>
                     </a:ext>
                   </a:extLst>
                 </a:gridCol>
@@ -15350,7 +15353,7 @@
                       </a:endParaRPr>
                     </a:p>
                   </a:txBody>
-                  <a:tcPr anchor="ctr"/>
+                  <a:tcPr/>
                 </a:tc>
                 <a:tc>
                   <a:txBody>
@@ -15365,7 +15368,7 @@
                       <a:endParaRPr lang="ko-KR" altLang="en-US" sz="1800" dirty="0"/>
                     </a:p>
                   </a:txBody>
-                  <a:tcPr anchor="ctr"/>
+                  <a:tcPr/>
                 </a:tc>
                 <a:tc>
                   <a:txBody>
@@ -15380,7 +15383,7 @@
                       <a:endParaRPr lang="ko-KR" altLang="en-US" sz="1800" dirty="0"/>
                     </a:p>
                   </a:txBody>
-                  <a:tcPr anchor="ctr"/>
+                  <a:tcPr/>
                 </a:tc>
                 <a:tc>
                   <a:txBody>
@@ -15395,7 +15398,7 @@
                       <a:endParaRPr lang="ko-KR" altLang="en-US" sz="1800" dirty="0"/>
                     </a:p>
                   </a:txBody>
-                  <a:tcPr anchor="ctr"/>
+                  <a:tcPr/>
                 </a:tc>
                 <a:tc>
                   <a:txBody>
@@ -15410,16 +15413,16 @@
                       <a:endParaRPr lang="ko-KR" altLang="en-US" sz="1800" dirty="0"/>
                     </a:p>
                   </a:txBody>
-                  <a:tcPr anchor="ctr"/>
+                  <a:tcPr/>
                 </a:tc>
                 <a:extLst>
                   <a:ext uri="{0D108BD9-81ED-4DB2-BD59-A6C34878D82A}">
-                    <a16:rowId xmlns="" xmlns:a16="http://schemas.microsoft.com/office/drawing/2014/main" val="2058711828"/>
+                    <a16:rowId xmlns:a16="http://schemas.microsoft.com/office/drawing/2014/main" xmlns="" val="2058711828"/>
                   </a:ext>
                 </a:extLst>
               </a:tr>
               <a:tr h="370840">
-                <a:tc rowSpan="4">
+                <a:tc rowSpan="6">
                   <a:txBody>
                     <a:bodyPr/>
                     <a:lstStyle/>
@@ -15532,13 +15535,6 @@
                     <a:lstStyle/>
                     <a:p>
                       <a:pPr algn="ctr"/>
-                      <a:r>
-                        <a:rPr lang="en-US" altLang="ko-KR" sz="1800" dirty="0" smtClean="0">
-                          <a:latin typeface="새굴림" pitchFamily="18" charset="-127"/>
-                          <a:ea typeface="새굴림" pitchFamily="18" charset="-127"/>
-                        </a:rPr>
-                        <a:t>O</a:t>
-                      </a:r>
                       <a:endParaRPr lang="ko-KR" altLang="en-US" sz="1800" dirty="0">
                         <a:latin typeface="새굴림" pitchFamily="18" charset="-127"/>
                         <a:ea typeface="새굴림" pitchFamily="18" charset="-127"/>
@@ -15553,7 +15549,7 @@
                 </a:tc>
                 <a:extLst>
                   <a:ext uri="{0D108BD9-81ED-4DB2-BD59-A6C34878D82A}">
-                    <a16:rowId xmlns="" xmlns:a16="http://schemas.microsoft.com/office/drawing/2014/main" val="1940163066"/>
+                    <a16:rowId xmlns:a16="http://schemas.microsoft.com/office/drawing/2014/main" xmlns="" val="1940163066"/>
                   </a:ext>
                 </a:extLst>
               </a:tr>
@@ -15641,7 +15637,7 @@
                           <a:latin typeface="새굴림" pitchFamily="18" charset="-127"/>
                           <a:ea typeface="새굴림" pitchFamily="18" charset="-127"/>
                         </a:rPr>
-                        <a:t>50</a:t>
+                        <a:t>100</a:t>
                       </a:r>
                       <a:endParaRPr lang="ko-KR" altLang="en-US" sz="1800" dirty="0">
                         <a:latin typeface="새굴림" pitchFamily="18" charset="-127"/>
@@ -15661,13 +15657,6 @@
                     <a:lstStyle/>
                     <a:p>
                       <a:pPr algn="ctr" latinLnBrk="1"/>
-                      <a:r>
-                        <a:rPr lang="en-US" altLang="ko-KR" sz="1800" dirty="0" smtClean="0">
-                          <a:latin typeface="새굴림" pitchFamily="18" charset="-127"/>
-                          <a:ea typeface="새굴림" pitchFamily="18" charset="-127"/>
-                        </a:rPr>
-                        <a:t>O</a:t>
-                      </a:r>
                       <a:endParaRPr lang="ko-KR" altLang="en-US" sz="1800" dirty="0">
                         <a:latin typeface="새굴림" pitchFamily="18" charset="-127"/>
                         <a:ea typeface="새굴림" pitchFamily="18" charset="-127"/>
@@ -15682,7 +15671,7 @@
                 </a:tc>
                 <a:extLst>
                   <a:ext uri="{0D108BD9-81ED-4DB2-BD59-A6C34878D82A}">
-                    <a16:rowId xmlns="" xmlns:a16="http://schemas.microsoft.com/office/drawing/2014/main" val="1642501168"/>
+                    <a16:rowId xmlns:a16="http://schemas.microsoft.com/office/drawing/2014/main" xmlns="" val="1642501168"/>
                   </a:ext>
                 </a:extLst>
               </a:tr>
@@ -15786,13 +15775,6 @@
                     <a:lstStyle/>
                     <a:p>
                       <a:pPr algn="ctr" latinLnBrk="1"/>
-                      <a:r>
-                        <a:rPr lang="en-US" altLang="ko-KR" sz="1800" dirty="0" smtClean="0">
-                          <a:latin typeface="새굴림" pitchFamily="18" charset="-127"/>
-                          <a:ea typeface="새굴림" pitchFamily="18" charset="-127"/>
-                        </a:rPr>
-                        <a:t>X</a:t>
-                      </a:r>
                       <a:endParaRPr lang="ko-KR" altLang="en-US" sz="1800" dirty="0">
                         <a:latin typeface="새굴림" pitchFamily="18" charset="-127"/>
                         <a:ea typeface="새굴림" pitchFamily="18" charset="-127"/>
@@ -15806,7 +15788,7 @@
                   </a:tcPr>
                 </a:tc>
               </a:tr>
-              <a:tr h="181187">
+              <a:tr h="0">
                 <a:tc vMerge="1">
                   <a:txBody>
                     <a:bodyPr/>
@@ -15899,13 +15881,225 @@
                     <a:lstStyle/>
                     <a:p>
                       <a:pPr algn="ctr" latinLnBrk="1"/>
+                      <a:endParaRPr lang="ko-KR" altLang="en-US" sz="1800" dirty="0">
+                        <a:latin typeface="새굴림" pitchFamily="18" charset="-127"/>
+                        <a:ea typeface="새굴림" pitchFamily="18" charset="-127"/>
+                      </a:endParaRPr>
+                    </a:p>
+                  </a:txBody>
+                  <a:tcPr anchor="ctr">
+                    <a:solidFill>
+                      <a:schemeClr val="bg1"/>
+                    </a:solidFill>
+                  </a:tcPr>
+                </a:tc>
+              </a:tr>
+              <a:tr h="274320">
+                <a:tc vMerge="1">
+                  <a:txBody>
+                    <a:bodyPr/>
+                    <a:lstStyle/>
+                    <a:p>
+                      <a:pPr latinLnBrk="1"/>
+                      <a:endParaRPr lang="ko-KR" altLang="en-US"/>
+                    </a:p>
+                  </a:txBody>
+                  <a:tcPr/>
+                </a:tc>
+                <a:tc>
+                  <a:txBody>
+                    <a:bodyPr/>
+                    <a:lstStyle/>
+                    <a:p>
+                      <a:pPr algn="ctr" latinLnBrk="1"/>
+                      <a:r>
+                        <a:rPr lang="ko-KR" altLang="en-US" sz="1800" dirty="0" smtClean="0">
+                          <a:latin typeface="새굴림" pitchFamily="18" charset="-127"/>
+                          <a:ea typeface="새굴림" pitchFamily="18" charset="-127"/>
+                        </a:rPr>
+                        <a:t>재고 등록일</a:t>
+                      </a:r>
+                      <a:endParaRPr lang="ko-KR" altLang="en-US" sz="1800" dirty="0">
+                        <a:latin typeface="새굴림" pitchFamily="18" charset="-127"/>
+                        <a:ea typeface="새굴림" pitchFamily="18" charset="-127"/>
+                      </a:endParaRPr>
+                    </a:p>
+                  </a:txBody>
+                  <a:tcPr anchor="ctr">
+                    <a:solidFill>
+                      <a:schemeClr val="bg1"/>
+                    </a:solidFill>
+                  </a:tcPr>
+                </a:tc>
+                <a:tc>
+                  <a:txBody>
+                    <a:bodyPr/>
+                    <a:lstStyle/>
+                    <a:p>
+                      <a:pPr algn="ctr"/>
+                      <a:r>
+                        <a:rPr lang="ko-KR" altLang="en-US" sz="1800" dirty="0" smtClean="0">
+                          <a:latin typeface="새굴림" pitchFamily="18" charset="-127"/>
+                          <a:ea typeface="새굴림" pitchFamily="18" charset="-127"/>
+                        </a:rPr>
+                        <a:t>날짜</a:t>
+                      </a:r>
+                      <a:endParaRPr lang="ko-KR" altLang="en-US" sz="1800" dirty="0">
+                        <a:latin typeface="새굴림" pitchFamily="18" charset="-127"/>
+                        <a:ea typeface="새굴림" pitchFamily="18" charset="-127"/>
+                      </a:endParaRPr>
+                    </a:p>
+                  </a:txBody>
+                  <a:tcPr anchor="ctr">
+                    <a:solidFill>
+                      <a:schemeClr val="bg1"/>
+                    </a:solidFill>
+                  </a:tcPr>
+                </a:tc>
+                <a:tc>
+                  <a:txBody>
+                    <a:bodyPr/>
+                    <a:lstStyle/>
+                    <a:p>
+                      <a:pPr algn="ctr"/>
                       <a:r>
                         <a:rPr lang="en-US" altLang="ko-KR" sz="1800" dirty="0" smtClean="0">
                           <a:latin typeface="새굴림" pitchFamily="18" charset="-127"/>
                           <a:ea typeface="새굴림" pitchFamily="18" charset="-127"/>
                         </a:rPr>
-                        <a:t>X</a:t>
-                      </a:r>
+                        <a:t>8</a:t>
+                      </a:r>
+                      <a:endParaRPr lang="ko-KR" altLang="en-US" sz="1800" dirty="0">
+                        <a:latin typeface="새굴림" pitchFamily="18" charset="-127"/>
+                        <a:ea typeface="새굴림" pitchFamily="18" charset="-127"/>
+                      </a:endParaRPr>
+                    </a:p>
+                  </a:txBody>
+                  <a:tcPr anchor="ctr">
+                    <a:solidFill>
+                      <a:schemeClr val="bg1"/>
+                    </a:solidFill>
+                  </a:tcPr>
+                </a:tc>
+                <a:tc>
+                  <a:txBody>
+                    <a:bodyPr/>
+                    <a:lstStyle/>
+                    <a:p>
+                      <a:pPr algn="ctr" latinLnBrk="1"/>
+                      <a:endParaRPr lang="ko-KR" altLang="en-US" sz="1800" dirty="0">
+                        <a:latin typeface="새굴림" pitchFamily="18" charset="-127"/>
+                        <a:ea typeface="새굴림" pitchFamily="18" charset="-127"/>
+                      </a:endParaRPr>
+                    </a:p>
+                  </a:txBody>
+                  <a:tcPr anchor="ctr">
+                    <a:solidFill>
+                      <a:schemeClr val="bg1"/>
+                    </a:solidFill>
+                  </a:tcPr>
+                </a:tc>
+              </a:tr>
+              <a:tr h="182880">
+                <a:tc vMerge="1">
+                  <a:txBody>
+                    <a:bodyPr/>
+                    <a:lstStyle/>
+                    <a:p>
+                      <a:pPr latinLnBrk="1"/>
+                      <a:endParaRPr lang="ko-KR" altLang="en-US"/>
+                    </a:p>
+                  </a:txBody>
+                  <a:tcPr/>
+                </a:tc>
+                <a:tc>
+                  <a:txBody>
+                    <a:bodyPr/>
+                    <a:lstStyle/>
+                    <a:p>
+                      <a:pPr algn="ctr" latinLnBrk="1"/>
+                      <a:r>
+                        <a:rPr lang="ko-KR" altLang="en-US" sz="1800" dirty="0" smtClean="0">
+                          <a:latin typeface="새굴림" pitchFamily="18" charset="-127"/>
+                          <a:ea typeface="새굴림" pitchFamily="18" charset="-127"/>
+                        </a:rPr>
+                        <a:t>재고 품질</a:t>
+                      </a:r>
+                      <a:r>
+                        <a:rPr lang="en-US" altLang="ko-KR" sz="1800" dirty="0" smtClean="0">
+                          <a:latin typeface="새굴림" pitchFamily="18" charset="-127"/>
+                          <a:ea typeface="새굴림" pitchFamily="18" charset="-127"/>
+                        </a:rPr>
+                        <a:t>*</a:t>
+                      </a:r>
+                      <a:endParaRPr lang="ko-KR" altLang="en-US" sz="1800" dirty="0">
+                        <a:latin typeface="새굴림" pitchFamily="18" charset="-127"/>
+                        <a:ea typeface="새굴림" pitchFamily="18" charset="-127"/>
+                      </a:endParaRPr>
+                    </a:p>
+                  </a:txBody>
+                  <a:tcPr anchor="ctr">
+                    <a:solidFill>
+                      <a:schemeClr val="bg1"/>
+                    </a:solidFill>
+                  </a:tcPr>
+                </a:tc>
+                <a:tc>
+                  <a:txBody>
+                    <a:bodyPr/>
+                    <a:lstStyle/>
+                    <a:p>
+                      <a:pPr algn="ctr"/>
+                      <a:r>
+                        <a:rPr lang="ko-KR" altLang="en-US" sz="1800" dirty="0" smtClean="0">
+                          <a:latin typeface="새굴림" pitchFamily="18" charset="-127"/>
+                          <a:ea typeface="새굴림" pitchFamily="18" charset="-127"/>
+                        </a:rPr>
+                        <a:t>문자</a:t>
+                      </a:r>
+                      <a:endParaRPr lang="ko-KR" altLang="en-US" sz="1800" dirty="0">
+                        <a:latin typeface="새굴림" pitchFamily="18" charset="-127"/>
+                        <a:ea typeface="새굴림" pitchFamily="18" charset="-127"/>
+                      </a:endParaRPr>
+                    </a:p>
+                  </a:txBody>
+                  <a:tcPr anchor="ctr">
+                    <a:solidFill>
+                      <a:schemeClr val="bg1"/>
+                    </a:solidFill>
+                  </a:tcPr>
+                </a:tc>
+                <a:tc>
+                  <a:txBody>
+                    <a:bodyPr/>
+                    <a:lstStyle/>
+                    <a:p>
+                      <a:pPr algn="ctr"/>
+                      <a:r>
+                        <a:rPr lang="en-US" altLang="ko-KR" sz="1800" dirty="0" smtClean="0">
+                          <a:latin typeface="새굴림" pitchFamily="18" charset="-127"/>
+                          <a:ea typeface="새굴림" pitchFamily="18" charset="-127"/>
+                        </a:rPr>
+                        <a:t>10</a:t>
+                      </a:r>
+                      <a:endParaRPr lang="ko-KR" altLang="en-US" sz="1800" dirty="0">
+                        <a:latin typeface="새굴림" pitchFamily="18" charset="-127"/>
+                        <a:ea typeface="새굴림" pitchFamily="18" charset="-127"/>
+                      </a:endParaRPr>
+                    </a:p>
+                  </a:txBody>
+                  <a:tcPr anchor="ctr">
+                    <a:solidFill>
+                      <a:schemeClr val="bg1"/>
+                    </a:solidFill>
+                  </a:tcPr>
+                </a:tc>
+                <a:tc>
+                  <a:txBody>
+                    <a:bodyPr/>
+                    <a:lstStyle/>
+                    <a:p>
+                      <a:pPr algn="ctr" latinLnBrk="1"/>
                       <a:endParaRPr lang="ko-KR" altLang="en-US" sz="1800" dirty="0">
                         <a:latin typeface="새굴림" pitchFamily="18" charset="-127"/>
                         <a:ea typeface="새굴림" pitchFamily="18" charset="-127"/>
@@ -15932,13 +16126,13 @@
           <p:nvPr>
             <p:extLst>
               <p:ext uri="{D42A27DB-BD31-4B8C-83A1-F6EECF244321}">
-                <p14:modId xmlns:p14="http://schemas.microsoft.com/office/powerpoint/2010/main" val="1244358124"/>
+                <p14:modId xmlns:p14="http://schemas.microsoft.com/office/powerpoint/2010/main" val="3243681267"/>
               </p:ext>
             </p:extLst>
           </p:nvPr>
         </p:nvGraphicFramePr>
         <p:xfrm>
-          <a:off x="838200" y="4810760"/>
+          <a:off x="838200" y="5387031"/>
           <a:ext cx="10515600" cy="1102360"/>
         </p:xfrm>
         <a:graphic>
@@ -15951,14 +16145,14 @@
                 <a:gridCol w="3286125">
                   <a:extLst>
                     <a:ext uri="{9D8B030D-6E8A-4147-A177-3AD203B41FA5}">
-                      <a16:colId xmlns="" xmlns:a16="http://schemas.microsoft.com/office/drawing/2014/main" val="2880723631"/>
+                      <a16:colId xmlns:a16="http://schemas.microsoft.com/office/drawing/2014/main" xmlns="" val="2880723631"/>
                     </a:ext>
                   </a:extLst>
                 </a:gridCol>
                 <a:gridCol w="7229475">
                   <a:extLst>
                     <a:ext uri="{9D8B030D-6E8A-4147-A177-3AD203B41FA5}">
-                      <a16:colId xmlns="" xmlns:a16="http://schemas.microsoft.com/office/drawing/2014/main" val="1222440865"/>
+                      <a16:colId xmlns:a16="http://schemas.microsoft.com/office/drawing/2014/main" xmlns="" val="1222440865"/>
                     </a:ext>
                   </a:extLst>
                 </a:gridCol>
@@ -16004,52 +16198,11 @@
                 </a:tc>
                 <a:extLst>
                   <a:ext uri="{0D108BD9-81ED-4DB2-BD59-A6C34878D82A}">
-                    <a16:rowId xmlns="" xmlns:a16="http://schemas.microsoft.com/office/drawing/2014/main" val="2058711828"/>
+                    <a16:rowId xmlns:a16="http://schemas.microsoft.com/office/drawing/2014/main" xmlns="" val="2058711828"/>
                   </a:ext>
                 </a:extLst>
               </a:tr>
               <a:tr h="231723">
-                <a:tc>
-                  <a:txBody>
-                    <a:bodyPr/>
-                    <a:lstStyle/>
-                    <a:p>
-                      <a:pPr marL="0" marR="0" indent="0" algn="ctr" defTabSz="914400" rtl="0" eaLnBrk="1" fontAlgn="auto" latinLnBrk="1" hangingPunct="1">
-                        <a:lnSpc>
-                          <a:spcPct val="100000"/>
-                        </a:lnSpc>
-                        <a:spcBef>
-                          <a:spcPts val="0"/>
-                        </a:spcBef>
-                        <a:spcAft>
-                          <a:spcPts val="0"/>
-                        </a:spcAft>
-                        <a:buClrTx/>
-                        <a:buSzTx/>
-                        <a:buFontTx/>
-                        <a:buNone/>
-                        <a:tabLst/>
-                        <a:defRPr/>
-                      </a:pPr>
-                      <a:r>
-                        <a:rPr lang="ko-KR" altLang="en-US" sz="1800" dirty="0" smtClean="0">
-                          <a:latin typeface="새굴림" panose="02030600000101010101" pitchFamily="18" charset="-127"/>
-                          <a:ea typeface="새굴림" panose="02030600000101010101" pitchFamily="18" charset="-127"/>
-                        </a:rPr>
-                        <a:t>수정</a:t>
-                      </a:r>
-                      <a:endParaRPr lang="en-US" altLang="ko-KR" sz="1800" dirty="0" smtClean="0">
-                        <a:latin typeface="새굴림" panose="02030600000101010101" pitchFamily="18" charset="-127"/>
-                        <a:ea typeface="새굴림" panose="02030600000101010101" pitchFamily="18" charset="-127"/>
-                      </a:endParaRPr>
-                    </a:p>
-                  </a:txBody>
-                  <a:tcPr anchor="ctr">
-                    <a:solidFill>
-                      <a:schemeClr val="bg1"/>
-                    </a:solidFill>
-                  </a:tcPr>
-                </a:tc>
                 <a:tc>
                   <a:txBody>
                     <a:bodyPr/>
@@ -16077,7 +16230,7 @@
                           <a:latin typeface="새굴림" panose="02030600000101010101" pitchFamily="18" charset="-127"/>
                           <a:ea typeface="새굴림" panose="02030600000101010101" pitchFamily="18" charset="-127"/>
                         </a:rPr>
-                        <a:t>재고 수정 화면으로 이동</a:t>
+                        <a:t>수정 버튼 클릭</a:t>
                       </a:r>
                       <a:endParaRPr lang="en-US" altLang="ko-KR" sz="1800" dirty="0" smtClean="0">
                         <a:latin typeface="새굴림" panose="02030600000101010101" pitchFamily="18" charset="-127"/>
@@ -16091,19 +16244,12 @@
                     </a:solidFill>
                   </a:tcPr>
                 </a:tc>
-                <a:extLst>
-                  <a:ext uri="{0D108BD9-81ED-4DB2-BD59-A6C34878D82A}">
-                    <a16:rowId xmlns="" xmlns:a16="http://schemas.microsoft.com/office/drawing/2014/main" val="1940163066"/>
-                  </a:ext>
-                </a:extLst>
-              </a:tr>
-              <a:tr h="304285">
-                <a:tc>
-                  <a:txBody>
-                    <a:bodyPr/>
-                    <a:lstStyle/>
-                    <a:p>
-                      <a:pPr marL="0" marR="0" indent="0" algn="ctr" defTabSz="914400" rtl="0" eaLnBrk="1" fontAlgn="auto" latinLnBrk="1" hangingPunct="1">
+                <a:tc>
+                  <a:txBody>
+                    <a:bodyPr/>
+                    <a:lstStyle/>
+                    <a:p>
+                      <a:pPr marL="0" marR="0" indent="0" algn="l" defTabSz="914400" rtl="0" eaLnBrk="1" fontAlgn="auto" latinLnBrk="1" hangingPunct="1">
                         <a:lnSpc>
                           <a:spcPct val="100000"/>
                         </a:lnSpc>
@@ -16125,7 +16271,55 @@
                           <a:latin typeface="새굴림" panose="02030600000101010101" pitchFamily="18" charset="-127"/>
                           <a:ea typeface="새굴림" panose="02030600000101010101" pitchFamily="18" charset="-127"/>
                         </a:rPr>
-                        <a:t>목록</a:t>
+                        <a:t>재고 수정 화면으로 이동</a:t>
+                      </a:r>
+                      <a:endParaRPr lang="en-US" altLang="ko-KR" sz="1800" dirty="0" smtClean="0">
+                        <a:latin typeface="새굴림" panose="02030600000101010101" pitchFamily="18" charset="-127"/>
+                        <a:ea typeface="새굴림" panose="02030600000101010101" pitchFamily="18" charset="-127"/>
+                      </a:endParaRPr>
+                    </a:p>
+                  </a:txBody>
+                  <a:tcPr anchor="ctr">
+                    <a:solidFill>
+                      <a:schemeClr val="bg1"/>
+                    </a:solidFill>
+                  </a:tcPr>
+                </a:tc>
+                <a:extLst>
+                  <a:ext uri="{0D108BD9-81ED-4DB2-BD59-A6C34878D82A}">
+                    <a16:rowId xmlns:a16="http://schemas.microsoft.com/office/drawing/2014/main" xmlns="" val="1940163066"/>
+                  </a:ext>
+                </a:extLst>
+              </a:tr>
+              <a:tr h="304285">
+                <a:tc>
+                  <a:txBody>
+                    <a:bodyPr/>
+                    <a:lstStyle/>
+                    <a:p>
+                      <a:pPr marL="0" marR="0" indent="0" algn="l" defTabSz="914400" rtl="0" eaLnBrk="1" fontAlgn="auto" latinLnBrk="1" hangingPunct="1">
+                        <a:lnSpc>
+                          <a:spcPct val="100000"/>
+                        </a:lnSpc>
+                        <a:spcBef>
+                          <a:spcPts val="0"/>
+                        </a:spcBef>
+                        <a:spcAft>
+                          <a:spcPts val="0"/>
+                        </a:spcAft>
+                        <a:buClrTx/>
+                        <a:buSzTx/>
+                        <a:buFontTx/>
+                        <a:buNone/>
+                        <a:tabLst/>
+                        <a:defRPr/>
+                      </a:pPr>
+                      <a:r>
+                        <a:rPr lang="ko-KR" altLang="en-US" sz="1800" dirty="0" smtClean="0">
+                          <a:latin typeface="새굴림" panose="02030600000101010101" pitchFamily="18" charset="-127"/>
+                          <a:ea typeface="새굴림" panose="02030600000101010101" pitchFamily="18" charset="-127"/>
+                        </a:rPr>
+                        <a:t>목록 버튼 클릭</a:t>
                       </a:r>
                       <a:endParaRPr lang="en-US" altLang="ko-KR" sz="1800" dirty="0" smtClean="0">
                         <a:latin typeface="새굴림" panose="02030600000101010101" pitchFamily="18" charset="-127"/>
@@ -16391,7 +16585,7 @@
             <p:ph idx="1"/>
             <p:extLst>
               <p:ext uri="{D42A27DB-BD31-4B8C-83A1-F6EECF244321}">
-                <p14:modId xmlns:p14="http://schemas.microsoft.com/office/powerpoint/2010/main" val="217069540"/>
+                <p14:modId xmlns:p14="http://schemas.microsoft.com/office/powerpoint/2010/main" val="933195481"/>
               </p:ext>
             </p:extLst>
           </p:nvPr>
@@ -16410,35 +16604,35 @@
                 <a:gridCol w="3257550">
                   <a:extLst>
                     <a:ext uri="{9D8B030D-6E8A-4147-A177-3AD203B41FA5}">
-                      <a16:colId xmlns="" xmlns:a16="http://schemas.microsoft.com/office/drawing/2014/main" val="2880723631"/>
+                      <a16:colId xmlns:a16="http://schemas.microsoft.com/office/drawing/2014/main" xmlns="" val="2880723631"/>
                     </a:ext>
                   </a:extLst>
                 </a:gridCol>
                 <a:gridCol w="2305050">
                   <a:extLst>
                     <a:ext uri="{9D8B030D-6E8A-4147-A177-3AD203B41FA5}">
-                      <a16:colId xmlns="" xmlns:a16="http://schemas.microsoft.com/office/drawing/2014/main" val="1222440865"/>
+                      <a16:colId xmlns:a16="http://schemas.microsoft.com/office/drawing/2014/main" xmlns="" val="1222440865"/>
                     </a:ext>
                   </a:extLst>
                 </a:gridCol>
                 <a:gridCol w="1685925">
                   <a:extLst>
                     <a:ext uri="{9D8B030D-6E8A-4147-A177-3AD203B41FA5}">
-                      <a16:colId xmlns="" xmlns:a16="http://schemas.microsoft.com/office/drawing/2014/main" val="1515085376"/>
+                      <a16:colId xmlns:a16="http://schemas.microsoft.com/office/drawing/2014/main" xmlns="" val="1515085376"/>
                     </a:ext>
                   </a:extLst>
                 </a:gridCol>
                 <a:gridCol w="1628775">
                   <a:extLst>
                     <a:ext uri="{9D8B030D-6E8A-4147-A177-3AD203B41FA5}">
-                      <a16:colId xmlns="" xmlns:a16="http://schemas.microsoft.com/office/drawing/2014/main" val="630274754"/>
+                      <a16:colId xmlns:a16="http://schemas.microsoft.com/office/drawing/2014/main" xmlns="" val="630274754"/>
                     </a:ext>
                   </a:extLst>
                 </a:gridCol>
                 <a:gridCol w="1638300">
                   <a:extLst>
                     <a:ext uri="{9D8B030D-6E8A-4147-A177-3AD203B41FA5}">
-                      <a16:colId xmlns="" xmlns:a16="http://schemas.microsoft.com/office/drawing/2014/main" val="1923971626"/>
+                      <a16:colId xmlns:a16="http://schemas.microsoft.com/office/drawing/2014/main" xmlns="" val="1923971626"/>
                     </a:ext>
                   </a:extLst>
                 </a:gridCol>
@@ -16465,7 +16659,7 @@
                       </a:endParaRPr>
                     </a:p>
                   </a:txBody>
-                  <a:tcPr anchor="ctr"/>
+                  <a:tcPr/>
                 </a:tc>
                 <a:tc>
                   <a:txBody>
@@ -16480,7 +16674,7 @@
                       <a:endParaRPr lang="ko-KR" altLang="en-US" sz="1800" dirty="0"/>
                     </a:p>
                   </a:txBody>
-                  <a:tcPr anchor="ctr"/>
+                  <a:tcPr/>
                 </a:tc>
                 <a:tc>
                   <a:txBody>
@@ -16495,7 +16689,7 @@
                       <a:endParaRPr lang="ko-KR" altLang="en-US" sz="1800" dirty="0"/>
                     </a:p>
                   </a:txBody>
-                  <a:tcPr anchor="ctr"/>
+                  <a:tcPr/>
                 </a:tc>
                 <a:tc>
                   <a:txBody>
@@ -16510,7 +16704,7 @@
                       <a:endParaRPr lang="ko-KR" altLang="en-US" sz="1800" dirty="0"/>
                     </a:p>
                   </a:txBody>
-                  <a:tcPr anchor="ctr"/>
+                  <a:tcPr/>
                 </a:tc>
                 <a:tc>
                   <a:txBody>
@@ -16525,11 +16719,11 @@
                       <a:endParaRPr lang="ko-KR" altLang="en-US" sz="1800" dirty="0"/>
                     </a:p>
                   </a:txBody>
-                  <a:tcPr anchor="ctr"/>
+                  <a:tcPr/>
                 </a:tc>
                 <a:extLst>
                   <a:ext uri="{0D108BD9-81ED-4DB2-BD59-A6C34878D82A}">
-                    <a16:rowId xmlns="" xmlns:a16="http://schemas.microsoft.com/office/drawing/2014/main" val="2058711828"/>
+                    <a16:rowId xmlns:a16="http://schemas.microsoft.com/office/drawing/2014/main" xmlns="" val="2058711828"/>
                   </a:ext>
                 </a:extLst>
               </a:tr>
@@ -16648,11 +16842,11 @@
                     <a:p>
                       <a:pPr algn="ctr"/>
                       <a:r>
-                        <a:rPr lang="en-US" altLang="ko-KR" sz="1800" dirty="0" smtClean="0">
-                          <a:latin typeface="새굴림" pitchFamily="18" charset="-127"/>
-                          <a:ea typeface="새굴림" pitchFamily="18" charset="-127"/>
-                        </a:rPr>
-                        <a:t>O</a:t>
+                        <a:rPr lang="ko-KR" altLang="en-US" sz="1800" dirty="0" smtClean="0">
+                          <a:latin typeface="새굴림" pitchFamily="18" charset="-127"/>
+                          <a:ea typeface="새굴림" pitchFamily="18" charset="-127"/>
+                        </a:rPr>
+                        <a:t>필수</a:t>
                       </a:r>
                       <a:endParaRPr lang="ko-KR" altLang="en-US" sz="1800" dirty="0">
                         <a:latin typeface="새굴림" pitchFamily="18" charset="-127"/>
@@ -16668,7 +16862,7 @@
                 </a:tc>
                 <a:extLst>
                   <a:ext uri="{0D108BD9-81ED-4DB2-BD59-A6C34878D82A}">
-                    <a16:rowId xmlns="" xmlns:a16="http://schemas.microsoft.com/office/drawing/2014/main" val="1940163066"/>
+                    <a16:rowId xmlns:a16="http://schemas.microsoft.com/office/drawing/2014/main" xmlns="" val="1940163066"/>
                   </a:ext>
                 </a:extLst>
               </a:tr>
@@ -16756,7 +16950,7 @@
                           <a:latin typeface="새굴림" pitchFamily="18" charset="-127"/>
                           <a:ea typeface="새굴림" pitchFamily="18" charset="-127"/>
                         </a:rPr>
-                        <a:t>50</a:t>
+                        <a:t>100</a:t>
                       </a:r>
                       <a:endParaRPr lang="ko-KR" altLang="en-US" sz="1800" dirty="0">
                         <a:latin typeface="새굴림" pitchFamily="18" charset="-127"/>
@@ -16777,11 +16971,11 @@
                     <a:p>
                       <a:pPr algn="ctr" latinLnBrk="1"/>
                       <a:r>
-                        <a:rPr lang="en-US" altLang="ko-KR" sz="1800" dirty="0" smtClean="0">
-                          <a:latin typeface="새굴림" pitchFamily="18" charset="-127"/>
-                          <a:ea typeface="새굴림" pitchFamily="18" charset="-127"/>
-                        </a:rPr>
-                        <a:t>O</a:t>
+                        <a:rPr lang="ko-KR" altLang="en-US" sz="1800" dirty="0" smtClean="0">
+                          <a:latin typeface="새굴림" pitchFamily="18" charset="-127"/>
+                          <a:ea typeface="새굴림" pitchFamily="18" charset="-127"/>
+                        </a:rPr>
+                        <a:t>필수</a:t>
                       </a:r>
                       <a:endParaRPr lang="ko-KR" altLang="en-US" sz="1800" dirty="0">
                         <a:latin typeface="새굴림" pitchFamily="18" charset="-127"/>
@@ -16797,7 +16991,7 @@
                 </a:tc>
                 <a:extLst>
                   <a:ext uri="{0D108BD9-81ED-4DB2-BD59-A6C34878D82A}">
-                    <a16:rowId xmlns="" xmlns:a16="http://schemas.microsoft.com/office/drawing/2014/main" val="1642501168"/>
+                    <a16:rowId xmlns:a16="http://schemas.microsoft.com/office/drawing/2014/main" xmlns="" val="1642501168"/>
                   </a:ext>
                 </a:extLst>
               </a:tr>
@@ -16901,13 +17095,6 @@
                     <a:lstStyle/>
                     <a:p>
                       <a:pPr algn="ctr" latinLnBrk="1"/>
-                      <a:r>
-                        <a:rPr lang="en-US" altLang="ko-KR" sz="1800" dirty="0" smtClean="0">
-                          <a:latin typeface="새굴림" pitchFamily="18" charset="-127"/>
-                          <a:ea typeface="새굴림" pitchFamily="18" charset="-127"/>
-                        </a:rPr>
-                        <a:t>X</a:t>
-                      </a:r>
                       <a:endParaRPr lang="ko-KR" altLang="en-US" sz="1800" dirty="0">
                         <a:latin typeface="새굴림" pitchFamily="18" charset="-127"/>
                         <a:ea typeface="새굴림" pitchFamily="18" charset="-127"/>
@@ -17014,13 +17201,6 @@
                     <a:lstStyle/>
                     <a:p>
                       <a:pPr algn="ctr" latinLnBrk="1"/>
-                      <a:r>
-                        <a:rPr lang="en-US" altLang="ko-KR" sz="1800" dirty="0" smtClean="0">
-                          <a:latin typeface="새굴림" pitchFamily="18" charset="-127"/>
-                          <a:ea typeface="새굴림" pitchFamily="18" charset="-127"/>
-                        </a:rPr>
-                        <a:t>X</a:t>
-                      </a:r>
                       <a:endParaRPr lang="ko-KR" altLang="en-US" sz="1800" dirty="0">
                         <a:latin typeface="새굴림" pitchFamily="18" charset="-127"/>
                         <a:ea typeface="새굴림" pitchFamily="18" charset="-127"/>
@@ -17047,13 +17227,13 @@
           <p:nvPr>
             <p:extLst>
               <p:ext uri="{D42A27DB-BD31-4B8C-83A1-F6EECF244321}">
-                <p14:modId xmlns:p14="http://schemas.microsoft.com/office/powerpoint/2010/main" val="171751281"/>
+                <p14:modId xmlns:p14="http://schemas.microsoft.com/office/powerpoint/2010/main" val="3384401131"/>
               </p:ext>
             </p:extLst>
           </p:nvPr>
         </p:nvGraphicFramePr>
         <p:xfrm>
-          <a:off x="838200" y="4810760"/>
+          <a:off x="838200" y="5387031"/>
           <a:ext cx="10515600" cy="1102360"/>
         </p:xfrm>
         <a:graphic>
@@ -17066,14 +17246,14 @@
                 <a:gridCol w="3286125">
                   <a:extLst>
                     <a:ext uri="{9D8B030D-6E8A-4147-A177-3AD203B41FA5}">
-                      <a16:colId xmlns="" xmlns:a16="http://schemas.microsoft.com/office/drawing/2014/main" val="2880723631"/>
+                      <a16:colId xmlns:a16="http://schemas.microsoft.com/office/drawing/2014/main" xmlns="" val="2880723631"/>
                     </a:ext>
                   </a:extLst>
                 </a:gridCol>
                 <a:gridCol w="7229475">
                   <a:extLst>
                     <a:ext uri="{9D8B030D-6E8A-4147-A177-3AD203B41FA5}">
-                      <a16:colId xmlns="" xmlns:a16="http://schemas.microsoft.com/office/drawing/2014/main" val="1222440865"/>
+                      <a16:colId xmlns:a16="http://schemas.microsoft.com/office/drawing/2014/main" xmlns="" val="1222440865"/>
                     </a:ext>
                   </a:extLst>
                 </a:gridCol>
@@ -17119,52 +17299,11 @@
                 </a:tc>
                 <a:extLst>
                   <a:ext uri="{0D108BD9-81ED-4DB2-BD59-A6C34878D82A}">
-                    <a16:rowId xmlns="" xmlns:a16="http://schemas.microsoft.com/office/drawing/2014/main" val="2058711828"/>
+                    <a16:rowId xmlns:a16="http://schemas.microsoft.com/office/drawing/2014/main" xmlns="" val="2058711828"/>
                   </a:ext>
                 </a:extLst>
               </a:tr>
               <a:tr h="231723">
-                <a:tc>
-                  <a:txBody>
-                    <a:bodyPr/>
-                    <a:lstStyle/>
-                    <a:p>
-                      <a:pPr marL="0" marR="0" indent="0" algn="ctr" defTabSz="914400" rtl="0" eaLnBrk="1" fontAlgn="auto" latinLnBrk="1" hangingPunct="1">
-                        <a:lnSpc>
-                          <a:spcPct val="100000"/>
-                        </a:lnSpc>
-                        <a:spcBef>
-                          <a:spcPts val="0"/>
-                        </a:spcBef>
-                        <a:spcAft>
-                          <a:spcPts val="0"/>
-                        </a:spcAft>
-                        <a:buClrTx/>
-                        <a:buSzTx/>
-                        <a:buFontTx/>
-                        <a:buNone/>
-                        <a:tabLst/>
-                        <a:defRPr/>
-                      </a:pPr>
-                      <a:r>
-                        <a:rPr lang="ko-KR" altLang="en-US" sz="1800" dirty="0" smtClean="0">
-                          <a:latin typeface="새굴림" panose="02030600000101010101" pitchFamily="18" charset="-127"/>
-                          <a:ea typeface="새굴림" panose="02030600000101010101" pitchFamily="18" charset="-127"/>
-                        </a:rPr>
-                        <a:t>수정</a:t>
-                      </a:r>
-                      <a:endParaRPr lang="en-US" altLang="ko-KR" sz="1800" dirty="0" smtClean="0">
-                        <a:latin typeface="새굴림" panose="02030600000101010101" pitchFamily="18" charset="-127"/>
-                        <a:ea typeface="새굴림" panose="02030600000101010101" pitchFamily="18" charset="-127"/>
-                      </a:endParaRPr>
-                    </a:p>
-                  </a:txBody>
-                  <a:tcPr anchor="ctr">
-                    <a:solidFill>
-                      <a:schemeClr val="bg1"/>
-                    </a:solidFill>
-                  </a:tcPr>
-                </a:tc>
                 <a:tc>
                   <a:txBody>
                     <a:bodyPr/>
@@ -17192,7 +17331,7 @@
                           <a:latin typeface="새굴림" panose="02030600000101010101" pitchFamily="18" charset="-127"/>
                           <a:ea typeface="새굴림" panose="02030600000101010101" pitchFamily="18" charset="-127"/>
                         </a:rPr>
-                        <a:t>재고 수정 후 재고 조회 화면으로 이동</a:t>
+                        <a:t>수정 버튼 클릭</a:t>
                       </a:r>
                       <a:endParaRPr lang="en-US" altLang="ko-KR" sz="1800" dirty="0" smtClean="0">
                         <a:latin typeface="새굴림" panose="02030600000101010101" pitchFamily="18" charset="-127"/>
@@ -17206,19 +17345,12 @@
                     </a:solidFill>
                   </a:tcPr>
                 </a:tc>
-                <a:extLst>
-                  <a:ext uri="{0D108BD9-81ED-4DB2-BD59-A6C34878D82A}">
-                    <a16:rowId xmlns="" xmlns:a16="http://schemas.microsoft.com/office/drawing/2014/main" val="1940163066"/>
-                  </a:ext>
-                </a:extLst>
-              </a:tr>
-              <a:tr h="304285">
-                <a:tc>
-                  <a:txBody>
-                    <a:bodyPr/>
-                    <a:lstStyle/>
-                    <a:p>
-                      <a:pPr marL="0" marR="0" indent="0" algn="ctr" defTabSz="914400" rtl="0" eaLnBrk="1" fontAlgn="auto" latinLnBrk="1" hangingPunct="1">
+                <a:tc>
+                  <a:txBody>
+                    <a:bodyPr/>
+                    <a:lstStyle/>
+                    <a:p>
+                      <a:pPr marL="0" marR="0" indent="0" algn="l" defTabSz="914400" rtl="0" eaLnBrk="1" fontAlgn="auto" latinLnBrk="1" hangingPunct="1">
                         <a:lnSpc>
                           <a:spcPct val="100000"/>
                         </a:lnSpc>
@@ -17240,7 +17372,55 @@
                           <a:latin typeface="새굴림" panose="02030600000101010101" pitchFamily="18" charset="-127"/>
                           <a:ea typeface="새굴림" panose="02030600000101010101" pitchFamily="18" charset="-127"/>
                         </a:rPr>
-                        <a:t>닫기</a:t>
+                        <a:t>재고 수정 후 재고 조회 화면으로 이동</a:t>
+                      </a:r>
+                      <a:endParaRPr lang="en-US" altLang="ko-KR" sz="1800" dirty="0" smtClean="0">
+                        <a:latin typeface="새굴림" panose="02030600000101010101" pitchFamily="18" charset="-127"/>
+                        <a:ea typeface="새굴림" panose="02030600000101010101" pitchFamily="18" charset="-127"/>
+                      </a:endParaRPr>
+                    </a:p>
+                  </a:txBody>
+                  <a:tcPr anchor="ctr">
+                    <a:solidFill>
+                      <a:schemeClr val="bg1"/>
+                    </a:solidFill>
+                  </a:tcPr>
+                </a:tc>
+                <a:extLst>
+                  <a:ext uri="{0D108BD9-81ED-4DB2-BD59-A6C34878D82A}">
+                    <a16:rowId xmlns:a16="http://schemas.microsoft.com/office/drawing/2014/main" xmlns="" val="1940163066"/>
+                  </a:ext>
+                </a:extLst>
+              </a:tr>
+              <a:tr h="304285">
+                <a:tc>
+                  <a:txBody>
+                    <a:bodyPr/>
+                    <a:lstStyle/>
+                    <a:p>
+                      <a:pPr marL="0" marR="0" indent="0" algn="l" defTabSz="914400" rtl="0" eaLnBrk="1" fontAlgn="auto" latinLnBrk="1" hangingPunct="1">
+                        <a:lnSpc>
+                          <a:spcPct val="100000"/>
+                        </a:lnSpc>
+                        <a:spcBef>
+                          <a:spcPts val="0"/>
+                        </a:spcBef>
+                        <a:spcAft>
+                          <a:spcPts val="0"/>
+                        </a:spcAft>
+                        <a:buClrTx/>
+                        <a:buSzTx/>
+                        <a:buFontTx/>
+                        <a:buNone/>
+                        <a:tabLst/>
+                        <a:defRPr/>
+                      </a:pPr>
+                      <a:r>
+                        <a:rPr lang="ko-KR" altLang="en-US" sz="1800" dirty="0" smtClean="0">
+                          <a:latin typeface="새굴림" panose="02030600000101010101" pitchFamily="18" charset="-127"/>
+                          <a:ea typeface="새굴림" panose="02030600000101010101" pitchFamily="18" charset="-127"/>
+                        </a:rPr>
+                        <a:t>닫기 버튼 클릭</a:t>
                       </a:r>
                       <a:endParaRPr lang="en-US" altLang="ko-KR" sz="1800" dirty="0" smtClean="0">
                         <a:latin typeface="새굴림" panose="02030600000101010101" pitchFamily="18" charset="-127"/>
@@ -17499,7 +17679,7 @@
             <p:ph idx="1"/>
             <p:extLst>
               <p:ext uri="{D42A27DB-BD31-4B8C-83A1-F6EECF244321}">
-                <p14:modId xmlns:p14="http://schemas.microsoft.com/office/powerpoint/2010/main" val="4274038375"/>
+                <p14:modId xmlns:p14="http://schemas.microsoft.com/office/powerpoint/2010/main" val="2035003731"/>
               </p:ext>
             </p:extLst>
           </p:nvPr>
@@ -17518,40 +17698,40 @@
                 <a:gridCol w="3257550">
                   <a:extLst>
                     <a:ext uri="{9D8B030D-6E8A-4147-A177-3AD203B41FA5}">
-                      <a16:colId xmlns="" xmlns:a16="http://schemas.microsoft.com/office/drawing/2014/main" val="2880723631"/>
+                      <a16:colId xmlns:a16="http://schemas.microsoft.com/office/drawing/2014/main" xmlns="" val="2880723631"/>
                     </a:ext>
                   </a:extLst>
                 </a:gridCol>
                 <a:gridCol w="2305050">
                   <a:extLst>
                     <a:ext uri="{9D8B030D-6E8A-4147-A177-3AD203B41FA5}">
-                      <a16:colId xmlns="" xmlns:a16="http://schemas.microsoft.com/office/drawing/2014/main" val="1222440865"/>
+                      <a16:colId xmlns:a16="http://schemas.microsoft.com/office/drawing/2014/main" xmlns="" val="1222440865"/>
                     </a:ext>
                   </a:extLst>
                 </a:gridCol>
                 <a:gridCol w="1685925">
                   <a:extLst>
                     <a:ext uri="{9D8B030D-6E8A-4147-A177-3AD203B41FA5}">
-                      <a16:colId xmlns="" xmlns:a16="http://schemas.microsoft.com/office/drawing/2014/main" val="1515085376"/>
+                      <a16:colId xmlns:a16="http://schemas.microsoft.com/office/drawing/2014/main" xmlns="" val="1515085376"/>
                     </a:ext>
                   </a:extLst>
                 </a:gridCol>
                 <a:gridCol w="1628775">
                   <a:extLst>
                     <a:ext uri="{9D8B030D-6E8A-4147-A177-3AD203B41FA5}">
-                      <a16:colId xmlns="" xmlns:a16="http://schemas.microsoft.com/office/drawing/2014/main" val="630274754"/>
+                      <a16:colId xmlns:a16="http://schemas.microsoft.com/office/drawing/2014/main" xmlns="" val="630274754"/>
                     </a:ext>
                   </a:extLst>
                 </a:gridCol>
                 <a:gridCol w="1638300">
                   <a:extLst>
                     <a:ext uri="{9D8B030D-6E8A-4147-A177-3AD203B41FA5}">
-                      <a16:colId xmlns="" xmlns:a16="http://schemas.microsoft.com/office/drawing/2014/main" val="1923971626"/>
+                      <a16:colId xmlns:a16="http://schemas.microsoft.com/office/drawing/2014/main" xmlns="" val="1923971626"/>
                     </a:ext>
                   </a:extLst>
                 </a:gridCol>
               </a:tblGrid>
-              <a:tr h="0">
+              <a:tr h="343214">
                 <a:tc>
                   <a:txBody>
                     <a:bodyPr/>
@@ -17573,7 +17753,7 @@
                       </a:endParaRPr>
                     </a:p>
                   </a:txBody>
-                  <a:tcPr anchor="ctr"/>
+                  <a:tcPr/>
                 </a:tc>
                 <a:tc>
                   <a:txBody>
@@ -17588,7 +17768,7 @@
                       <a:endParaRPr lang="ko-KR" altLang="en-US" sz="1800" dirty="0"/>
                     </a:p>
                   </a:txBody>
-                  <a:tcPr anchor="ctr"/>
+                  <a:tcPr/>
                 </a:tc>
                 <a:tc>
                   <a:txBody>
@@ -17603,7 +17783,7 @@
                       <a:endParaRPr lang="ko-KR" altLang="en-US" sz="1800" dirty="0"/>
                     </a:p>
                   </a:txBody>
-                  <a:tcPr anchor="ctr"/>
+                  <a:tcPr/>
                 </a:tc>
                 <a:tc>
                   <a:txBody>
@@ -17618,7 +17798,7 @@
                       <a:endParaRPr lang="ko-KR" altLang="en-US" sz="1800" dirty="0"/>
                     </a:p>
                   </a:txBody>
-                  <a:tcPr anchor="ctr"/>
+                  <a:tcPr/>
                 </a:tc>
                 <a:tc>
                   <a:txBody>
@@ -17633,11 +17813,11 @@
                       <a:endParaRPr lang="ko-KR" altLang="en-US" sz="1800" dirty="0"/>
                     </a:p>
                   </a:txBody>
-                  <a:tcPr anchor="ctr"/>
+                  <a:tcPr/>
                 </a:tc>
                 <a:extLst>
                   <a:ext uri="{0D108BD9-81ED-4DB2-BD59-A6C34878D82A}">
-                    <a16:rowId xmlns="" xmlns:a16="http://schemas.microsoft.com/office/drawing/2014/main" val="2058711828"/>
+                    <a16:rowId xmlns:a16="http://schemas.microsoft.com/office/drawing/2014/main" xmlns="" val="2058711828"/>
                   </a:ext>
                 </a:extLst>
               </a:tr>
@@ -17748,7 +17928,7 @@
                           <a:ea typeface="새굴림" panose="02030600000101010101" pitchFamily="18" charset="-127"/>
                           <a:cs typeface="Open Sans" pitchFamily="34" charset="-120"/>
                         </a:rPr>
-                        <a:t>-</a:t>
+                        <a:t>6</a:t>
                       </a:r>
                       <a:endParaRPr lang="en-US" altLang="ko-KR" sz="1400" b="0" dirty="0" smtClean="0">
                         <a:latin typeface="새굴림" panose="02030600000101010101" pitchFamily="18" charset="-127"/>
@@ -17768,13 +17948,6 @@
                     <a:lstStyle/>
                     <a:p>
                       <a:pPr algn="ctr" latinLnBrk="1"/>
-                      <a:r>
-                        <a:rPr lang="en-US" altLang="ko-KR" sz="1400" b="0" dirty="0" smtClean="0">
-                          <a:latin typeface="새굴림" panose="02030600000101010101" pitchFamily="18" charset="-127"/>
-                          <a:ea typeface="새굴림" panose="02030600000101010101" pitchFamily="18" charset="-127"/>
-                        </a:rPr>
-                        <a:t>O</a:t>
-                      </a:r>
                       <a:endParaRPr lang="ko-KR" altLang="en-US" sz="1400" b="0" dirty="0">
                         <a:latin typeface="새굴림" panose="02030600000101010101" pitchFamily="18" charset="-127"/>
                         <a:ea typeface="새굴림" panose="02030600000101010101" pitchFamily="18" charset="-127"/>
@@ -17895,13 +18068,6 @@
                     <a:lstStyle/>
                     <a:p>
                       <a:pPr algn="ctr"/>
-                      <a:r>
-                        <a:rPr lang="en-US" altLang="ko-KR" sz="1400" dirty="0" smtClean="0">
-                          <a:latin typeface="새굴림" pitchFamily="18" charset="-127"/>
-                          <a:ea typeface="새굴림" pitchFamily="18" charset="-127"/>
-                        </a:rPr>
-                        <a:t>O</a:t>
-                      </a:r>
                       <a:endParaRPr lang="ko-KR" altLang="en-US" sz="1400" dirty="0">
                         <a:latin typeface="새굴림" pitchFamily="18" charset="-127"/>
                         <a:ea typeface="새굴림" pitchFamily="18" charset="-127"/>
@@ -17916,7 +18082,7 @@
                 </a:tc>
                 <a:extLst>
                   <a:ext uri="{0D108BD9-81ED-4DB2-BD59-A6C34878D82A}">
-                    <a16:rowId xmlns="" xmlns:a16="http://schemas.microsoft.com/office/drawing/2014/main" val="1940163066"/>
+                    <a16:rowId xmlns:a16="http://schemas.microsoft.com/office/drawing/2014/main" xmlns="" val="1940163066"/>
                   </a:ext>
                 </a:extLst>
               </a:tr>
@@ -18004,7 +18170,7 @@
                           <a:latin typeface="새굴림" pitchFamily="18" charset="-127"/>
                           <a:ea typeface="새굴림" pitchFamily="18" charset="-127"/>
                         </a:rPr>
-                        <a:t>50</a:t>
+                        <a:t>100</a:t>
                       </a:r>
                       <a:endParaRPr lang="ko-KR" altLang="en-US" sz="1400" dirty="0">
                         <a:latin typeface="새굴림" pitchFamily="18" charset="-127"/>
@@ -18024,13 +18190,6 @@
                     <a:lstStyle/>
                     <a:p>
                       <a:pPr algn="ctr" latinLnBrk="1"/>
-                      <a:r>
-                        <a:rPr lang="en-US" altLang="ko-KR" sz="1400" dirty="0" smtClean="0">
-                          <a:latin typeface="새굴림" pitchFamily="18" charset="-127"/>
-                          <a:ea typeface="새굴림" pitchFamily="18" charset="-127"/>
-                        </a:rPr>
-                        <a:t>O</a:t>
-                      </a:r>
                       <a:endParaRPr lang="ko-KR" altLang="en-US" sz="1400" dirty="0">
                         <a:latin typeface="새굴림" pitchFamily="18" charset="-127"/>
                         <a:ea typeface="새굴림" pitchFamily="18" charset="-127"/>
@@ -18045,7 +18204,7 @@
                 </a:tc>
                 <a:extLst>
                   <a:ext uri="{0D108BD9-81ED-4DB2-BD59-A6C34878D82A}">
-                    <a16:rowId xmlns="" xmlns:a16="http://schemas.microsoft.com/office/drawing/2014/main" val="1642501168"/>
+                    <a16:rowId xmlns:a16="http://schemas.microsoft.com/office/drawing/2014/main" xmlns="" val="1642501168"/>
                   </a:ext>
                 </a:extLst>
               </a:tr>
@@ -18149,13 +18308,6 @@
                     <a:lstStyle/>
                     <a:p>
                       <a:pPr algn="ctr" latinLnBrk="1"/>
-                      <a:r>
-                        <a:rPr lang="en-US" altLang="ko-KR" sz="1400" dirty="0" smtClean="0">
-                          <a:latin typeface="새굴림" pitchFamily="18" charset="-127"/>
-                          <a:ea typeface="새굴림" pitchFamily="18" charset="-127"/>
-                        </a:rPr>
-                        <a:t>O</a:t>
-                      </a:r>
                       <a:endParaRPr lang="ko-KR" altLang="en-US" sz="1400" dirty="0">
                         <a:latin typeface="새굴림" pitchFamily="18" charset="-127"/>
                         <a:ea typeface="새굴림" pitchFamily="18" charset="-127"/>
@@ -18269,13 +18421,6 @@
                     <a:lstStyle/>
                     <a:p>
                       <a:pPr algn="ctr" latinLnBrk="1"/>
-                      <a:r>
-                        <a:rPr lang="en-US" altLang="ko-KR" sz="1400" dirty="0" smtClean="0">
-                          <a:latin typeface="새굴림" pitchFamily="18" charset="-127"/>
-                          <a:ea typeface="새굴림" pitchFamily="18" charset="-127"/>
-                        </a:rPr>
-                        <a:t>X</a:t>
-                      </a:r>
                       <a:endParaRPr lang="ko-KR" altLang="en-US" sz="1400" dirty="0">
                         <a:latin typeface="새굴림" pitchFamily="18" charset="-127"/>
                         <a:ea typeface="새굴림" pitchFamily="18" charset="-127"/>
@@ -18362,7 +18507,7 @@
                           <a:latin typeface="새굴림" pitchFamily="18" charset="-127"/>
                           <a:ea typeface="새굴림" pitchFamily="18" charset="-127"/>
                         </a:rPr>
-                        <a:t>-</a:t>
+                        <a:t>19</a:t>
                       </a:r>
                       <a:endParaRPr lang="ko-KR" altLang="en-US" sz="1400" dirty="0">
                         <a:latin typeface="새굴림" pitchFamily="18" charset="-127"/>
@@ -18382,13 +18527,6 @@
                     <a:lstStyle/>
                     <a:p>
                       <a:pPr algn="ctr" latinLnBrk="1"/>
-                      <a:r>
-                        <a:rPr lang="en-US" altLang="ko-KR" sz="1400" dirty="0" smtClean="0">
-                          <a:latin typeface="새굴림" pitchFamily="18" charset="-127"/>
-                          <a:ea typeface="새굴림" pitchFamily="18" charset="-127"/>
-                        </a:rPr>
-                        <a:t>X</a:t>
-                      </a:r>
                       <a:endParaRPr lang="ko-KR" altLang="en-US" sz="1400" dirty="0">
                         <a:latin typeface="새굴림" pitchFamily="18" charset="-127"/>
                         <a:ea typeface="새굴림" pitchFamily="18" charset="-127"/>
@@ -18475,7 +18613,7 @@
                           <a:latin typeface="새굴림" pitchFamily="18" charset="-127"/>
                           <a:ea typeface="새굴림" pitchFamily="18" charset="-127"/>
                         </a:rPr>
-                        <a:t>-</a:t>
+                        <a:t>19</a:t>
                       </a:r>
                       <a:endParaRPr lang="ko-KR" altLang="en-US" sz="1400" dirty="0">
                         <a:latin typeface="새굴림" pitchFamily="18" charset="-127"/>
@@ -18495,13 +18633,6 @@
                     <a:lstStyle/>
                     <a:p>
                       <a:pPr algn="ctr" latinLnBrk="1"/>
-                      <a:r>
-                        <a:rPr lang="en-US" altLang="ko-KR" sz="1400" dirty="0" smtClean="0">
-                          <a:latin typeface="새굴림" pitchFamily="18" charset="-127"/>
-                          <a:ea typeface="새굴림" pitchFamily="18" charset="-127"/>
-                        </a:rPr>
-                        <a:t>O</a:t>
-                      </a:r>
                       <a:endParaRPr lang="ko-KR" altLang="en-US" sz="1400" dirty="0">
                         <a:latin typeface="새굴림" pitchFamily="18" charset="-127"/>
                         <a:ea typeface="새굴림" pitchFamily="18" charset="-127"/>
@@ -18588,7 +18719,7 @@
                           <a:latin typeface="새굴림" pitchFamily="18" charset="-127"/>
                           <a:ea typeface="새굴림" pitchFamily="18" charset="-127"/>
                         </a:rPr>
-                        <a:t>-</a:t>
+                        <a:t>14</a:t>
                       </a:r>
                       <a:endParaRPr lang="ko-KR" altLang="en-US" sz="1400" dirty="0">
                         <a:latin typeface="새굴림" pitchFamily="18" charset="-127"/>
@@ -18608,13 +18739,6 @@
                     <a:lstStyle/>
                     <a:p>
                       <a:pPr algn="ctr" latinLnBrk="1"/>
-                      <a:r>
-                        <a:rPr lang="en-US" altLang="ko-KR" sz="1400" dirty="0" smtClean="0">
-                          <a:latin typeface="새굴림" pitchFamily="18" charset="-127"/>
-                          <a:ea typeface="새굴림" pitchFamily="18" charset="-127"/>
-                        </a:rPr>
-                        <a:t>O</a:t>
-                      </a:r>
                       <a:endParaRPr lang="ko-KR" altLang="en-US" sz="1400" dirty="0">
                         <a:latin typeface="새굴림" pitchFamily="18" charset="-127"/>
                         <a:ea typeface="새굴림" pitchFamily="18" charset="-127"/>
@@ -18701,7 +18825,7 @@
                           <a:latin typeface="새굴림" pitchFamily="18" charset="-127"/>
                           <a:ea typeface="새굴림" pitchFamily="18" charset="-127"/>
                         </a:rPr>
-                        <a:t>-</a:t>
+                        <a:t>19</a:t>
                       </a:r>
                       <a:endParaRPr lang="ko-KR" altLang="en-US" sz="1400" dirty="0">
                         <a:latin typeface="새굴림" pitchFamily="18" charset="-127"/>
@@ -18721,13 +18845,6 @@
                     <a:lstStyle/>
                     <a:p>
                       <a:pPr algn="ctr" latinLnBrk="1"/>
-                      <a:r>
-                        <a:rPr lang="en-US" altLang="ko-KR" sz="1400" dirty="0" smtClean="0">
-                          <a:latin typeface="새굴림" pitchFamily="18" charset="-127"/>
-                          <a:ea typeface="새굴림" pitchFamily="18" charset="-127"/>
-                        </a:rPr>
-                        <a:t>X</a:t>
-                      </a:r>
                       <a:endParaRPr lang="ko-KR" altLang="en-US" sz="1400" dirty="0">
                         <a:latin typeface="새굴림" pitchFamily="18" charset="-127"/>
                         <a:ea typeface="새굴림" pitchFamily="18" charset="-127"/>
@@ -18855,13 +18972,6 @@
                     <a:lstStyle/>
                     <a:p>
                       <a:pPr algn="ctr" latinLnBrk="1"/>
-                      <a:r>
-                        <a:rPr lang="en-US" altLang="ko-KR" sz="1400" dirty="0" smtClean="0">
-                          <a:latin typeface="새굴림" pitchFamily="18" charset="-127"/>
-                          <a:ea typeface="새굴림" pitchFamily="18" charset="-127"/>
-                        </a:rPr>
-                        <a:t>O</a:t>
-                      </a:r>
                       <a:endParaRPr lang="ko-KR" altLang="en-US" sz="1400" dirty="0">
                         <a:latin typeface="새굴림" pitchFamily="18" charset="-127"/>
                         <a:ea typeface="새굴림" pitchFamily="18" charset="-127"/>
@@ -18888,7 +18998,7 @@
           <p:nvPr>
             <p:extLst>
               <p:ext uri="{D42A27DB-BD31-4B8C-83A1-F6EECF244321}">
-                <p14:modId xmlns:p14="http://schemas.microsoft.com/office/powerpoint/2010/main" val="2049953586"/>
+                <p14:modId xmlns:p14="http://schemas.microsoft.com/office/powerpoint/2010/main" val="4186858327"/>
               </p:ext>
             </p:extLst>
           </p:nvPr>
@@ -18907,14 +19017,14 @@
                 <a:gridCol w="3286125">
                   <a:extLst>
                     <a:ext uri="{9D8B030D-6E8A-4147-A177-3AD203B41FA5}">
-                      <a16:colId xmlns="" xmlns:a16="http://schemas.microsoft.com/office/drawing/2014/main" val="2880723631"/>
+                      <a16:colId xmlns:a16="http://schemas.microsoft.com/office/drawing/2014/main" xmlns="" val="2880723631"/>
                     </a:ext>
                   </a:extLst>
                 </a:gridCol>
                 <a:gridCol w="7229475">
                   <a:extLst>
                     <a:ext uri="{9D8B030D-6E8A-4147-A177-3AD203B41FA5}">
-                      <a16:colId xmlns="" xmlns:a16="http://schemas.microsoft.com/office/drawing/2014/main" val="1222440865"/>
+                      <a16:colId xmlns:a16="http://schemas.microsoft.com/office/drawing/2014/main" xmlns="" val="1222440865"/>
                     </a:ext>
                   </a:extLst>
                 </a:gridCol>
@@ -18960,52 +19070,11 @@
                 </a:tc>
                 <a:extLst>
                   <a:ext uri="{0D108BD9-81ED-4DB2-BD59-A6C34878D82A}">
-                    <a16:rowId xmlns="" xmlns:a16="http://schemas.microsoft.com/office/drawing/2014/main" val="2058711828"/>
+                    <a16:rowId xmlns:a16="http://schemas.microsoft.com/office/drawing/2014/main" xmlns="" val="2058711828"/>
                   </a:ext>
                 </a:extLst>
               </a:tr>
               <a:tr h="231723">
-                <a:tc>
-                  <a:txBody>
-                    <a:bodyPr/>
-                    <a:lstStyle/>
-                    <a:p>
-                      <a:pPr marL="0" marR="0" indent="0" algn="ctr" defTabSz="914400" rtl="0" eaLnBrk="1" fontAlgn="auto" latinLnBrk="1" hangingPunct="1">
-                        <a:lnSpc>
-                          <a:spcPct val="100000"/>
-                        </a:lnSpc>
-                        <a:spcBef>
-                          <a:spcPts val="0"/>
-                        </a:spcBef>
-                        <a:spcAft>
-                          <a:spcPts val="0"/>
-                        </a:spcAft>
-                        <a:buClrTx/>
-                        <a:buSzTx/>
-                        <a:buFontTx/>
-                        <a:buNone/>
-                        <a:tabLst/>
-                        <a:defRPr/>
-                      </a:pPr>
-                      <a:r>
-                        <a:rPr lang="ko-KR" altLang="en-US" sz="1800" dirty="0" smtClean="0">
-                          <a:latin typeface="새굴림" panose="02030600000101010101" pitchFamily="18" charset="-127"/>
-                          <a:ea typeface="새굴림" panose="02030600000101010101" pitchFamily="18" charset="-127"/>
-                        </a:rPr>
-                        <a:t>조회</a:t>
-                      </a:r>
-                      <a:endParaRPr lang="en-US" altLang="ko-KR" sz="1800" dirty="0" smtClean="0">
-                        <a:latin typeface="새굴림" panose="02030600000101010101" pitchFamily="18" charset="-127"/>
-                        <a:ea typeface="새굴림" panose="02030600000101010101" pitchFamily="18" charset="-127"/>
-                      </a:endParaRPr>
-                    </a:p>
-                  </a:txBody>
-                  <a:tcPr anchor="ctr">
-                    <a:solidFill>
-                      <a:schemeClr val="bg1"/>
-                    </a:solidFill>
-                  </a:tcPr>
-                </a:tc>
                 <a:tc>
                   <a:txBody>
                     <a:bodyPr/>
@@ -19033,6 +19102,47 @@
                           <a:latin typeface="새굴림" panose="02030600000101010101" pitchFamily="18" charset="-127"/>
                           <a:ea typeface="새굴림" panose="02030600000101010101" pitchFamily="18" charset="-127"/>
                         </a:rPr>
+                        <a:t>조회 버튼 클릭</a:t>
+                      </a:r>
+                      <a:endParaRPr lang="en-US" altLang="ko-KR" sz="1800" dirty="0" smtClean="0">
+                        <a:latin typeface="새굴림" panose="02030600000101010101" pitchFamily="18" charset="-127"/>
+                        <a:ea typeface="새굴림" panose="02030600000101010101" pitchFamily="18" charset="-127"/>
+                      </a:endParaRPr>
+                    </a:p>
+                  </a:txBody>
+                  <a:tcPr anchor="ctr">
+                    <a:solidFill>
+                      <a:schemeClr val="bg1"/>
+                    </a:solidFill>
+                  </a:tcPr>
+                </a:tc>
+                <a:tc>
+                  <a:txBody>
+                    <a:bodyPr/>
+                    <a:lstStyle/>
+                    <a:p>
+                      <a:pPr marL="0" marR="0" indent="0" algn="l" defTabSz="914400" rtl="0" eaLnBrk="1" fontAlgn="auto" latinLnBrk="1" hangingPunct="1">
+                        <a:lnSpc>
+                          <a:spcPct val="100000"/>
+                        </a:lnSpc>
+                        <a:spcBef>
+                          <a:spcPts val="0"/>
+                        </a:spcBef>
+                        <a:spcAft>
+                          <a:spcPts val="0"/>
+                        </a:spcAft>
+                        <a:buClrTx/>
+                        <a:buSzTx/>
+                        <a:buFontTx/>
+                        <a:buNone/>
+                        <a:tabLst/>
+                        <a:defRPr/>
+                      </a:pPr>
+                      <a:r>
+                        <a:rPr lang="ko-KR" altLang="en-US" sz="1800" dirty="0" smtClean="0">
+                          <a:latin typeface="새굴림" panose="02030600000101010101" pitchFamily="18" charset="-127"/>
+                          <a:ea typeface="새굴림" panose="02030600000101010101" pitchFamily="18" charset="-127"/>
+                        </a:rPr>
                         <a:t>분류</a:t>
                       </a:r>
                       <a:r>
@@ -19119,7 +19229,7 @@
                 </a:tc>
                 <a:extLst>
                   <a:ext uri="{0D108BD9-81ED-4DB2-BD59-A6C34878D82A}">
-                    <a16:rowId xmlns="" xmlns:a16="http://schemas.microsoft.com/office/drawing/2014/main" val="1940163066"/>
+                    <a16:rowId xmlns:a16="http://schemas.microsoft.com/office/drawing/2014/main" xmlns="" val="1940163066"/>
                   </a:ext>
                 </a:extLst>
               </a:tr>
@@ -19547,7 +19657,7 @@
   <a:extraClrSchemeLst/>
   <a:extLst>
     <a:ext uri="{05A4C25C-085E-4340-85A3-A5531E510DB2}">
-      <thm15:themeFamily xmlns="" xmlns:thm15="http://schemas.microsoft.com/office/thememl/2012/main" name="Office Theme" id="{62F939B6-93AF-4DB8-9C6B-D6C7DFDC589F}" vid="{4A3C46E8-61CC-4603-A589-7422A47A8E4A}"/>
+      <thm15:themeFamily xmlns:thm15="http://schemas.microsoft.com/office/thememl/2012/main" xmlns="" name="Office Theme" id="{62F939B6-93AF-4DB8-9C6B-D6C7DFDC589F}" vid="{4A3C46E8-61CC-4603-A589-7422A47A8E4A}"/>
     </a:ext>
   </a:extLst>
 </a:theme>
